--- a/lectures/lecture-1/Lecture_1_Intro.pptx
+++ b/lectures/lecture-1/Lecture_1_Intro.pptx
@@ -309,7 +309,7 @@
           <a:p>
             <a:fld id="{ADB8A9A7-2F8A-8542-A5B3-1DCBE9DCB46D}" type="datetimeFigureOut">
               <a:rPr lang="en-US" smtClean="0"/>
-              <a:t>9/15/18</a:t>
+              <a:t>9/16/18</a:t>
             </a:fld>
             <a:endParaRPr lang="en-US"/>
           </a:p>
@@ -373,38 +373,37 @@
           <a:p>
             <a:pPr lvl="0"/>
             <a:r>
-              <a:rPr lang="en-US" smtClean="0"/>
+              <a:rPr lang="en-US"/>
               <a:t>Click to edit Master text styles</a:t>
             </a:r>
           </a:p>
           <a:p>
             <a:pPr lvl="1"/>
             <a:r>
-              <a:rPr lang="en-US" smtClean="0"/>
+              <a:rPr lang="en-US"/>
               <a:t>Second level</a:t>
             </a:r>
           </a:p>
           <a:p>
             <a:pPr lvl="2"/>
             <a:r>
-              <a:rPr lang="en-US" smtClean="0"/>
+              <a:rPr lang="en-US"/>
               <a:t>Third level</a:t>
             </a:r>
           </a:p>
           <a:p>
             <a:pPr lvl="3"/>
             <a:r>
-              <a:rPr lang="en-US" smtClean="0"/>
+              <a:rPr lang="en-US"/>
               <a:t>Fourth level</a:t>
             </a:r>
           </a:p>
           <a:p>
             <a:pPr lvl="4"/>
             <a:r>
-              <a:rPr lang="en-US" smtClean="0"/>
+              <a:rPr lang="en-US"/>
               <a:t>Fifth level</a:t>
             </a:r>
-            <a:endParaRPr lang="en-US"/>
           </a:p>
         </p:txBody>
       </p:sp>
@@ -3310,10 +3309,9 @@
           </a:lstStyle>
           <a:p>
             <a:r>
-              <a:rPr lang="en-US" smtClean="0"/>
+              <a:rPr lang="en-US"/>
               <a:t>Click to edit Master title style</a:t>
             </a:r>
-            <a:endParaRPr lang="en-US"/>
           </a:p>
         </p:txBody>
       </p:sp>
@@ -3375,10 +3373,9 @@
           </a:lstStyle>
           <a:p>
             <a:r>
-              <a:rPr lang="en-US" smtClean="0"/>
+              <a:rPr lang="en-US"/>
               <a:t>Click to edit Master subtitle style</a:t>
             </a:r>
-            <a:endParaRPr lang="en-US"/>
           </a:p>
         </p:txBody>
       </p:sp>
@@ -3399,7 +3396,7 @@
           <a:p>
             <a:fld id="{C7F75508-BB0A-464D-ADEF-3A0075ABE227}" type="datetime1">
               <a:rPr lang="en-US" smtClean="0"/>
-              <a:t>9/15/18</a:t>
+              <a:t>9/16/18</a:t>
             </a:fld>
             <a:endParaRPr lang="en-US"/>
           </a:p>
@@ -3493,10 +3490,9 @@
           <a:lstStyle/>
           <a:p>
             <a:r>
-              <a:rPr lang="en-US" smtClean="0"/>
+              <a:rPr lang="en-US"/>
               <a:t>Click to edit Master title style</a:t>
             </a:r>
-            <a:endParaRPr lang="en-US"/>
           </a:p>
         </p:txBody>
       </p:sp>
@@ -3517,38 +3513,37 @@
           <a:p>
             <a:pPr lvl="0"/>
             <a:r>
-              <a:rPr lang="en-US" smtClean="0"/>
+              <a:rPr lang="en-US"/>
               <a:t>Click to edit Master text styles</a:t>
             </a:r>
           </a:p>
           <a:p>
             <a:pPr lvl="1"/>
             <a:r>
-              <a:rPr lang="en-US" smtClean="0"/>
+              <a:rPr lang="en-US"/>
               <a:t>Second level</a:t>
             </a:r>
           </a:p>
           <a:p>
             <a:pPr lvl="2"/>
             <a:r>
-              <a:rPr lang="en-US" smtClean="0"/>
+              <a:rPr lang="en-US"/>
               <a:t>Third level</a:t>
             </a:r>
           </a:p>
           <a:p>
             <a:pPr lvl="3"/>
             <a:r>
-              <a:rPr lang="en-US" smtClean="0"/>
+              <a:rPr lang="en-US"/>
               <a:t>Fourth level</a:t>
             </a:r>
           </a:p>
           <a:p>
             <a:pPr lvl="4"/>
             <a:r>
-              <a:rPr lang="en-US" smtClean="0"/>
+              <a:rPr lang="en-US"/>
               <a:t>Fifth level</a:t>
             </a:r>
-            <a:endParaRPr lang="en-US"/>
           </a:p>
         </p:txBody>
       </p:sp>
@@ -3569,7 +3564,7 @@
           <a:p>
             <a:fld id="{C16159A3-DF54-4C46-A244-9A1C3258A5D5}" type="datetime1">
               <a:rPr lang="en-US" smtClean="0"/>
-              <a:t>9/15/18</a:t>
+              <a:t>9/16/18</a:t>
             </a:fld>
             <a:endParaRPr lang="en-US"/>
           </a:p>
@@ -3668,10 +3663,9 @@
           <a:lstStyle/>
           <a:p>
             <a:r>
-              <a:rPr lang="en-US" smtClean="0"/>
+              <a:rPr lang="en-US"/>
               <a:t>Click to edit Master title style</a:t>
             </a:r>
-            <a:endParaRPr lang="en-US"/>
           </a:p>
         </p:txBody>
       </p:sp>
@@ -3697,38 +3691,37 @@
           <a:p>
             <a:pPr lvl="0"/>
             <a:r>
-              <a:rPr lang="en-US" smtClean="0"/>
+              <a:rPr lang="en-US"/>
               <a:t>Click to edit Master text styles</a:t>
             </a:r>
           </a:p>
           <a:p>
             <a:pPr lvl="1"/>
             <a:r>
-              <a:rPr lang="en-US" smtClean="0"/>
+              <a:rPr lang="en-US"/>
               <a:t>Second level</a:t>
             </a:r>
           </a:p>
           <a:p>
             <a:pPr lvl="2"/>
             <a:r>
-              <a:rPr lang="en-US" smtClean="0"/>
+              <a:rPr lang="en-US"/>
               <a:t>Third level</a:t>
             </a:r>
           </a:p>
           <a:p>
             <a:pPr lvl="3"/>
             <a:r>
-              <a:rPr lang="en-US" smtClean="0"/>
+              <a:rPr lang="en-US"/>
               <a:t>Fourth level</a:t>
             </a:r>
           </a:p>
           <a:p>
             <a:pPr lvl="4"/>
             <a:r>
-              <a:rPr lang="en-US" smtClean="0"/>
+              <a:rPr lang="en-US"/>
               <a:t>Fifth level</a:t>
             </a:r>
-            <a:endParaRPr lang="en-US"/>
           </a:p>
         </p:txBody>
       </p:sp>
@@ -3749,7 +3742,7 @@
           <a:p>
             <a:fld id="{B3E23A13-4A4C-C245-A282-B82029FF14A9}" type="datetime1">
               <a:rPr lang="en-US" smtClean="0"/>
-              <a:t>9/15/18</a:t>
+              <a:t>9/16/18</a:t>
             </a:fld>
             <a:endParaRPr lang="en-US"/>
           </a:p>
@@ -3843,10 +3836,9 @@
           <a:lstStyle/>
           <a:p>
             <a:r>
-              <a:rPr lang="en-US" smtClean="0"/>
+              <a:rPr lang="en-US"/>
               <a:t>Click to edit Master title style</a:t>
             </a:r>
-            <a:endParaRPr lang="en-US"/>
           </a:p>
         </p:txBody>
       </p:sp>
@@ -3867,38 +3859,37 @@
           <a:p>
             <a:pPr lvl="0"/>
             <a:r>
-              <a:rPr lang="en-US" smtClean="0"/>
+              <a:rPr lang="en-US"/>
               <a:t>Click to edit Master text styles</a:t>
             </a:r>
           </a:p>
           <a:p>
             <a:pPr lvl="1"/>
             <a:r>
-              <a:rPr lang="en-US" smtClean="0"/>
+              <a:rPr lang="en-US"/>
               <a:t>Second level</a:t>
             </a:r>
           </a:p>
           <a:p>
             <a:pPr lvl="2"/>
             <a:r>
-              <a:rPr lang="en-US" smtClean="0"/>
+              <a:rPr lang="en-US"/>
               <a:t>Third level</a:t>
             </a:r>
           </a:p>
           <a:p>
             <a:pPr lvl="3"/>
             <a:r>
-              <a:rPr lang="en-US" smtClean="0"/>
+              <a:rPr lang="en-US"/>
               <a:t>Fourth level</a:t>
             </a:r>
           </a:p>
           <a:p>
             <a:pPr lvl="4"/>
             <a:r>
-              <a:rPr lang="en-US" smtClean="0"/>
+              <a:rPr lang="en-US"/>
               <a:t>Fifth level</a:t>
             </a:r>
-            <a:endParaRPr lang="en-US"/>
           </a:p>
         </p:txBody>
       </p:sp>
@@ -3919,7 +3910,7 @@
           <a:p>
             <a:fld id="{F1FDBABF-E9B9-0B48-88BB-0E26979FE3C3}" type="datetime1">
               <a:rPr lang="en-US" smtClean="0"/>
-              <a:t>9/15/18</a:t>
+              <a:t>9/16/18</a:t>
             </a:fld>
             <a:endParaRPr lang="en-US"/>
           </a:p>
@@ -4022,10 +4013,9 @@
           </a:lstStyle>
           <a:p>
             <a:r>
-              <a:rPr lang="en-US" smtClean="0"/>
+              <a:rPr lang="en-US"/>
               <a:t>Click to edit Master title style</a:t>
             </a:r>
-            <a:endParaRPr lang="en-US"/>
           </a:p>
         </p:txBody>
       </p:sp>
@@ -4142,7 +4132,7 @@
           <a:p>
             <a:pPr lvl="0"/>
             <a:r>
-              <a:rPr lang="en-US" smtClean="0"/>
+              <a:rPr lang="en-US"/>
               <a:t>Click to edit Master text styles</a:t>
             </a:r>
           </a:p>
@@ -4165,7 +4155,7 @@
           <a:p>
             <a:fld id="{670FF0DC-4CC6-E74B-ADE9-A3A724E54A70}" type="datetime1">
               <a:rPr lang="en-US" smtClean="0"/>
-              <a:t>9/15/18</a:t>
+              <a:t>9/16/18</a:t>
             </a:fld>
             <a:endParaRPr lang="en-US"/>
           </a:p>
@@ -4259,10 +4249,9 @@
           <a:lstStyle/>
           <a:p>
             <a:r>
-              <a:rPr lang="en-US" smtClean="0"/>
+              <a:rPr lang="en-US"/>
               <a:t>Click to edit Master title style</a:t>
             </a:r>
-            <a:endParaRPr lang="en-US"/>
           </a:p>
         </p:txBody>
       </p:sp>
@@ -4288,38 +4277,37 @@
           <a:p>
             <a:pPr lvl="0"/>
             <a:r>
-              <a:rPr lang="en-US" smtClean="0"/>
+              <a:rPr lang="en-US"/>
               <a:t>Click to edit Master text styles</a:t>
             </a:r>
           </a:p>
           <a:p>
             <a:pPr lvl="1"/>
             <a:r>
-              <a:rPr lang="en-US" smtClean="0"/>
+              <a:rPr lang="en-US"/>
               <a:t>Second level</a:t>
             </a:r>
           </a:p>
           <a:p>
             <a:pPr lvl="2"/>
             <a:r>
-              <a:rPr lang="en-US" smtClean="0"/>
+              <a:rPr lang="en-US"/>
               <a:t>Third level</a:t>
             </a:r>
           </a:p>
           <a:p>
             <a:pPr lvl="3"/>
             <a:r>
-              <a:rPr lang="en-US" smtClean="0"/>
+              <a:rPr lang="en-US"/>
               <a:t>Fourth level</a:t>
             </a:r>
           </a:p>
           <a:p>
             <a:pPr lvl="4"/>
             <a:r>
-              <a:rPr lang="en-US" smtClean="0"/>
+              <a:rPr lang="en-US"/>
               <a:t>Fifth level</a:t>
             </a:r>
-            <a:endParaRPr lang="en-US"/>
           </a:p>
         </p:txBody>
       </p:sp>
@@ -4345,38 +4333,37 @@
           <a:p>
             <a:pPr lvl="0"/>
             <a:r>
-              <a:rPr lang="en-US" smtClean="0"/>
+              <a:rPr lang="en-US"/>
               <a:t>Click to edit Master text styles</a:t>
             </a:r>
           </a:p>
           <a:p>
             <a:pPr lvl="1"/>
             <a:r>
-              <a:rPr lang="en-US" smtClean="0"/>
+              <a:rPr lang="en-US"/>
               <a:t>Second level</a:t>
             </a:r>
           </a:p>
           <a:p>
             <a:pPr lvl="2"/>
             <a:r>
-              <a:rPr lang="en-US" smtClean="0"/>
+              <a:rPr lang="en-US"/>
               <a:t>Third level</a:t>
             </a:r>
           </a:p>
           <a:p>
             <a:pPr lvl="3"/>
             <a:r>
-              <a:rPr lang="en-US" smtClean="0"/>
+              <a:rPr lang="en-US"/>
               <a:t>Fourth level</a:t>
             </a:r>
           </a:p>
           <a:p>
             <a:pPr lvl="4"/>
             <a:r>
-              <a:rPr lang="en-US" smtClean="0"/>
+              <a:rPr lang="en-US"/>
               <a:t>Fifth level</a:t>
             </a:r>
-            <a:endParaRPr lang="en-US"/>
           </a:p>
         </p:txBody>
       </p:sp>
@@ -4397,7 +4384,7 @@
           <a:p>
             <a:fld id="{096CA4E7-51A4-4043-B144-32E78EB53B2F}" type="datetime1">
               <a:rPr lang="en-US" smtClean="0"/>
-              <a:t>9/15/18</a:t>
+              <a:t>9/16/18</a:t>
             </a:fld>
             <a:endParaRPr lang="en-US"/>
           </a:p>
@@ -4496,10 +4483,9 @@
           <a:lstStyle/>
           <a:p>
             <a:r>
-              <a:rPr lang="en-US" smtClean="0"/>
+              <a:rPr lang="en-US"/>
               <a:t>Click to edit Master title style</a:t>
             </a:r>
-            <a:endParaRPr lang="en-US"/>
           </a:p>
         </p:txBody>
       </p:sp>
@@ -4562,7 +4548,7 @@
           <a:p>
             <a:pPr lvl="0"/>
             <a:r>
-              <a:rPr lang="en-US" smtClean="0"/>
+              <a:rPr lang="en-US"/>
               <a:t>Click to edit Master text styles</a:t>
             </a:r>
           </a:p>
@@ -4590,38 +4576,37 @@
           <a:p>
             <a:pPr lvl="0"/>
             <a:r>
-              <a:rPr lang="en-US" smtClean="0"/>
+              <a:rPr lang="en-US"/>
               <a:t>Click to edit Master text styles</a:t>
             </a:r>
           </a:p>
           <a:p>
             <a:pPr lvl="1"/>
             <a:r>
-              <a:rPr lang="en-US" smtClean="0"/>
+              <a:rPr lang="en-US"/>
               <a:t>Second level</a:t>
             </a:r>
           </a:p>
           <a:p>
             <a:pPr lvl="2"/>
             <a:r>
-              <a:rPr lang="en-US" smtClean="0"/>
+              <a:rPr lang="en-US"/>
               <a:t>Third level</a:t>
             </a:r>
           </a:p>
           <a:p>
             <a:pPr lvl="3"/>
             <a:r>
-              <a:rPr lang="en-US" smtClean="0"/>
+              <a:rPr lang="en-US"/>
               <a:t>Fourth level</a:t>
             </a:r>
           </a:p>
           <a:p>
             <a:pPr lvl="4"/>
             <a:r>
-              <a:rPr lang="en-US" smtClean="0"/>
+              <a:rPr lang="en-US"/>
               <a:t>Fifth level</a:t>
             </a:r>
-            <a:endParaRPr lang="en-US"/>
           </a:p>
         </p:txBody>
       </p:sp>
@@ -4684,7 +4669,7 @@
           <a:p>
             <a:pPr lvl="0"/>
             <a:r>
-              <a:rPr lang="en-US" smtClean="0"/>
+              <a:rPr lang="en-US"/>
               <a:t>Click to edit Master text styles</a:t>
             </a:r>
           </a:p>
@@ -4712,38 +4697,37 @@
           <a:p>
             <a:pPr lvl="0"/>
             <a:r>
-              <a:rPr lang="en-US" smtClean="0"/>
+              <a:rPr lang="en-US"/>
               <a:t>Click to edit Master text styles</a:t>
             </a:r>
           </a:p>
           <a:p>
             <a:pPr lvl="1"/>
             <a:r>
-              <a:rPr lang="en-US" smtClean="0"/>
+              <a:rPr lang="en-US"/>
               <a:t>Second level</a:t>
             </a:r>
           </a:p>
           <a:p>
             <a:pPr lvl="2"/>
             <a:r>
-              <a:rPr lang="en-US" smtClean="0"/>
+              <a:rPr lang="en-US"/>
               <a:t>Third level</a:t>
             </a:r>
           </a:p>
           <a:p>
             <a:pPr lvl="3"/>
             <a:r>
-              <a:rPr lang="en-US" smtClean="0"/>
+              <a:rPr lang="en-US"/>
               <a:t>Fourth level</a:t>
             </a:r>
           </a:p>
           <a:p>
             <a:pPr lvl="4"/>
             <a:r>
-              <a:rPr lang="en-US" smtClean="0"/>
+              <a:rPr lang="en-US"/>
               <a:t>Fifth level</a:t>
             </a:r>
-            <a:endParaRPr lang="en-US"/>
           </a:p>
         </p:txBody>
       </p:sp>
@@ -4764,7 +4748,7 @@
           <a:p>
             <a:fld id="{BEA253EF-D8E3-0440-8139-36EEB92428E3}" type="datetime1">
               <a:rPr lang="en-US" smtClean="0"/>
-              <a:t>9/15/18</a:t>
+              <a:t>9/16/18</a:t>
             </a:fld>
             <a:endParaRPr lang="en-US"/>
           </a:p>
@@ -4858,10 +4842,9 @@
           <a:lstStyle/>
           <a:p>
             <a:r>
-              <a:rPr lang="en-US" smtClean="0"/>
+              <a:rPr lang="en-US"/>
               <a:t>Click to edit Master title style</a:t>
             </a:r>
-            <a:endParaRPr lang="en-US"/>
           </a:p>
         </p:txBody>
       </p:sp>
@@ -4882,7 +4865,7 @@
           <a:p>
             <a:fld id="{13FA77A2-9965-7C42-98E1-8D5C145B4EDB}" type="datetime1">
               <a:rPr lang="en-US" smtClean="0"/>
-              <a:t>9/15/18</a:t>
+              <a:t>9/16/18</a:t>
             </a:fld>
             <a:endParaRPr lang="en-US"/>
           </a:p>
@@ -4977,7 +4960,7 @@
           <a:p>
             <a:fld id="{6A307D39-643B-3A4B-8B1B-C9B22069A6E3}" type="datetime1">
               <a:rPr lang="en-US" smtClean="0"/>
-              <a:t>9/15/18</a:t>
+              <a:t>9/16/18</a:t>
             </a:fld>
             <a:endParaRPr lang="en-US"/>
           </a:p>
@@ -5080,10 +5063,9 @@
           </a:lstStyle>
           <a:p>
             <a:r>
-              <a:rPr lang="en-US" smtClean="0"/>
+              <a:rPr lang="en-US"/>
               <a:t>Click to edit Master title style</a:t>
             </a:r>
-            <a:endParaRPr lang="en-US"/>
           </a:p>
         </p:txBody>
       </p:sp>
@@ -5137,38 +5119,37 @@
           <a:p>
             <a:pPr lvl="0"/>
             <a:r>
-              <a:rPr lang="en-US" smtClean="0"/>
+              <a:rPr lang="en-US"/>
               <a:t>Click to edit Master text styles</a:t>
             </a:r>
           </a:p>
           <a:p>
             <a:pPr lvl="1"/>
             <a:r>
-              <a:rPr lang="en-US" smtClean="0"/>
+              <a:rPr lang="en-US"/>
               <a:t>Second level</a:t>
             </a:r>
           </a:p>
           <a:p>
             <a:pPr lvl="2"/>
             <a:r>
-              <a:rPr lang="en-US" smtClean="0"/>
+              <a:rPr lang="en-US"/>
               <a:t>Third level</a:t>
             </a:r>
           </a:p>
           <a:p>
             <a:pPr lvl="3"/>
             <a:r>
-              <a:rPr lang="en-US" smtClean="0"/>
+              <a:rPr lang="en-US"/>
               <a:t>Fourth level</a:t>
             </a:r>
           </a:p>
           <a:p>
             <a:pPr lvl="4"/>
             <a:r>
-              <a:rPr lang="en-US" smtClean="0"/>
+              <a:rPr lang="en-US"/>
               <a:t>Fifth level</a:t>
             </a:r>
-            <a:endParaRPr lang="en-US"/>
           </a:p>
         </p:txBody>
       </p:sp>
@@ -5231,7 +5212,7 @@
           <a:p>
             <a:pPr lvl="0"/>
             <a:r>
-              <a:rPr lang="en-US" smtClean="0"/>
+              <a:rPr lang="en-US"/>
               <a:t>Click to edit Master text styles</a:t>
             </a:r>
           </a:p>
@@ -5254,7 +5235,7 @@
           <a:p>
             <a:fld id="{B2591225-698E-4144-BE2D-C0FAD87E1DE5}" type="datetime1">
               <a:rPr lang="en-US" smtClean="0"/>
-              <a:t>9/15/18</a:t>
+              <a:t>9/16/18</a:t>
             </a:fld>
             <a:endParaRPr lang="en-US"/>
           </a:p>
@@ -5357,10 +5338,9 @@
           </a:lstStyle>
           <a:p>
             <a:r>
-              <a:rPr lang="en-US" smtClean="0"/>
+              <a:rPr lang="en-US"/>
               <a:t>Click to edit Master title style</a:t>
             </a:r>
-            <a:endParaRPr lang="en-US"/>
           </a:p>
         </p:txBody>
       </p:sp>
@@ -5484,7 +5464,7 @@
           <a:p>
             <a:pPr lvl="0"/>
             <a:r>
-              <a:rPr lang="en-US" smtClean="0"/>
+              <a:rPr lang="en-US"/>
               <a:t>Click to edit Master text styles</a:t>
             </a:r>
           </a:p>
@@ -5507,7 +5487,7 @@
           <a:p>
             <a:fld id="{8092CE43-A1E8-1340-A845-87D6176A44FB}" type="datetime1">
               <a:rPr lang="en-US" smtClean="0"/>
-              <a:t>9/15/18</a:t>
+              <a:t>9/16/18</a:t>
             </a:fld>
             <a:endParaRPr lang="en-US"/>
           </a:p>
@@ -5616,10 +5596,9 @@
           <a:lstStyle/>
           <a:p>
             <a:r>
-              <a:rPr lang="en-US" smtClean="0"/>
+              <a:rPr lang="en-US"/>
               <a:t>Click to edit Master title style</a:t>
             </a:r>
-            <a:endParaRPr lang="en-US"/>
           </a:p>
         </p:txBody>
       </p:sp>
@@ -5650,38 +5629,37 @@
           <a:p>
             <a:pPr lvl="0"/>
             <a:r>
-              <a:rPr lang="en-US" smtClean="0"/>
+              <a:rPr lang="en-US"/>
               <a:t>Click to edit Master text styles</a:t>
             </a:r>
           </a:p>
           <a:p>
             <a:pPr lvl="1"/>
             <a:r>
-              <a:rPr lang="en-US" smtClean="0"/>
+              <a:rPr lang="en-US"/>
               <a:t>Second level</a:t>
             </a:r>
           </a:p>
           <a:p>
             <a:pPr lvl="2"/>
             <a:r>
-              <a:rPr lang="en-US" smtClean="0"/>
+              <a:rPr lang="en-US"/>
               <a:t>Third level</a:t>
             </a:r>
           </a:p>
           <a:p>
             <a:pPr lvl="3"/>
             <a:r>
-              <a:rPr lang="en-US" smtClean="0"/>
+              <a:rPr lang="en-US"/>
               <a:t>Fourth level</a:t>
             </a:r>
           </a:p>
           <a:p>
             <a:pPr lvl="4"/>
             <a:r>
-              <a:rPr lang="en-US" smtClean="0"/>
+              <a:rPr lang="en-US"/>
               <a:t>Fifth level</a:t>
             </a:r>
-            <a:endParaRPr lang="en-US"/>
           </a:p>
         </p:txBody>
       </p:sp>
@@ -5720,7 +5698,7 @@
           <a:p>
             <a:fld id="{32E80DAD-0F0E-1C48-9551-E0290ADDD356}" type="datetime1">
               <a:rPr lang="en-US" smtClean="0"/>
-              <a:t>9/15/18</a:t>
+              <a:t>9/16/18</a:t>
             </a:fld>
             <a:endParaRPr lang="en-US"/>
           </a:p>
@@ -6144,10 +6122,9 @@
           <a:lstStyle/>
           <a:p>
             <a:r>
-              <a:rPr lang="en-US" dirty="0" smtClean="0"/>
+              <a:rPr lang="en-US" dirty="0"/>
               <a:t>Database Systems</a:t>
             </a:r>
-            <a:endParaRPr lang="en-US" dirty="0"/>
           </a:p>
         </p:txBody>
       </p:sp>
@@ -6167,7 +6144,7 @@
           <a:lstStyle/>
           <a:p>
             <a:r>
-              <a:rPr lang="en-US" dirty="0" smtClean="0"/>
+              <a:rPr lang="en-US" dirty="0"/>
               <a:t>Lecture 1: Course Overview</a:t>
             </a:r>
           </a:p>
@@ -6273,26 +6250,14 @@
           <a:lstStyle/>
           <a:p>
             <a:r>
-              <a:rPr lang="en-US" dirty="0" smtClean="0"/>
-              <a:t>Copyright: These slides are the modified version of the slides used in CS145 </a:t>
-            </a:r>
-            <a:r>
               <a:rPr lang="en-US" dirty="0"/>
-              <a:t>Introduction to </a:t>
-            </a:r>
-            <a:r>
-              <a:rPr lang="en-US" dirty="0" smtClean="0"/>
-              <a:t>Databases course</a:t>
-            </a:r>
-          </a:p>
-          <a:p>
-            <a:r>
-              <a:rPr lang="en-US" dirty="0" smtClean="0"/>
-              <a:t>at Stanford </a:t>
-            </a:r>
+              <a:t>Copyright: These slides are the modified version of the slides used in CS145 Introduction to Databases course</a:t>
+            </a:r>
+          </a:p>
+          <a:p>
             <a:r>
               <a:rPr lang="en-US" dirty="0"/>
-              <a:t>by Dr. Peter </a:t>
+              <a:t>at Stanford by Dr. Peter </a:t>
             </a:r>
             <a:r>
               <a:rPr lang="en-US" dirty="0" err="1"/>
@@ -6307,13 +6272,6 @@
   <p:clrMapOvr>
     <a:masterClrMapping/>
   </p:clrMapOvr>
-  <p:timing>
-    <p:tnLst>
-      <p:par>
-        <p:cTn xmlns:p14="http://schemas.microsoft.com/office/powerpoint/2010/main" id="1" dur="indefinite" restart="never" nodeType="tmRoot"/>
-      </p:par>
-    </p:tnLst>
-  </p:timing>
 </p:sld>
 </file>
 
@@ -6350,10 +6308,9 @@
           <a:lstStyle/>
           <a:p>
             <a:r>
-              <a:rPr lang="en-US" dirty="0" smtClean="0"/>
+              <a:rPr lang="en-US" dirty="0"/>
               <a:t>What this course is (and is not)</a:t>
             </a:r>
-            <a:endParaRPr lang="en-US" dirty="0"/>
           </a:p>
         </p:txBody>
       </p:sp>
@@ -6375,44 +6332,36 @@
           <a:lstStyle/>
           <a:p>
             <a:r>
-              <a:rPr lang="en-US" dirty="0" smtClean="0"/>
+              <a:rPr lang="en-US" dirty="0"/>
               <a:t>Discuss </a:t>
             </a:r>
             <a:r>
-              <a:rPr lang="en-US" b="1" dirty="0" smtClean="0"/>
+              <a:rPr lang="en-US" b="1" dirty="0"/>
               <a:t>fundamentals of data management</a:t>
             </a:r>
           </a:p>
           <a:p>
             <a:pPr lvl="1"/>
             <a:r>
-              <a:rPr lang="en-US" dirty="0" smtClean="0"/>
-              <a:t>How to </a:t>
-            </a:r>
-            <a:r>
               <a:rPr lang="en-US" dirty="0"/>
-              <a:t>design databases, query databases, </a:t>
-            </a:r>
-            <a:r>
-              <a:rPr lang="en-US" dirty="0" smtClean="0"/>
-              <a:t>build applications with them.</a:t>
+              <a:t>How to design databases, query databases, build applications with them.</a:t>
             </a:r>
           </a:p>
           <a:p>
             <a:pPr lvl="1"/>
             <a:r>
-              <a:rPr lang="en-US" dirty="0" smtClean="0"/>
+              <a:rPr lang="en-US" dirty="0"/>
               <a:t>How to debug them when they go wrong!</a:t>
             </a:r>
           </a:p>
           <a:p>
             <a:pPr lvl="1"/>
             <a:r>
-              <a:rPr lang="en-US" u="sng" dirty="0" smtClean="0"/>
+              <a:rPr lang="en-US" u="sng" dirty="0"/>
               <a:t>Not</a:t>
             </a:r>
             <a:r>
-              <a:rPr lang="en-US" dirty="0" smtClean="0"/>
+              <a:rPr lang="en-US" dirty="0"/>
               <a:t> how to be a DBA or how to tune Oracle 12g.</a:t>
             </a:r>
           </a:p>
@@ -6422,20 +6371,12 @@
           </a:p>
           <a:p>
             <a:r>
-              <a:rPr lang="en-US" dirty="0" smtClean="0"/>
+              <a:rPr lang="en-US" dirty="0"/>
               <a:t>We’ll cover </a:t>
             </a:r>
             <a:r>
-              <a:rPr lang="en-US" b="1" dirty="0" smtClean="0"/>
-              <a:t>how database management systems wor</a:t>
-            </a:r>
-            <a:r>
               <a:rPr lang="en-US" b="1" dirty="0"/>
-              <a:t>k</a:t>
-            </a:r>
-            <a:r>
-              <a:rPr lang="en-US" b="1" dirty="0" smtClean="0"/>
-              <a:t> </a:t>
+              <a:t>how database management systems work </a:t>
             </a:r>
           </a:p>
           <a:p>
@@ -6443,15 +6384,15 @@
           </a:p>
           <a:p>
             <a:r>
-              <a:rPr lang="en-US" dirty="0" smtClean="0"/>
+              <a:rPr lang="en-US" dirty="0"/>
               <a:t>And some (but not all of) </a:t>
             </a:r>
             <a:r>
-              <a:rPr lang="en-US" b="1" dirty="0" smtClean="0"/>
+              <a:rPr lang="en-US" b="1" dirty="0"/>
               <a:t>the principles of how to build </a:t>
             </a:r>
             <a:r>
-              <a:rPr lang="en-US" dirty="0" smtClean="0"/>
+              <a:rPr lang="en-US" dirty="0"/>
               <a:t>them</a:t>
             </a:r>
             <a:endParaRPr lang="en-US" dirty="0">
@@ -6575,7 +6516,7 @@
             <a:lstStyle/>
             <a:p>
               <a:r>
-                <a:rPr lang="en-US" sz="1400" b="1" i="1" dirty="0" smtClean="0">
+                <a:rPr lang="en-US" sz="1400" b="1" i="1" dirty="0">
                   <a:solidFill>
                     <a:schemeClr val="tx1">
                       <a:lumMod val="65000"/>
@@ -6586,15 +6527,6 @@
                 </a:rPr>
                 <a:t>Section 1  &gt;  Introduction</a:t>
               </a:r>
-              <a:endParaRPr lang="en-US" sz="1400" b="1" i="1" dirty="0">
-                <a:solidFill>
-                  <a:schemeClr val="tx1">
-                    <a:lumMod val="65000"/>
-                    <a:lumOff val="35000"/>
-                  </a:schemeClr>
-                </a:solidFill>
-                <a:latin typeface="+mj-lt"/>
-              </a:endParaRPr>
             </a:p>
           </p:txBody>
         </p:sp>
@@ -6913,10 +6845,9 @@
           <a:lstStyle/>
           <a:p>
             <a:r>
-              <a:rPr lang="en-US" dirty="0" smtClean="0"/>
+              <a:rPr lang="en-US" dirty="0"/>
               <a:t>Who we are…</a:t>
             </a:r>
-            <a:endParaRPr lang="en-US" dirty="0"/>
           </a:p>
         </p:txBody>
       </p:sp>
@@ -6941,50 +6872,31 @@
               <a:buNone/>
             </a:pPr>
             <a:r>
+              <a:rPr lang="en-US" dirty="0"/>
+              <a:t>Instructor (me) Mohammad Dashti</a:t>
+            </a:r>
+          </a:p>
+          <a:p>
+            <a:pPr lvl="1"/>
+            <a:r>
               <a:rPr lang="en-US" dirty="0" smtClean="0"/>
-              <a:t>Instructor (me) </a:t>
+              <a:t>Faculty </a:t>
+            </a:r>
+            <a:r>
+              <a:rPr lang="en-US" smtClean="0"/>
+              <a:t>in Software </a:t>
             </a:r>
             <a:r>
               <a:rPr lang="en-US" dirty="0" smtClean="0"/>
-              <a:t>Mohammad Dashti</a:t>
-            </a:r>
-            <a:endParaRPr lang="en-US" dirty="0"/>
+              <a:t>Engineering</a:t>
+            </a:r>
           </a:p>
           <a:p>
             <a:pPr lvl="1"/>
             <a:r>
               <a:rPr lang="en-US" dirty="0" smtClean="0"/>
-              <a:t>Faculty in the </a:t>
-            </a:r>
-            <a:r>
-              <a:rPr lang="en-US" dirty="0" err="1" smtClean="0"/>
-              <a:t>InfoLab</a:t>
-            </a:r>
-            <a:endParaRPr lang="en-US" dirty="0"/>
-          </a:p>
-          <a:p>
-            <a:pPr lvl="1"/>
-            <a:r>
-              <a:rPr lang="en-US" dirty="0" smtClean="0"/>
-              <a:t>First </a:t>
-            </a:r>
-            <a:r>
-              <a:rPr lang="en-US" dirty="0"/>
-              <a:t>year at </a:t>
-            </a:r>
-            <a:r>
-              <a:rPr lang="en-US" dirty="0" smtClean="0"/>
-              <a:t>Yazd University, </a:t>
-            </a:r>
-            <a:r>
-              <a:rPr lang="en-US" dirty="0"/>
-              <a:t>first time teaching </a:t>
-            </a:r>
-            <a:r>
-              <a:rPr lang="en-US" dirty="0" smtClean="0"/>
-              <a:t>Database Systems!</a:t>
-            </a:r>
-            <a:endParaRPr lang="en-US" dirty="0"/>
+              <a:t>First year at Yazd University, first time teaching Database Systems!</a:t>
+            </a:r>
           </a:p>
           <a:p>
             <a:pPr lvl="1"/>
@@ -6993,14 +6905,9 @@
               <a:t>Research</a:t>
             </a:r>
             <a:r>
-              <a:rPr lang="en-US" dirty="0" smtClean="0"/>
-              <a:t>: </a:t>
-            </a:r>
-            <a:r>
-              <a:rPr lang="en-US" dirty="0" smtClean="0"/>
-              <a:t>database and machine learning systems</a:t>
-            </a:r>
-            <a:endParaRPr lang="en-US" dirty="0" smtClean="0"/>
+              <a:rPr lang="en-US" dirty="0"/>
+              <a:t>: database and machine learning systems</a:t>
+            </a:r>
           </a:p>
         </p:txBody>
       </p:sp>
@@ -7119,7 +7026,7 @@
             <a:lstStyle/>
             <a:p>
               <a:r>
-                <a:rPr lang="en-US" sz="1400" b="1" i="1" dirty="0" smtClean="0">
+                <a:rPr lang="en-US" sz="1400" b="1" i="1" dirty="0">
                   <a:solidFill>
                     <a:schemeClr val="tx1">
                       <a:lumMod val="65000"/>
@@ -7130,15 +7037,6 @@
                 </a:rPr>
                 <a:t>Section 1  &gt;  Administrative  &gt;  Course Staff</a:t>
               </a:r>
-              <a:endParaRPr lang="en-US" sz="1400" b="1" i="1" dirty="0">
-                <a:solidFill>
-                  <a:schemeClr val="tx1">
-                    <a:lumMod val="65000"/>
-                    <a:lumOff val="35000"/>
-                  </a:schemeClr>
-                </a:solidFill>
-                <a:latin typeface="+mj-lt"/>
-              </a:endParaRPr>
             </a:p>
           </p:txBody>
         </p:sp>
@@ -7148,13 +7046,6 @@
   <p:clrMapOvr>
     <a:masterClrMapping/>
   </p:clrMapOvr>
-  <p:timing>
-    <p:tnLst>
-      <p:par>
-        <p:cTn xmlns:p14="http://schemas.microsoft.com/office/powerpoint/2010/main" id="1" dur="indefinite" restart="never" nodeType="tmRoot"/>
-      </p:par>
-    </p:tnLst>
-  </p:timing>
 </p:sld>
 </file>
 
@@ -7275,7 +7166,6 @@
               <a:rPr lang="en-US" dirty="0"/>
               <a:t>/database-fall2018</a:t>
             </a:r>
-            <a:endParaRPr lang="en-US" dirty="0"/>
           </a:p>
         </p:txBody>
       </p:sp>
@@ -7289,13 +7179,6 @@
   <p:clrMapOvr>
     <a:masterClrMapping/>
   </p:clrMapOvr>
-  <p:timing>
-    <p:tnLst>
-      <p:par>
-        <p:cTn xmlns:p14="http://schemas.microsoft.com/office/powerpoint/2010/main" id="1" dur="indefinite" restart="never" nodeType="tmRoot"/>
-      </p:par>
-    </p:tnLst>
-  </p:timing>
 </p:sld>
 </file>
 
@@ -7332,10 +7215,9 @@
           <a:lstStyle/>
           <a:p>
             <a:r>
-              <a:rPr lang="en-US" dirty="0" smtClean="0"/>
+              <a:rPr lang="en-US" dirty="0"/>
               <a:t>Communication w/ Course Staff</a:t>
             </a:r>
-            <a:endParaRPr lang="en-US" dirty="0"/>
           </a:p>
         </p:txBody>
       </p:sp>
@@ -7354,25 +7236,25 @@
           <a:bodyPr/>
           <a:lstStyle/>
           <a:p>
-            <a:endParaRPr lang="en-US" i="1" dirty="0" smtClean="0">
+            <a:endParaRPr lang="en-US" i="1" dirty="0">
               <a:sym typeface="Wingdings"/>
             </a:endParaRPr>
           </a:p>
           <a:p>
             <a:r>
-              <a:rPr lang="en-US" i="1" dirty="0" smtClean="0">
+              <a:rPr lang="en-US" i="1" dirty="0">
                 <a:sym typeface="Wingdings"/>
               </a:rPr>
               <a:t>By appointment!</a:t>
             </a:r>
           </a:p>
           <a:p>
-            <a:endParaRPr lang="en-US" dirty="0" smtClean="0">
+            <a:endParaRPr lang="en-US" dirty="0">
               <a:sym typeface="Wingdings"/>
             </a:endParaRPr>
           </a:p>
           <a:p>
-            <a:endParaRPr lang="en-US" dirty="0" smtClean="0"/>
+            <a:endParaRPr lang="en-US" dirty="0"/>
           </a:p>
         </p:txBody>
       </p:sp>
@@ -7491,7 +7373,7 @@
             <a:lstStyle/>
             <a:p>
               <a:r>
-                <a:rPr lang="en-US" sz="1400" b="1" i="1" dirty="0" smtClean="0">
+                <a:rPr lang="en-US" sz="1400" b="1" i="1" dirty="0">
                   <a:solidFill>
                     <a:schemeClr val="tx1">
                       <a:lumMod val="65000"/>
@@ -7502,15 +7384,6 @@
                 </a:rPr>
                 <a:t>Section 1  &gt;  Administrative </a:t>
               </a:r>
-              <a:endParaRPr lang="en-US" sz="1400" b="1" i="1" dirty="0">
-                <a:solidFill>
-                  <a:schemeClr val="tx1">
-                    <a:lumMod val="65000"/>
-                    <a:lumOff val="35000"/>
-                  </a:schemeClr>
-                </a:solidFill>
-                <a:latin typeface="+mj-lt"/>
-              </a:endParaRPr>
             </a:p>
           </p:txBody>
         </p:sp>
@@ -7520,13 +7393,6 @@
   <p:clrMapOvr>
     <a:masterClrMapping/>
   </p:clrMapOvr>
-  <p:timing>
-    <p:tnLst>
-      <p:par>
-        <p:cTn xmlns:p14="http://schemas.microsoft.com/office/powerpoint/2010/main" id="1" dur="indefinite" restart="never" nodeType="tmRoot"/>
-      </p:par>
-    </p:tnLst>
-  </p:timing>
 </p:sld>
 </file>
 
@@ -7678,13 +7544,6 @@
   <p:clrMapOvr>
     <a:masterClrMapping/>
   </p:clrMapOvr>
-  <p:timing>
-    <p:tnLst>
-      <p:par>
-        <p:cTn xmlns:p14="http://schemas.microsoft.com/office/powerpoint/2010/main" id="1" dur="indefinite" restart="never" nodeType="tmRoot"/>
-      </p:par>
-    </p:tnLst>
-  </p:timing>
 </p:sld>
 </file>
 
@@ -7728,43 +7587,27 @@
           <a:lstStyle/>
           <a:p>
             <a:r>
-              <a:rPr lang="en-US" dirty="0" smtClean="0"/>
-              <a:t>Course </a:t>
-            </a:r>
-            <a:r>
-              <a:rPr lang="en-US" dirty="0" smtClean="0"/>
-              <a:t>Website: </a:t>
+              <a:rPr lang="en-US" dirty="0"/>
+              <a:t>Course Website: </a:t>
             </a:r>
             <a:br>
-              <a:rPr lang="en-US" dirty="0" smtClean="0"/>
+              <a:rPr lang="en-US" dirty="0"/>
             </a:br>
             <a:r>
-              <a:rPr lang="en-US" dirty="0" smtClean="0"/>
+              <a:rPr lang="en-US" dirty="0"/>
               <a:t/>
             </a:r>
             <a:br>
-              <a:rPr lang="en-US" dirty="0" smtClean="0"/>
+              <a:rPr lang="en-US" dirty="0"/>
             </a:br>
-            <a:r>
-              <a:rPr lang="en-US" dirty="0" smtClean="0">
-                <a:hlinkClick r:id="rId2"/>
-              </a:rPr>
-              <a:t>mdashti.com</a:t>
-            </a:r>
             <a:r>
               <a:rPr lang="en-US" dirty="0">
                 <a:hlinkClick r:id="rId2"/>
               </a:rPr>
-              <a:t>/database-</a:t>
-            </a:r>
-            <a:r>
-              <a:rPr lang="en-US" dirty="0" smtClean="0">
-                <a:hlinkClick r:id="rId2"/>
-              </a:rPr>
-              <a:t>fall2018</a:t>
+              <a:t>mdashti.com/database-fall2018</a:t>
             </a:r>
             <a:br>
-              <a:rPr lang="en-US" dirty="0" smtClean="0">
+              <a:rPr lang="en-US" dirty="0">
                 <a:hlinkClick r:id="rId2"/>
               </a:rPr>
             </a:br>
@@ -7776,10 +7619,9 @@
               <a:rPr lang="en-US" dirty="0"/>
             </a:br>
             <a:r>
-              <a:rPr lang="en-US" sz="4400" dirty="0" smtClean="0"/>
+              <a:rPr lang="en-US" sz="4400" dirty="0"/>
               <a:t>(will announce a permanent sit later)</a:t>
             </a:r>
-            <a:endParaRPr lang="en-US" sz="4400" dirty="0"/>
           </a:p>
         </p:txBody>
       </p:sp>
@@ -7897,7 +7739,7 @@
             <a:lstStyle/>
             <a:p>
               <a:r>
-                <a:rPr lang="en-US" sz="1400" b="1" i="1" dirty="0" smtClean="0">
+                <a:rPr lang="en-US" sz="1400" b="1" i="1" dirty="0">
                   <a:solidFill>
                     <a:schemeClr val="tx1">
                       <a:lumMod val="65000"/>
@@ -7908,15 +7750,6 @@
                 </a:rPr>
                 <a:t>Section 1  &gt;  Administrative </a:t>
               </a:r>
-              <a:endParaRPr lang="en-US" sz="1400" b="1" i="1" dirty="0">
-                <a:solidFill>
-                  <a:schemeClr val="tx1">
-                    <a:lumMod val="65000"/>
-                    <a:lumOff val="35000"/>
-                  </a:schemeClr>
-                </a:solidFill>
-                <a:latin typeface="+mj-lt"/>
-              </a:endParaRPr>
             </a:p>
           </p:txBody>
         </p:sp>
@@ -7931,13 +7764,6 @@
   <p:clrMapOvr>
     <a:masterClrMapping/>
   </p:clrMapOvr>
-  <p:timing>
-    <p:tnLst>
-      <p:par>
-        <p:cTn xmlns:p14="http://schemas.microsoft.com/office/powerpoint/2010/main" id="1" dur="indefinite" restart="never" nodeType="tmRoot"/>
-      </p:par>
-    </p:tnLst>
-  </p:timing>
 </p:sld>
 </file>
 
@@ -8023,33 +7849,28 @@
           <a:p>
             <a:r>
               <a:rPr lang="en-US" dirty="0"/>
-              <a:t>Lecture slides </a:t>
-            </a:r>
-            <a:r>
-              <a:rPr lang="en-US" dirty="0" smtClean="0"/>
-              <a:t>cover </a:t>
-            </a:r>
-            <a:r>
-              <a:rPr lang="en-US" b="1" dirty="0" smtClean="0"/>
+              <a:t>Lecture slides cover </a:t>
+            </a:r>
+            <a:r>
+              <a:rPr lang="en-US" b="1" dirty="0"/>
               <a:t>essential material</a:t>
             </a:r>
-            <a:endParaRPr lang="en-US" b="1" dirty="0"/>
           </a:p>
           <a:p>
             <a:pPr lvl="1"/>
             <a:r>
-              <a:rPr lang="en-US" dirty="0" smtClean="0"/>
+              <a:rPr lang="en-US" dirty="0"/>
               <a:t>This is your </a:t>
             </a:r>
             <a:r>
-              <a:rPr lang="en-US" u="sng" dirty="0" smtClean="0"/>
+              <a:rPr lang="en-US" u="sng" dirty="0"/>
               <a:t>best reference.</a:t>
             </a:r>
           </a:p>
           <a:p>
             <a:pPr lvl="1"/>
             <a:r>
-              <a:rPr lang="en-US" dirty="0" smtClean="0"/>
+              <a:rPr lang="en-US" dirty="0"/>
               <a:t>We are trying to get away from book, but do have pointers</a:t>
             </a:r>
           </a:p>
@@ -8057,33 +7878,28 @@
             <a:pPr marL="0" indent="0">
               <a:buNone/>
             </a:pPr>
-            <a:endParaRPr lang="en-US" dirty="0" smtClean="0"/>
-          </a:p>
-          <a:p>
-            <a:r>
-              <a:rPr lang="en-US" dirty="0" smtClean="0"/>
+            <a:endParaRPr lang="en-US" dirty="0"/>
+          </a:p>
+          <a:p>
+            <a:r>
+              <a:rPr lang="en-US" dirty="0"/>
               <a:t>Try to cover same thing in </a:t>
             </a:r>
             <a:r>
-              <a:rPr lang="en-US" b="1" dirty="0" smtClean="0"/>
+              <a:rPr lang="en-US" b="1" dirty="0"/>
               <a:t>many ways</a:t>
             </a:r>
             <a:r>
-              <a:rPr lang="en-US" dirty="0" smtClean="0"/>
+              <a:rPr lang="en-US" dirty="0"/>
               <a:t>: Lecture, lecture notes, homework, exams (no shock)</a:t>
             </a:r>
           </a:p>
           <a:p>
             <a:pPr lvl="1"/>
             <a:r>
-              <a:rPr lang="en-US" dirty="0" smtClean="0"/>
-              <a:t>Attendance </a:t>
-            </a:r>
-            <a:r>
-              <a:rPr lang="en-US" dirty="0" smtClean="0"/>
-              <a:t>is mandatory</a:t>
-            </a:r>
-            <a:endParaRPr lang="en-US" dirty="0" smtClean="0"/>
+              <a:rPr lang="en-US" dirty="0"/>
+              <a:t>Attendance is mandatory</a:t>
+            </a:r>
           </a:p>
         </p:txBody>
       </p:sp>
@@ -8178,7 +7994,7 @@
             <a:lstStyle/>
             <a:p>
               <a:r>
-                <a:rPr lang="en-US" sz="1400" b="1" i="1" dirty="0" smtClean="0">
+                <a:rPr lang="en-US" sz="1400" b="1" i="1" dirty="0">
                   <a:solidFill>
                     <a:schemeClr val="tx1">
                       <a:lumMod val="65000"/>
@@ -8189,15 +8005,6 @@
                 </a:rPr>
                 <a:t>Section 1  &gt;  Logistics</a:t>
               </a:r>
-              <a:endParaRPr lang="en-US" sz="1400" b="1" i="1" dirty="0">
-                <a:solidFill>
-                  <a:schemeClr val="tx1">
-                    <a:lumMod val="65000"/>
-                    <a:lumOff val="35000"/>
-                  </a:schemeClr>
-                </a:solidFill>
-                <a:latin typeface="+mj-lt"/>
-              </a:endParaRPr>
             </a:p>
           </p:txBody>
         </p:sp>
@@ -8491,10 +8298,9 @@
           <a:lstStyle/>
           <a:p>
             <a:r>
-              <a:rPr lang="en-US" dirty="0" smtClean="0"/>
+              <a:rPr lang="en-US" dirty="0"/>
               <a:t>Attendance</a:t>
             </a:r>
-            <a:endParaRPr lang="en-US" dirty="0"/>
           </a:p>
         </p:txBody>
       </p:sp>
@@ -8521,35 +8327,35 @@
           <a:lstStyle/>
           <a:p>
             <a:pPr lvl="1"/>
-            <a:endParaRPr lang="en-US" dirty="0" smtClean="0"/>
-          </a:p>
-          <a:p>
-            <a:r>
-              <a:rPr lang="en-US" dirty="0" smtClean="0"/>
+            <a:endParaRPr lang="en-US" dirty="0"/>
+          </a:p>
+          <a:p>
+            <a:r>
+              <a:rPr lang="en-US" dirty="0"/>
               <a:t>I dislike mandatory attendance</a:t>
             </a:r>
             <a:r>
-              <a:rPr lang="is-IS" dirty="0" smtClean="0"/>
+              <a:rPr lang="is-IS" dirty="0"/>
               <a:t>… </a:t>
             </a:r>
             <a:r>
-              <a:rPr lang="en-US" dirty="0" smtClean="0"/>
+              <a:rPr lang="en-US" dirty="0"/>
               <a:t>but in the past we noticed</a:t>
             </a:r>
             <a:r>
-              <a:rPr lang="is-IS" dirty="0" smtClean="0"/>
+              <a:rPr lang="is-IS" dirty="0"/>
               <a:t>…</a:t>
             </a:r>
-            <a:endParaRPr lang="en-US" dirty="0" smtClean="0"/>
+            <a:endParaRPr lang="en-US" dirty="0"/>
           </a:p>
           <a:p>
             <a:pPr lvl="1"/>
             <a:r>
-              <a:rPr lang="en-US" dirty="0" smtClean="0"/>
+              <a:rPr lang="en-US" dirty="0"/>
               <a:t>People who did not attend did worse </a:t>
             </a:r>
             <a:r>
-              <a:rPr lang="en-US" dirty="0" smtClean="0">
+              <a:rPr lang="en-US" dirty="0">
                 <a:sym typeface="Wingdings"/>
               </a:rPr>
               <a:t></a:t>
@@ -8558,7 +8364,7 @@
           <a:p>
             <a:pPr lvl="1"/>
             <a:r>
-              <a:rPr lang="en-US" dirty="0" smtClean="0">
+              <a:rPr lang="en-US" dirty="0">
                 <a:sym typeface="Wingdings"/>
               </a:rPr>
               <a:t>People who did not attend used more course resources </a:t>
@@ -8567,7 +8373,7 @@
           <a:p>
             <a:pPr lvl="1"/>
             <a:r>
-              <a:rPr lang="en-US" dirty="0" smtClean="0">
+              <a:rPr lang="en-US" dirty="0">
                 <a:sym typeface="Wingdings"/>
               </a:rPr>
               <a:t>People who did not attend were less happy with the course </a:t>
@@ -8580,22 +8386,13 @@
               </a:lnSpc>
               <a:buNone/>
             </a:pPr>
-            <a:endParaRPr lang="en-US" dirty="0" smtClean="0"/>
-          </a:p>
-          <a:p>
-            <a:r>
-              <a:rPr lang="en-US" dirty="0" smtClean="0"/>
-              <a:t>Thus: </a:t>
-            </a:r>
-            <a:r>
-              <a:rPr lang="en-US" dirty="0" smtClean="0"/>
-              <a:t>mandatory </a:t>
-            </a:r>
-            <a:r>
-              <a:rPr lang="en-US" dirty="0" smtClean="0"/>
-              <a:t>attendance</a:t>
-            </a:r>
-            <a:endParaRPr lang="en-US" dirty="0" smtClean="0"/>
+            <a:endParaRPr lang="en-US" dirty="0"/>
+          </a:p>
+          <a:p>
+            <a:r>
+              <a:rPr lang="en-US" dirty="0"/>
+              <a:t>Thus: mandatory attendance</a:t>
+            </a:r>
           </a:p>
         </p:txBody>
       </p:sp>
@@ -8690,7 +8487,7 @@
             <a:lstStyle/>
             <a:p>
               <a:r>
-                <a:rPr lang="en-US" sz="1400" b="1" i="1" dirty="0" smtClean="0">
+                <a:rPr lang="en-US" sz="1400" b="1" i="1" dirty="0">
                   <a:solidFill>
                     <a:schemeClr val="tx1">
                       <a:lumMod val="65000"/>
@@ -8701,15 +8498,6 @@
                 </a:rPr>
                 <a:t>Section 1  &gt;  Logistics</a:t>
               </a:r>
-              <a:endParaRPr lang="en-US" sz="1400" b="1" i="1" dirty="0">
-                <a:solidFill>
-                  <a:schemeClr val="tx1">
-                    <a:lumMod val="65000"/>
-                    <a:lumOff val="35000"/>
-                  </a:schemeClr>
-                </a:solidFill>
-                <a:latin typeface="+mj-lt"/>
-              </a:endParaRPr>
             </a:p>
           </p:txBody>
         </p:sp>
@@ -8966,10 +8754,9 @@
           <a:lstStyle/>
           <a:p>
             <a:r>
-              <a:rPr lang="en-US" dirty="0" smtClean="0"/>
+              <a:rPr lang="en-US" dirty="0"/>
               <a:t>Graded Elements</a:t>
             </a:r>
-            <a:endParaRPr lang="en-US" dirty="0"/>
           </a:p>
         </p:txBody>
       </p:sp>
@@ -8994,30 +8781,9 @@
           </a:p>
           <a:p>
             <a:r>
-              <a:rPr lang="en-US" dirty="0" smtClean="0"/>
-              <a:t>Problem </a:t>
-            </a:r>
-            <a:r>
               <a:rPr lang="en-US" dirty="0"/>
-              <a:t>Sets and Programming </a:t>
-            </a:r>
-            <a:r>
-              <a:rPr lang="en-US" dirty="0" smtClean="0"/>
-              <a:t>projects  </a:t>
-            </a:r>
-            <a:r>
-              <a:rPr lang="en-US" dirty="0" smtClean="0"/>
-              <a:t>(</a:t>
-            </a:r>
-            <a:r>
-              <a:rPr lang="en-US" dirty="0" smtClean="0"/>
-              <a:t>30</a:t>
-            </a:r>
-            <a:r>
-              <a:rPr lang="en-US" dirty="0" smtClean="0"/>
-              <a:t>%)</a:t>
-            </a:r>
-            <a:endParaRPr lang="en-US" dirty="0"/>
+              <a:t>Problem Sets and Programming projects  (30%)</a:t>
+            </a:r>
           </a:p>
           <a:p>
             <a:pPr marL="457200" lvl="1" indent="0">
@@ -9027,16 +8793,8 @@
           </a:p>
           <a:p>
             <a:r>
-              <a:rPr lang="en-US" dirty="0" smtClean="0"/>
-              <a:t>Midterm </a:t>
-            </a:r>
-            <a:r>
-              <a:rPr lang="en-US" dirty="0" smtClean="0"/>
-              <a:t>(30</a:t>
-            </a:r>
-            <a:r>
-              <a:rPr lang="en-US" dirty="0" smtClean="0"/>
-              <a:t>%)</a:t>
+              <a:rPr lang="en-US" dirty="0"/>
+              <a:t>Midterm (30%)</a:t>
             </a:r>
           </a:p>
           <a:p>
@@ -9044,22 +8802,9 @@
           </a:p>
           <a:p>
             <a:r>
-              <a:rPr lang="en-US" dirty="0" smtClean="0"/>
-              <a:t>Final </a:t>
-            </a:r>
-            <a:r>
               <a:rPr lang="en-US" dirty="0"/>
-              <a:t>exam </a:t>
-            </a:r>
-            <a:r>
-              <a:rPr lang="en-US" dirty="0" smtClean="0"/>
-              <a:t>(40</a:t>
-            </a:r>
-            <a:r>
-              <a:rPr lang="en-US" dirty="0" smtClean="0"/>
-              <a:t>%)</a:t>
-            </a:r>
-            <a:endParaRPr lang="en-US" dirty="0"/>
+              <a:t>Final exam (40%)</a:t>
+            </a:r>
           </a:p>
           <a:p>
             <a:endParaRPr lang="en-US" dirty="0"/>
@@ -9126,14 +8871,11 @@
           <a:p>
             <a:pPr algn="ctr"/>
             <a:r>
-              <a:rPr lang="en-US" sz="3000" b="1" dirty="0" smtClean="0">
+              <a:rPr lang="en-US" sz="3000" b="1" dirty="0">
                 <a:latin typeface="+mj-lt"/>
               </a:rPr>
               <a:t>Assignments are typically due Tuesday before class, typically 2 weeks to complete</a:t>
             </a:r>
-            <a:endParaRPr lang="en-US" sz="3000" b="1" dirty="0">
-              <a:latin typeface="+mj-lt"/>
-            </a:endParaRPr>
           </a:p>
         </p:txBody>
       </p:sp>
@@ -9228,7 +8970,7 @@
             <a:lstStyle/>
             <a:p>
               <a:r>
-                <a:rPr lang="en-US" sz="1400" b="1" i="1" dirty="0" smtClean="0">
+                <a:rPr lang="en-US" sz="1400" b="1" i="1" dirty="0">
                   <a:solidFill>
                     <a:schemeClr val="tx1">
                       <a:lumMod val="65000"/>
@@ -9239,15 +8981,6 @@
                 </a:rPr>
                 <a:t>Section 1  &gt;  Logistics</a:t>
               </a:r>
-              <a:endParaRPr lang="en-US" sz="1400" b="1" i="1" dirty="0">
-                <a:solidFill>
-                  <a:schemeClr val="tx1">
-                    <a:lumMod val="65000"/>
-                    <a:lumOff val="35000"/>
-                  </a:schemeClr>
-                </a:solidFill>
-                <a:latin typeface="+mj-lt"/>
-              </a:endParaRPr>
             </a:p>
           </p:txBody>
         </p:sp>
@@ -9262,13 +8995,6 @@
   <p:clrMapOvr>
     <a:masterClrMapping/>
   </p:clrMapOvr>
-  <p:timing>
-    <p:tnLst>
-      <p:par>
-        <p:cTn xmlns:p14="http://schemas.microsoft.com/office/powerpoint/2010/main" id="1" dur="indefinite" restart="never" nodeType="tmRoot"/>
-      </p:par>
-    </p:tnLst>
-  </p:timing>
 </p:sld>
 </file>
 
@@ -9305,10 +9031,9 @@
           <a:lstStyle/>
           <a:p>
             <a:r>
-              <a:rPr lang="en-US" dirty="0" smtClean="0"/>
+              <a:rPr lang="en-US" dirty="0"/>
               <a:t>Un-Graded Elements</a:t>
             </a:r>
-            <a:endParaRPr lang="en-US" dirty="0"/>
           </a:p>
         </p:txBody>
       </p:sp>
@@ -9330,22 +9055,14 @@
           <a:lstStyle/>
           <a:p>
             <a:r>
-              <a:rPr lang="en-US" dirty="0" smtClean="0"/>
-              <a:t>Readings provided</a:t>
-            </a:r>
-            <a:r>
               <a:rPr lang="en-US" dirty="0"/>
-              <a:t> </a:t>
-            </a:r>
-            <a:r>
-              <a:rPr lang="en-US" dirty="0" smtClean="0"/>
-              <a:t>to help you!</a:t>
+              <a:t>Readings provided to help you!</a:t>
             </a:r>
           </a:p>
           <a:p>
             <a:pPr lvl="1"/>
             <a:r>
-              <a:rPr lang="en-US" dirty="0" smtClean="0"/>
+              <a:rPr lang="en-US" dirty="0"/>
               <a:t>Only items in lecture, homework, or project are fair game.</a:t>
             </a:r>
           </a:p>
@@ -9355,14 +9072,14 @@
           </a:p>
           <a:p>
             <a:r>
-              <a:rPr lang="en-US" dirty="0" smtClean="0"/>
+              <a:rPr lang="en-US" dirty="0"/>
               <a:t>Activities are again mainly to help / be fun!</a:t>
             </a:r>
           </a:p>
           <a:p>
             <a:pPr lvl="1"/>
             <a:r>
-              <a:rPr lang="en-US" dirty="0" smtClean="0"/>
+              <a:rPr lang="en-US" dirty="0"/>
               <a:t>Will occur during class- not graded, but count as part of lecture material (fair game as well)</a:t>
             </a:r>
           </a:p>
@@ -9370,39 +9087,30 @@
             <a:pPr marL="0" indent="0">
               <a:buNone/>
             </a:pPr>
-            <a:endParaRPr lang="en-US" dirty="0" smtClean="0"/>
-          </a:p>
-          <a:p>
-            <a:r>
-              <a:rPr lang="en-US" dirty="0" err="1" smtClean="0"/>
+            <a:endParaRPr lang="en-US" dirty="0"/>
+          </a:p>
+          <a:p>
+            <a:r>
+              <a:rPr lang="en-US" dirty="0" err="1"/>
               <a:t>Jupyter</a:t>
             </a:r>
             <a:r>
-              <a:rPr lang="en-US" dirty="0" smtClean="0"/>
+              <a:rPr lang="en-US" dirty="0"/>
               <a:t> Notebooks provided</a:t>
             </a:r>
-            <a:endParaRPr lang="en-US" dirty="0"/>
           </a:p>
           <a:p>
             <a:pPr lvl="1"/>
             <a:r>
-              <a:rPr lang="en-US" dirty="0" smtClean="0"/>
+              <a:rPr lang="en-US" dirty="0"/>
               <a:t>These are optional but hopefully helpful.</a:t>
             </a:r>
           </a:p>
           <a:p>
             <a:pPr lvl="1"/>
             <a:r>
-              <a:rPr lang="en-US" dirty="0" smtClean="0"/>
-              <a:t>D</a:t>
-            </a:r>
-            <a:r>
-              <a:rPr lang="en-US" dirty="0" smtClean="0"/>
-              <a:t>esigned in a way that </a:t>
-            </a:r>
-            <a:r>
-              <a:rPr lang="en-US" dirty="0" smtClean="0"/>
-              <a:t>you can ‘interactively replay’ parts of lecture</a:t>
+              <a:rPr lang="en-US" dirty="0"/>
+              <a:t>Designed in a way that you can ‘interactively replay’ parts of lecture</a:t>
             </a:r>
           </a:p>
           <a:p>
@@ -9526,7 +9234,7 @@
             <a:lstStyle/>
             <a:p>
               <a:r>
-                <a:rPr lang="en-US" sz="1400" b="1" i="1" dirty="0" smtClean="0">
+                <a:rPr lang="en-US" sz="1400" b="1" i="1" dirty="0">
                   <a:solidFill>
                     <a:schemeClr val="tx1">
                       <a:lumMod val="65000"/>
@@ -9537,15 +9245,6 @@
                 </a:rPr>
                 <a:t>Section 1  &gt;  Logistics</a:t>
               </a:r>
-              <a:endParaRPr lang="en-US" sz="1400" b="1" i="1" dirty="0">
-                <a:solidFill>
-                  <a:schemeClr val="tx1">
-                    <a:lumMod val="65000"/>
-                    <a:lumOff val="35000"/>
-                  </a:schemeClr>
-                </a:solidFill>
-                <a:latin typeface="+mj-lt"/>
-              </a:endParaRPr>
             </a:p>
           </p:txBody>
         </p:sp>
@@ -9560,13 +9259,6 @@
   <p:clrMapOvr>
     <a:masterClrMapping/>
   </p:clrMapOvr>
-  <p:timing>
-    <p:tnLst>
-      <p:par>
-        <p:cTn xmlns:p14="http://schemas.microsoft.com/office/powerpoint/2010/main" id="1" dur="indefinite" restart="never" nodeType="tmRoot"/>
-      </p:par>
-    </p:tnLst>
-  </p:timing>
 </p:sld>
 </file>
 
@@ -9608,21 +9300,20 @@
           <a:lstStyle/>
           <a:p>
             <a:r>
-              <a:rPr lang="en-US" dirty="0" smtClean="0"/>
+              <a:rPr lang="en-US" dirty="0"/>
               <a:t>The world is increasingly</a:t>
             </a:r>
             <a:r>
-              <a:rPr lang="en-US" b="1" dirty="0" smtClean="0"/>
+              <a:rPr lang="en-US" b="1" dirty="0"/>
               <a:t> </a:t>
             </a:r>
             <a:br>
-              <a:rPr lang="en-US" b="1" dirty="0" smtClean="0"/>
+              <a:rPr lang="en-US" b="1" dirty="0"/>
             </a:br>
             <a:r>
-              <a:rPr lang="en-US" b="1" dirty="0" smtClean="0"/>
+              <a:rPr lang="en-US" b="1" dirty="0"/>
               <a:t>driven by data… </a:t>
             </a:r>
-            <a:endParaRPr lang="en-US" b="1" dirty="0"/>
           </a:p>
         </p:txBody>
       </p:sp>
@@ -9691,18 +9382,17 @@
           </a:lstStyle>
           <a:p>
             <a:r>
-              <a:rPr lang="en-US" dirty="0" smtClean="0"/>
+              <a:rPr lang="en-US" dirty="0"/>
               <a:t>This class teaches </a:t>
             </a:r>
             <a:r>
-              <a:rPr lang="en-US" b="1" dirty="0" smtClean="0"/>
+              <a:rPr lang="en-US" b="1" dirty="0"/>
               <a:t>the basics </a:t>
             </a:r>
             <a:r>
-              <a:rPr lang="en-US" dirty="0" smtClean="0"/>
+              <a:rPr lang="en-US" dirty="0"/>
               <a:t>of how to use &amp; manage data.</a:t>
             </a:r>
-            <a:endParaRPr lang="en-US" dirty="0"/>
           </a:p>
         </p:txBody>
       </p:sp>
@@ -9770,13 +9460,6 @@
   <p:clrMapOvr>
     <a:masterClrMapping/>
   </p:clrMapOvr>
-  <p:timing>
-    <p:tnLst>
-      <p:par>
-        <p:cTn xmlns:p14="http://schemas.microsoft.com/office/powerpoint/2010/main" id="1" dur="indefinite" restart="never" nodeType="tmRoot"/>
-      </p:par>
-    </p:tnLst>
-  </p:timing>
 </p:sld>
 </file>
 
@@ -9815,10 +9498,9 @@
           <a:lstStyle/>
           <a:p>
             <a:r>
-              <a:rPr lang="en-US" dirty="0" smtClean="0"/>
+              <a:rPr lang="en-US" dirty="0"/>
               <a:t>What is expected from you </a:t>
             </a:r>
-            <a:endParaRPr lang="en-US" dirty="0"/>
           </a:p>
         </p:txBody>
       </p:sp>
@@ -9845,79 +9527,71 @@
           <a:lstStyle/>
           <a:p>
             <a:r>
-              <a:rPr lang="en-US" b="1" dirty="0" smtClean="0"/>
+              <a:rPr lang="en-US" b="1" dirty="0"/>
               <a:t>Attend lectures</a:t>
             </a:r>
           </a:p>
           <a:p>
             <a:pPr lvl="1"/>
             <a:r>
-              <a:rPr lang="en-US" dirty="0" smtClean="0"/>
+              <a:rPr lang="en-US" dirty="0"/>
               <a:t>If you don’t, it’s </a:t>
             </a:r>
             <a:r>
-              <a:rPr lang="en-US" u="sng" dirty="0" smtClean="0"/>
+              <a:rPr lang="en-US" u="sng" dirty="0"/>
               <a:t>at your own peril</a:t>
             </a:r>
           </a:p>
           <a:p>
-            <a:endParaRPr lang="en-US" dirty="0" smtClean="0"/>
-          </a:p>
-          <a:p>
-            <a:r>
-              <a:rPr lang="en-US" b="1" dirty="0" smtClean="0"/>
+            <a:endParaRPr lang="en-US" dirty="0"/>
+          </a:p>
+          <a:p>
+            <a:r>
+              <a:rPr lang="en-US" b="1" dirty="0"/>
               <a:t>Be active and think critically</a:t>
             </a:r>
           </a:p>
           <a:p>
             <a:pPr lvl="1"/>
             <a:r>
-              <a:rPr lang="en-US" dirty="0" smtClean="0"/>
-              <a:t>Ask </a:t>
-            </a:r>
-            <a:r>
-              <a:rPr lang="en-US" dirty="0" smtClean="0"/>
-              <a:t>questions during the class (no question is answered after the class), </a:t>
-            </a:r>
-            <a:r>
-              <a:rPr lang="en-US" dirty="0" smtClean="0"/>
-              <a:t>post comments on forums</a:t>
-            </a:r>
-          </a:p>
-          <a:p>
-            <a:endParaRPr lang="en-US" dirty="0" smtClean="0"/>
-          </a:p>
-          <a:p>
-            <a:r>
-              <a:rPr lang="en-US" b="1" dirty="0" smtClean="0"/>
+              <a:rPr lang="en-US" dirty="0"/>
+              <a:t>Ask questions during the class (no question is answered after the class), post comments on forums</a:t>
+            </a:r>
+          </a:p>
+          <a:p>
+            <a:endParaRPr lang="en-US" dirty="0"/>
+          </a:p>
+          <a:p>
+            <a:r>
+              <a:rPr lang="en-US" b="1" dirty="0"/>
               <a:t>Do programming and homework projects </a:t>
             </a:r>
           </a:p>
           <a:p>
             <a:pPr lvl="1"/>
             <a:r>
-              <a:rPr lang="en-US" dirty="0" smtClean="0"/>
+              <a:rPr lang="en-US" dirty="0"/>
               <a:t>Start early and </a:t>
             </a:r>
             <a:r>
-              <a:rPr lang="en-US" u="sng" dirty="0" smtClean="0"/>
+              <a:rPr lang="en-US" u="sng" dirty="0"/>
               <a:t>be honest</a:t>
             </a:r>
           </a:p>
           <a:p>
-            <a:endParaRPr lang="en-US" dirty="0" smtClean="0"/>
-          </a:p>
-          <a:p>
-            <a:r>
-              <a:rPr lang="en-US" b="1" dirty="0" smtClean="0"/>
+            <a:endParaRPr lang="en-US" dirty="0"/>
+          </a:p>
+          <a:p>
+            <a:r>
+              <a:rPr lang="en-US" b="1" dirty="0"/>
               <a:t>Study for tests and exams</a:t>
             </a:r>
           </a:p>
           <a:p>
-            <a:endParaRPr lang="en-US" dirty="0" smtClean="0"/>
-          </a:p>
-          <a:p>
-            <a:endParaRPr lang="en-US" dirty="0" smtClean="0"/>
+            <a:endParaRPr lang="en-US" dirty="0"/>
+          </a:p>
+          <a:p>
+            <a:endParaRPr lang="en-US" dirty="0"/>
           </a:p>
           <a:p>
             <a:endParaRPr lang="en-US" dirty="0"/>
@@ -10039,7 +9713,7 @@
             <a:lstStyle/>
             <a:p>
               <a:r>
-                <a:rPr lang="en-US" sz="1400" b="1" i="1" dirty="0" smtClean="0">
+                <a:rPr lang="en-US" sz="1400" b="1" i="1" dirty="0">
                   <a:solidFill>
                     <a:schemeClr val="tx1">
                       <a:lumMod val="65000"/>
@@ -10050,15 +9724,6 @@
                 </a:rPr>
                 <a:t>Section 1  &gt;  Logistics</a:t>
               </a:r>
-              <a:endParaRPr lang="en-US" sz="1400" b="1" i="1" dirty="0">
-                <a:solidFill>
-                  <a:schemeClr val="tx1">
-                    <a:lumMod val="65000"/>
-                    <a:lumOff val="35000"/>
-                  </a:schemeClr>
-                </a:solidFill>
-                <a:latin typeface="+mj-lt"/>
-              </a:endParaRPr>
             </a:p>
           </p:txBody>
         </p:sp>
@@ -10428,26 +10093,17 @@
           <a:lstStyle/>
           <a:p>
             <a:r>
-              <a:rPr lang="en-US" dirty="0" smtClean="0"/>
+              <a:rPr lang="en-US" dirty="0"/>
               <a:t>Lectures: 1</a:t>
             </a:r>
             <a:r>
-              <a:rPr lang="en-US" baseline="30000" dirty="0" smtClean="0"/>
+              <a:rPr lang="en-US" baseline="30000" dirty="0"/>
               <a:t>st</a:t>
             </a:r>
             <a:r>
-              <a:rPr lang="en-US" dirty="0" smtClean="0"/>
-              <a:t> half - from a </a:t>
-            </a:r>
-            <a:r>
               <a:rPr lang="en-US" dirty="0"/>
-              <a:t>u</a:t>
-            </a:r>
-            <a:r>
-              <a:rPr lang="en-US" dirty="0" smtClean="0"/>
-              <a:t>ser’s perspective</a:t>
-            </a:r>
-            <a:endParaRPr lang="en-US" dirty="0"/>
+              <a:t> half - from a user’s perspective</a:t>
+            </a:r>
           </a:p>
         </p:txBody>
       </p:sp>
@@ -10473,58 +10129,41 @@
               <a:buAutoNum type="arabicPeriod"/>
             </a:pPr>
             <a:r>
-              <a:rPr lang="en-US" b="1" dirty="0" smtClean="0"/>
+              <a:rPr lang="en-US" b="1" dirty="0"/>
               <a:t>Foundations: </a:t>
             </a:r>
             <a:r>
-              <a:rPr lang="en-US" dirty="0" smtClean="0"/>
+              <a:rPr lang="en-US" dirty="0"/>
               <a:t>Relational data models &amp; SQL</a:t>
             </a:r>
-            <a:endParaRPr lang="en-US" i="1" dirty="0" smtClean="0"/>
+            <a:endParaRPr lang="en-US" i="1" dirty="0"/>
           </a:p>
           <a:p>
             <a:pPr lvl="1"/>
             <a:r>
-              <a:rPr lang="en-US" u="sng" dirty="0" smtClean="0"/>
+              <a:rPr lang="en-US" u="sng" dirty="0"/>
               <a:t>Lectures 2-3</a:t>
             </a:r>
           </a:p>
           <a:p>
             <a:pPr lvl="1"/>
             <a:r>
-              <a:rPr lang="en-US" dirty="0" smtClean="0"/>
-              <a:t>How to manipulate data with SQL</a:t>
-            </a:r>
-            <a:r>
               <a:rPr lang="en-US" dirty="0"/>
-              <a:t>, a declarative </a:t>
-            </a:r>
-            <a:r>
-              <a:rPr lang="en-US" dirty="0" smtClean="0"/>
-              <a:t>language</a:t>
+              <a:t>How to manipulate data with SQL, a declarative language</a:t>
             </a:r>
           </a:p>
           <a:p>
             <a:pPr lvl="2"/>
             <a:r>
-              <a:rPr lang="en-US" i="1" dirty="0" smtClean="0"/>
-              <a:t>reduced </a:t>
-            </a:r>
-            <a:r>
               <a:rPr lang="en-US" i="1" dirty="0"/>
-              <a:t>expressive power but the system can do more for </a:t>
-            </a:r>
-            <a:r>
-              <a:rPr lang="en-US" i="1" dirty="0" smtClean="0"/>
-              <a:t>you</a:t>
-            </a:r>
-            <a:endParaRPr lang="en-US" i="1" dirty="0"/>
+              <a:t>reduced expressive power but the system can do more for you</a:t>
+            </a:r>
           </a:p>
           <a:p>
             <a:pPr marL="457200" lvl="1" indent="0">
               <a:buNone/>
             </a:pPr>
-            <a:endParaRPr lang="en-US" b="1" dirty="0" smtClean="0"/>
+            <a:endParaRPr lang="en-US" b="1" dirty="0"/>
           </a:p>
           <a:p>
             <a:pPr marL="514350" indent="-514350">
@@ -10532,38 +10171,26 @@
               <a:buAutoNum type="arabicPeriod"/>
             </a:pPr>
             <a:r>
-              <a:rPr lang="en-US" b="1" dirty="0" smtClean="0"/>
+              <a:rPr lang="en-US" b="1" dirty="0"/>
               <a:t>Database Design</a:t>
             </a:r>
             <a:r>
               <a:rPr lang="en-US" dirty="0"/>
-              <a:t>:</a:t>
-            </a:r>
-            <a:r>
-              <a:rPr lang="en-US" dirty="0" smtClean="0"/>
-              <a:t> Design theory and </a:t>
-            </a:r>
+              <a:t>: Design theory and constraints</a:t>
+            </a:r>
+            <a:endParaRPr lang="en-US" i="1" dirty="0"/>
+          </a:p>
+          <a:p>
+            <a:pPr lvl="1"/>
+            <a:r>
+              <a:rPr lang="en-US" u="sng" dirty="0"/>
+              <a:t>Lectures 4-6</a:t>
+            </a:r>
+          </a:p>
+          <a:p>
+            <a:pPr lvl="1"/>
             <a:r>
               <a:rPr lang="en-US" dirty="0"/>
-              <a:t>c</a:t>
-            </a:r>
-            <a:r>
-              <a:rPr lang="en-US" dirty="0" smtClean="0"/>
-              <a:t>onstraints</a:t>
-            </a:r>
-            <a:endParaRPr lang="en-US" i="1" dirty="0"/>
-          </a:p>
-          <a:p>
-            <a:pPr lvl="1"/>
-            <a:r>
-              <a:rPr lang="en-US" u="sng" dirty="0" smtClean="0"/>
-              <a:t>Lectures 4-6</a:t>
-            </a:r>
-          </a:p>
-          <a:p>
-            <a:pPr lvl="1"/>
-            <a:r>
-              <a:rPr lang="en-US" dirty="0" smtClean="0"/>
               <a:t>Designing relational schema to keep your data from getting corrupted</a:t>
             </a:r>
           </a:p>
@@ -10577,36 +10204,28 @@
               <a:buAutoNum type="arabicPeriod"/>
             </a:pPr>
             <a:r>
-              <a:rPr lang="en-US" b="1" dirty="0" smtClean="0"/>
-              <a:t>Transactions</a:t>
-            </a:r>
-            <a:r>
               <a:rPr lang="en-US" b="1" dirty="0"/>
-              <a:t>:</a:t>
-            </a:r>
-            <a:r>
-              <a:rPr lang="en-US" b="1" dirty="0" smtClean="0"/>
-              <a:t> </a:t>
-            </a:r>
-            <a:r>
-              <a:rPr lang="en-US" dirty="0" smtClean="0"/>
+              <a:t>Transactions: </a:t>
+            </a:r>
+            <a:r>
+              <a:rPr lang="en-US" dirty="0"/>
               <a:t>Syntax &amp; supporting systems</a:t>
             </a:r>
           </a:p>
           <a:p>
             <a:pPr lvl="1"/>
             <a:r>
-              <a:rPr lang="en-US" u="sng" dirty="0" smtClean="0"/>
+              <a:rPr lang="en-US" u="sng" dirty="0"/>
               <a:t>Lectures 7-8</a:t>
             </a:r>
           </a:p>
           <a:p>
             <a:pPr lvl="1"/>
             <a:r>
-              <a:rPr lang="en-US" dirty="0" smtClean="0"/>
+              <a:rPr lang="en-US" dirty="0"/>
               <a:t>A programmer’s abstraction for data consistency</a:t>
             </a:r>
-            <a:endParaRPr lang="en-US" b="1" dirty="0" smtClean="0"/>
+            <a:endParaRPr lang="en-US" b="1" dirty="0"/>
           </a:p>
           <a:p>
             <a:pPr marL="914400" lvl="1" indent="-514350">
@@ -10618,7 +10237,7 @@
             <a:pPr marL="514350" indent="-514350">
               <a:buAutoNum type="arabicPeriod"/>
             </a:pPr>
-            <a:endParaRPr lang="en-US" dirty="0" smtClean="0"/>
+            <a:endParaRPr lang="en-US" dirty="0"/>
           </a:p>
         </p:txBody>
       </p:sp>
@@ -10737,7 +10356,7 @@
             <a:lstStyle/>
             <a:p>
               <a:r>
-                <a:rPr lang="en-US" sz="1400" b="1" i="1" dirty="0" smtClean="0">
+                <a:rPr lang="en-US" sz="1400" b="1" i="1" dirty="0">
                   <a:solidFill>
                     <a:schemeClr val="tx1">
                       <a:lumMod val="65000"/>
@@ -10748,15 +10367,6 @@
                 </a:rPr>
                 <a:t>Section 1  &gt;  Lectures</a:t>
               </a:r>
-              <a:endParaRPr lang="en-US" sz="1400" b="1" i="1" dirty="0">
-                <a:solidFill>
-                  <a:schemeClr val="tx1">
-                    <a:lumMod val="65000"/>
-                    <a:lumOff val="35000"/>
-                  </a:schemeClr>
-                </a:solidFill>
-                <a:latin typeface="+mj-lt"/>
-              </a:endParaRPr>
             </a:p>
           </p:txBody>
         </p:sp>
@@ -10771,13 +10381,6 @@
   <p:clrMapOvr>
     <a:masterClrMapping/>
   </p:clrMapOvr>
-  <p:timing>
-    <p:tnLst>
-      <p:par>
-        <p:cTn xmlns:p14="http://schemas.microsoft.com/office/powerpoint/2010/main" id="1" dur="indefinite" restart="never" nodeType="tmRoot"/>
-      </p:par>
-    </p:tnLst>
-  </p:timing>
 </p:sld>
 </file>
 
@@ -10821,18 +10424,17 @@
           <a:lstStyle/>
           <a:p>
             <a:r>
-              <a:rPr lang="en-US" dirty="0" smtClean="0"/>
+              <a:rPr lang="en-US" dirty="0"/>
               <a:t>Lectures: 2</a:t>
             </a:r>
             <a:r>
-              <a:rPr lang="en-US" baseline="30000" dirty="0" smtClean="0"/>
+              <a:rPr lang="en-US" baseline="30000" dirty="0"/>
               <a:t>nd</a:t>
             </a:r>
             <a:r>
-              <a:rPr lang="en-US" dirty="0" smtClean="0"/>
+              <a:rPr lang="en-US" dirty="0"/>
               <a:t> half - understanding how it works</a:t>
             </a:r>
-            <a:endParaRPr lang="en-US" dirty="0"/>
           </a:p>
         </p:txBody>
       </p:sp>
@@ -10862,42 +10464,42 @@
               <a:buNone/>
             </a:pPr>
             <a:r>
-              <a:rPr lang="en-US" b="1" dirty="0" smtClean="0"/>
+              <a:rPr lang="en-US" b="1" dirty="0"/>
               <a:t>4. Introduction to database systems</a:t>
             </a:r>
           </a:p>
           <a:p>
             <a:pPr lvl="1"/>
             <a:r>
-              <a:rPr lang="en-US" u="sng" dirty="0" smtClean="0"/>
+              <a:rPr lang="en-US" u="sng" dirty="0"/>
               <a:t>Lectures 12-16</a:t>
             </a:r>
           </a:p>
           <a:p>
             <a:pPr lvl="1"/>
             <a:r>
-              <a:rPr lang="en-US" dirty="0" smtClean="0"/>
+              <a:rPr lang="en-US" dirty="0"/>
               <a:t>Indexing </a:t>
             </a:r>
           </a:p>
           <a:p>
             <a:pPr lvl="1"/>
             <a:r>
-              <a:rPr lang="en-US" dirty="0" smtClean="0"/>
+              <a:rPr lang="en-US" dirty="0"/>
               <a:t>External Memory Algorithms (IO model) for sorting, joins, etc.</a:t>
             </a:r>
           </a:p>
           <a:p>
             <a:pPr lvl="1"/>
             <a:r>
-              <a:rPr lang="en-US" dirty="0" smtClean="0"/>
+              <a:rPr lang="en-US" dirty="0"/>
               <a:t>Basics of query optimization (Cost Estimates)</a:t>
             </a:r>
           </a:p>
           <a:p>
             <a:pPr lvl="1"/>
             <a:r>
-              <a:rPr lang="en-US" dirty="0" smtClean="0"/>
+              <a:rPr lang="en-US" dirty="0"/>
               <a:t>Relational algebra</a:t>
             </a:r>
           </a:p>
@@ -10910,63 +10512,46 @@
               <a:buNone/>
             </a:pPr>
             <a:r>
-              <a:rPr lang="en-US" b="1" dirty="0" smtClean="0"/>
-              <a:t>5. </a:t>
-            </a:r>
-            <a:r>
               <a:rPr lang="en-US" b="1" dirty="0"/>
-              <a:t>Specialized and New Data Processing </a:t>
-            </a:r>
-            <a:r>
-              <a:rPr lang="en-US" b="1" dirty="0" smtClean="0"/>
-              <a:t>Systems</a:t>
-            </a:r>
-            <a:endParaRPr lang="en-US" b="1" dirty="0"/>
+              <a:t>5. Specialized and New Data Processing Systems</a:t>
+            </a:r>
           </a:p>
           <a:p>
             <a:pPr lvl="1"/>
             <a:r>
-              <a:rPr lang="en-US" u="sng" dirty="0" smtClean="0"/>
+              <a:rPr lang="en-US" u="sng" dirty="0"/>
               <a:t>Lectures 17-19</a:t>
             </a:r>
           </a:p>
           <a:p>
             <a:pPr lvl="1"/>
             <a:r>
-              <a:rPr lang="en-US" dirty="0" smtClean="0"/>
+              <a:rPr lang="en-US" dirty="0"/>
               <a:t>Key-Value Stores</a:t>
             </a:r>
           </a:p>
           <a:p>
             <a:pPr lvl="1"/>
             <a:r>
-              <a:rPr lang="en-US" dirty="0" smtClean="0"/>
-              <a:t>Hadoop and its </a:t>
-            </a:r>
-            <a:r>
-              <a:rPr lang="en-US" dirty="0" smtClean="0"/>
-              <a:t>11 </a:t>
-            </a:r>
-            <a:r>
-              <a:rPr lang="en-US" dirty="0" smtClean="0"/>
-              <a:t>year anniversary</a:t>
+              <a:rPr lang="en-US" dirty="0"/>
+              <a:t>Hadoop and its 11 year anniversary</a:t>
             </a:r>
           </a:p>
           <a:p>
             <a:pPr lvl="1"/>
             <a:r>
-              <a:rPr lang="en-US" dirty="0" err="1" smtClean="0"/>
+              <a:rPr lang="en-US" dirty="0" err="1"/>
               <a:t>SparkSQL</a:t>
             </a:r>
             <a:r>
-              <a:rPr lang="en-US" dirty="0" smtClean="0"/>
+              <a:rPr lang="en-US" dirty="0"/>
               <a:t>. The re-rise of SQL</a:t>
             </a:r>
           </a:p>
           <a:p>
             <a:pPr lvl="1"/>
             <a:r>
-              <a:rPr lang="en-US" dirty="0" smtClean="0"/>
+              <a:rPr lang="en-US" dirty="0"/>
               <a:t>Next-gen analytics systems &amp; current intersections with ML &amp; AI</a:t>
             </a:r>
           </a:p>
@@ -11091,7 +10676,7 @@
             <a:lstStyle/>
             <a:p>
               <a:r>
-                <a:rPr lang="en-US" sz="1400" b="1" i="1" dirty="0" smtClean="0">
+                <a:rPr lang="en-US" sz="1400" b="1" i="1" dirty="0">
                   <a:solidFill>
                     <a:schemeClr val="tx1">
                       <a:lumMod val="65000"/>
@@ -11102,15 +10687,6 @@
                 </a:rPr>
                 <a:t>Section 1  &gt;  Lectures</a:t>
               </a:r>
-              <a:endParaRPr lang="en-US" sz="1400" b="1" i="1" dirty="0">
-                <a:solidFill>
-                  <a:schemeClr val="tx1">
-                    <a:lumMod val="65000"/>
-                    <a:lumOff val="35000"/>
-                  </a:schemeClr>
-                </a:solidFill>
-                <a:latin typeface="+mj-lt"/>
-              </a:endParaRPr>
             </a:p>
           </p:txBody>
         </p:sp>
@@ -11125,13 +10701,6 @@
   <p:clrMapOvr>
     <a:masterClrMapping/>
   </p:clrMapOvr>
-  <p:timing>
-    <p:tnLst>
-      <p:par>
-        <p:cTn xmlns:p14="http://schemas.microsoft.com/office/powerpoint/2010/main" id="1" dur="indefinite" restart="never" nodeType="tmRoot"/>
-      </p:par>
-    </p:tnLst>
-  </p:timing>
 </p:sld>
 </file>
 
@@ -11170,10 +10739,9 @@
           <a:lstStyle/>
           <a:p>
             <a:r>
-              <a:rPr lang="en-US" dirty="0" smtClean="0"/>
+              <a:rPr lang="en-US" dirty="0"/>
               <a:t>Lectures: A note about format of notes</a:t>
             </a:r>
-            <a:endParaRPr lang="en-US" dirty="0"/>
           </a:p>
         </p:txBody>
       </p:sp>
@@ -11292,7 +10860,7 @@
             <a:lstStyle/>
             <a:p>
               <a:r>
-                <a:rPr lang="en-US" sz="1400" b="1" i="1" dirty="0" smtClean="0">
+                <a:rPr lang="en-US" sz="1400" b="1" i="1" dirty="0">
                   <a:solidFill>
                     <a:schemeClr val="tx1">
                       <a:lumMod val="65000"/>
@@ -11303,15 +10871,6 @@
                 </a:rPr>
                 <a:t>Section 1  &gt;  Lectures</a:t>
               </a:r>
-              <a:endParaRPr lang="en-US" sz="1400" b="1" i="1" dirty="0">
-                <a:solidFill>
-                  <a:schemeClr val="tx1">
-                    <a:lumMod val="65000"/>
-                    <a:lumOff val="35000"/>
-                  </a:schemeClr>
-                </a:solidFill>
-                <a:latin typeface="+mj-lt"/>
-              </a:endParaRPr>
             </a:p>
           </p:txBody>
         </p:sp>
@@ -11351,11 +10910,11 @@
           <a:lstStyle/>
           <a:p>
             <a:r>
-              <a:rPr lang="en-US" i="1" dirty="0" smtClean="0"/>
+              <a:rPr lang="en-US" i="1" dirty="0"/>
               <a:t>These are asides / notes </a:t>
             </a:r>
             <a:r>
-              <a:rPr lang="en-US" i="1" smtClean="0"/>
+              <a:rPr lang="en-US" i="1"/>
               <a:t>(still need to know these in general!)</a:t>
             </a:r>
             <a:endParaRPr lang="en-US" i="1" dirty="0"/>
@@ -11398,14 +10957,11 @@
           <a:p>
             <a:pPr algn="ctr"/>
             <a:r>
-              <a:rPr lang="en-US" sz="2800" b="1" dirty="0" smtClean="0">
+              <a:rPr lang="en-US" sz="2800" b="1" dirty="0">
                 <a:latin typeface="+mj-lt"/>
               </a:rPr>
               <a:t>Main point of slide / key takeaway at bottom</a:t>
             </a:r>
-            <a:endParaRPr lang="en-US" sz="2800" b="1" dirty="0">
-              <a:latin typeface="+mj-lt"/>
-            </a:endParaRPr>
           </a:p>
         </p:txBody>
       </p:sp>
@@ -11444,19 +11000,19 @@
           <a:lstStyle/>
           <a:p>
             <a:r>
-              <a:rPr lang="en-US" dirty="0" smtClean="0">
+              <a:rPr lang="en-US" dirty="0">
                 <a:latin typeface="+mj-lt"/>
               </a:rPr>
               <a:t>Definitions in blue with </a:t>
             </a:r>
             <a:r>
-              <a:rPr lang="en-US" b="1" u="sng" dirty="0" smtClean="0">
+              <a:rPr lang="en-US" b="1" u="sng" dirty="0">
                 <a:latin typeface="+mj-lt"/>
               </a:rPr>
               <a:t>concept being defined</a:t>
             </a:r>
             <a:r>
-              <a:rPr lang="en-US" dirty="0" smtClean="0">
+              <a:rPr lang="en-US" dirty="0">
                 <a:latin typeface="+mj-lt"/>
               </a:rPr>
               <a:t> bold &amp; underlined</a:t>
@@ -11502,14 +11058,11 @@
           <a:lstStyle/>
           <a:p>
             <a:r>
-              <a:rPr lang="en-US" i="1" dirty="0" smtClean="0">
+              <a:rPr lang="en-US" i="1" dirty="0">
                 <a:latin typeface="+mj-lt"/>
               </a:rPr>
               <a:t>Warnings- pay attention here!</a:t>
             </a:r>
-            <a:endParaRPr lang="en-US" i="1" dirty="0">
-              <a:latin typeface="+mj-lt"/>
-            </a:endParaRPr>
           </a:p>
         </p:txBody>
       </p:sp>
@@ -11548,14 +11101,11 @@
           <a:lstStyle/>
           <a:p>
             <a:r>
-              <a:rPr lang="en-US" i="1" dirty="0" smtClean="0">
+              <a:rPr lang="en-US" i="1" dirty="0">
                 <a:latin typeface="+mj-lt"/>
               </a:rPr>
               <a:t>Take note!!</a:t>
             </a:r>
-            <a:endParaRPr lang="en-US" i="1" dirty="0">
-              <a:latin typeface="+mj-lt"/>
-            </a:endParaRPr>
           </a:p>
         </p:txBody>
       </p:sp>
@@ -11569,13 +11119,6 @@
   <p:clrMapOvr>
     <a:masterClrMapping/>
   </p:clrMapOvr>
-  <p:timing>
-    <p:tnLst>
-      <p:par>
-        <p:cTn xmlns:p14="http://schemas.microsoft.com/office/powerpoint/2010/main" id="1" dur="indefinite" restart="never" nodeType="tmRoot"/>
-      </p:par>
-    </p:tnLst>
-  </p:timing>
 </p:sld>
 </file>
 
@@ -11612,14 +11155,13 @@
           <a:lstStyle/>
           <a:p>
             <a:r>
-              <a:rPr lang="en-US" dirty="0" err="1" smtClean="0"/>
+              <a:rPr lang="en-US" dirty="0" err="1"/>
               <a:t>Jupyter</a:t>
             </a:r>
             <a:r>
-              <a:rPr lang="en-US" dirty="0" smtClean="0"/>
+              <a:rPr lang="en-US" dirty="0"/>
               <a:t> Notebook “Hello World”</a:t>
             </a:r>
-            <a:endParaRPr lang="en-US" dirty="0"/>
           </a:p>
         </p:txBody>
       </p:sp>
@@ -11646,38 +11188,38 @@
           <a:lstStyle/>
           <a:p>
             <a:r>
-              <a:rPr lang="en-US" dirty="0" err="1" smtClean="0"/>
+              <a:rPr lang="en-US" dirty="0" err="1"/>
               <a:t>Jupyter</a:t>
             </a:r>
             <a:r>
-              <a:rPr lang="en-US" dirty="0" smtClean="0"/>
+              <a:rPr lang="en-US" dirty="0"/>
               <a:t> notebooks are interactive shells which </a:t>
             </a:r>
             <a:r>
-              <a:rPr lang="en-US" b="1" dirty="0" smtClean="0"/>
+              <a:rPr lang="en-US" b="1" dirty="0"/>
               <a:t>save output in a nice notebook format</a:t>
             </a:r>
           </a:p>
           <a:p>
             <a:pPr lvl="1"/>
             <a:r>
-              <a:rPr lang="en-US" dirty="0" smtClean="0"/>
+              <a:rPr lang="en-US" dirty="0"/>
               <a:t>They also can display markdown, </a:t>
             </a:r>
             <a:r>
-              <a:rPr lang="en-US" dirty="0" err="1" smtClean="0"/>
+              <a:rPr lang="en-US" dirty="0" err="1"/>
               <a:t>LaTeX</a:t>
             </a:r>
             <a:r>
-              <a:rPr lang="en-US" dirty="0" smtClean="0"/>
+              <a:rPr lang="en-US" dirty="0"/>
               <a:t>, HTML, </a:t>
             </a:r>
             <a:r>
-              <a:rPr lang="en-US" dirty="0" err="1" smtClean="0"/>
+              <a:rPr lang="en-US" dirty="0" err="1"/>
               <a:t>js</a:t>
             </a:r>
             <a:r>
-              <a:rPr lang="en-US" dirty="0" smtClean="0"/>
+              <a:rPr lang="en-US" dirty="0"/>
               <a:t>…</a:t>
             </a:r>
           </a:p>
@@ -11686,42 +11228,41 @@
             <a:endParaRPr lang="en-US" dirty="0"/>
           </a:p>
           <a:p>
-            <a:endParaRPr lang="en-US" dirty="0" smtClean="0"/>
-          </a:p>
-          <a:p>
             <a:endParaRPr lang="en-US" dirty="0"/>
           </a:p>
           <a:p>
-            <a:r>
-              <a:rPr lang="en-US" dirty="0" smtClean="0"/>
+            <a:endParaRPr lang="en-US" dirty="0"/>
+          </a:p>
+          <a:p>
+            <a:r>
+              <a:rPr lang="en-US" dirty="0"/>
               <a:t>You’ll use these for </a:t>
             </a:r>
           </a:p>
           <a:p>
             <a:pPr lvl="1"/>
             <a:r>
-              <a:rPr lang="en-US" dirty="0" smtClean="0"/>
+              <a:rPr lang="en-US" dirty="0"/>
               <a:t>in-class activities</a:t>
             </a:r>
           </a:p>
           <a:p>
             <a:pPr lvl="1"/>
             <a:r>
-              <a:rPr lang="en-US" dirty="0" smtClean="0"/>
+              <a:rPr lang="en-US" dirty="0"/>
               <a:t>interactive lecture supplements/recaps</a:t>
             </a:r>
           </a:p>
           <a:p>
             <a:pPr lvl="1"/>
             <a:r>
-              <a:rPr lang="en-US" dirty="0" err="1" smtClean="0"/>
+              <a:rPr lang="en-US" dirty="0" err="1"/>
               <a:t>homeworks</a:t>
             </a:r>
             <a:r>
-              <a:rPr lang="en-US" dirty="0" smtClean="0"/>
+              <a:rPr lang="en-US" dirty="0"/>
               <a:t>, projects, etc.- if helpful!</a:t>
             </a:r>
-            <a:endParaRPr lang="en-US" dirty="0"/>
           </a:p>
         </p:txBody>
       </p:sp>
@@ -11842,7 +11383,7 @@
             <a:lstStyle/>
             <a:p>
               <a:r>
-                <a:rPr lang="en-US" sz="1400" b="1" i="1" dirty="0" smtClean="0">
+                <a:rPr lang="en-US" sz="1400" b="1" i="1" dirty="0">
                   <a:solidFill>
                     <a:schemeClr val="tx1">
                       <a:lumMod val="65000"/>
@@ -11853,15 +11394,6 @@
                 </a:rPr>
                 <a:t>Section 1  &gt;  ACTIVITY</a:t>
               </a:r>
-              <a:endParaRPr lang="en-US" sz="1400" b="1" i="1" dirty="0">
-                <a:solidFill>
-                  <a:schemeClr val="tx1">
-                    <a:lumMod val="65000"/>
-                    <a:lumOff val="35000"/>
-                  </a:schemeClr>
-                </a:solidFill>
-                <a:latin typeface="+mj-lt"/>
-              </a:endParaRPr>
             </a:p>
           </p:txBody>
         </p:sp>
@@ -11901,30 +11433,29 @@
           <a:lstStyle/>
           <a:p>
             <a:r>
-              <a:rPr lang="en-US" sz="1400" i="1" dirty="0" smtClean="0"/>
+              <a:rPr lang="en-US" sz="1400" i="1" dirty="0"/>
               <a:t>FYI</a:t>
             </a:r>
             <a:r>
-              <a:rPr lang="en-US" sz="1400" i="1" smtClean="0"/>
+              <a:rPr lang="en-US" sz="1400" i="1"/>
               <a:t>: “</a:t>
             </a:r>
             <a:r>
-              <a:rPr lang="en-US" sz="1400" i="1" dirty="0" err="1" smtClean="0"/>
+              <a:rPr lang="en-US" sz="1400" i="1" dirty="0" err="1"/>
               <a:t>Jupyter</a:t>
             </a:r>
             <a:r>
-              <a:rPr lang="en-US" sz="1400" i="1" dirty="0" smtClean="0"/>
+              <a:rPr lang="en-US" sz="1400" i="1" dirty="0"/>
               <a:t> Notebook” are also called </a:t>
             </a:r>
             <a:r>
-              <a:rPr lang="en-US" sz="1400" i="1" dirty="0" err="1" smtClean="0"/>
+              <a:rPr lang="en-US" sz="1400" i="1" dirty="0" err="1"/>
               <a:t>iPython</a:t>
             </a:r>
             <a:r>
-              <a:rPr lang="en-US" sz="1400" i="1" dirty="0" smtClean="0"/>
+              <a:rPr lang="en-US" sz="1400" i="1" dirty="0"/>
               <a:t> notebooks but they handle other languages too.  </a:t>
             </a:r>
-            <a:endParaRPr lang="en-US" sz="1400" i="1" dirty="0"/>
           </a:p>
         </p:txBody>
       </p:sp>
@@ -11963,22 +11494,21 @@
           <a:lstStyle/>
           <a:p>
             <a:r>
-              <a:rPr lang="en-US" sz="2400" dirty="0" smtClean="0"/>
+              <a:rPr lang="en-US" sz="2400" dirty="0"/>
               <a:t>Note: you </a:t>
             </a:r>
             <a:r>
-              <a:rPr lang="en-US" sz="2400" b="1" u="sng" dirty="0" smtClean="0"/>
+              <a:rPr lang="en-US" sz="2400" b="1" u="sng" dirty="0"/>
               <a:t>do</a:t>
             </a:r>
             <a:r>
-              <a:rPr lang="en-US" sz="2400" b="1" dirty="0" smtClean="0"/>
+              <a:rPr lang="en-US" sz="2400" b="1" dirty="0"/>
               <a:t> need to know or learn python </a:t>
             </a:r>
             <a:r>
-              <a:rPr lang="en-US" sz="2400" dirty="0" smtClean="0"/>
+              <a:rPr lang="en-US" sz="2400" dirty="0"/>
               <a:t>for this course!</a:t>
             </a:r>
-            <a:endParaRPr lang="en-US" sz="2400" dirty="0"/>
           </a:p>
         </p:txBody>
       </p:sp>
@@ -12016,13 +11546,6 @@
   <p:clrMapOvr>
     <a:masterClrMapping/>
   </p:clrMapOvr>
-  <p:timing>
-    <p:tnLst>
-      <p:par>
-        <p:cTn xmlns:p14="http://schemas.microsoft.com/office/powerpoint/2010/main" id="1" dur="indefinite" restart="never" nodeType="tmRoot"/>
-      </p:par>
-    </p:tnLst>
-  </p:timing>
 </p:sld>
 </file>
 
@@ -12059,14 +11582,13 @@
           <a:lstStyle/>
           <a:p>
             <a:r>
-              <a:rPr lang="en-US" dirty="0" err="1" smtClean="0"/>
+              <a:rPr lang="en-US" dirty="0" err="1"/>
               <a:t>Jupyter</a:t>
             </a:r>
             <a:r>
-              <a:rPr lang="en-US" dirty="0" smtClean="0"/>
+              <a:rPr lang="en-US" dirty="0"/>
               <a:t> Notebook Setup</a:t>
             </a:r>
-            <a:endParaRPr lang="en-US" dirty="0"/>
           </a:p>
         </p:txBody>
       </p:sp>
@@ -12187,7 +11709,7 @@
             <a:lstStyle/>
             <a:p>
               <a:r>
-                <a:rPr lang="en-US" sz="1400" b="1" i="1" dirty="0" smtClean="0">
+                <a:rPr lang="en-US" sz="1400" b="1" i="1" dirty="0">
                   <a:solidFill>
                     <a:schemeClr val="tx1">
                       <a:lumMod val="65000"/>
@@ -12198,15 +11720,6 @@
                 </a:rPr>
                 <a:t>Section 1  &gt;  ACTIVITY</a:t>
               </a:r>
-              <a:endParaRPr lang="en-US" sz="1400" b="1" i="1" dirty="0">
-                <a:solidFill>
-                  <a:schemeClr val="tx1">
-                    <a:lumMod val="65000"/>
-                    <a:lumOff val="35000"/>
-                  </a:schemeClr>
-                </a:solidFill>
-                <a:latin typeface="+mj-lt"/>
-              </a:endParaRPr>
             </a:p>
           </p:txBody>
         </p:sp>
@@ -12437,26 +11950,23 @@
           <a:p>
             <a:pPr algn="ctr"/>
             <a:r>
-              <a:rPr lang="en-US" sz="2400" dirty="0" smtClean="0">
+              <a:rPr lang="en-US" sz="2400" dirty="0">
                 <a:latin typeface="+mj-lt"/>
               </a:rPr>
               <a:t>As a general policy in upper-level CS courses, </a:t>
             </a:r>
             <a:r>
-              <a:rPr lang="en-US" sz="2400" b="1" u="sng" dirty="0" smtClean="0">
+              <a:rPr lang="en-US" sz="2400" b="1" u="sng" dirty="0">
                 <a:latin typeface="+mj-lt"/>
               </a:rPr>
               <a:t>Windows is not officially supported</a:t>
             </a:r>
             <a:r>
-              <a:rPr lang="en-US" sz="2400" dirty="0" smtClean="0">
+              <a:rPr lang="en-US" sz="2400" dirty="0">
                 <a:latin typeface="+mj-lt"/>
               </a:rPr>
               <a:t>.  However we are making a best-effort attempt to provide some solutions here!</a:t>
             </a:r>
-            <a:endParaRPr lang="en-US" sz="2400" dirty="0">
-              <a:latin typeface="+mj-lt"/>
-            </a:endParaRPr>
           </a:p>
         </p:txBody>
       </p:sp>
@@ -12485,33 +11995,28 @@
               <a:buAutoNum type="arabicPeriod"/>
             </a:pPr>
             <a:r>
-              <a:rPr lang="en-US" b="1" dirty="0" smtClean="0"/>
+              <a:rPr lang="en-US" b="1" dirty="0"/>
               <a:t>HIGHLY RECOMMENDED. </a:t>
             </a:r>
             <a:r>
-              <a:rPr lang="en-US" dirty="0" smtClean="0"/>
+              <a:rPr lang="en-US" dirty="0"/>
               <a:t>Install </a:t>
             </a:r>
             <a:r>
-              <a:rPr lang="en-US" b="1" u="sng" dirty="0" smtClean="0"/>
+              <a:rPr lang="en-US" b="1" u="sng" dirty="0"/>
               <a:t>on your laptop</a:t>
             </a:r>
             <a:r>
-              <a:rPr lang="en-US" dirty="0" smtClean="0"/>
-              <a:t> via the instructions on the next </a:t>
-            </a:r>
-            <a:r>
-              <a:rPr lang="en-US" dirty="0" smtClean="0"/>
-              <a:t>slide</a:t>
-            </a:r>
-            <a:endParaRPr lang="en-US" dirty="0" smtClean="0"/>
+              <a:rPr lang="en-US" dirty="0"/>
+              <a:t> via the instructions on the next slide</a:t>
+            </a:r>
           </a:p>
           <a:p>
             <a:pPr marL="971550" lvl="1" indent="-514350">
               <a:buFont typeface="+mj-lt"/>
               <a:buAutoNum type="arabicPeriod"/>
             </a:pPr>
-            <a:endParaRPr lang="en-US" dirty="0" smtClean="0"/>
+            <a:endParaRPr lang="en-US" dirty="0"/>
           </a:p>
           <a:p>
             <a:pPr marL="971550" lvl="1" indent="-514350">
@@ -12519,7 +12024,7 @@
               <a:buAutoNum type="arabicPeriod"/>
             </a:pPr>
             <a:r>
-              <a:rPr lang="en-US" dirty="0" smtClean="0"/>
+              <a:rPr lang="en-US" dirty="0"/>
               <a:t>Other options running via one of the alternative methods:</a:t>
             </a:r>
           </a:p>
@@ -12529,7 +12034,7 @@
               <a:buAutoNum type="arabicPeriod"/>
             </a:pPr>
             <a:r>
-              <a:rPr lang="en-US" b="1" u="sng" dirty="0" smtClean="0"/>
+              <a:rPr lang="en-US" b="1" u="sng" dirty="0"/>
               <a:t>Ubuntu VM.</a:t>
             </a:r>
           </a:p>
@@ -12539,7 +12044,7 @@
               <a:buAutoNum type="arabicPeriod"/>
             </a:pPr>
             <a:r>
-              <a:rPr lang="en-US" b="1" u="sng" dirty="0" smtClean="0"/>
+              <a:rPr lang="en-US" b="1" u="sng" dirty="0"/>
               <a:t>Corn</a:t>
             </a:r>
           </a:p>
@@ -12587,20 +12092,11 @@
           <a:lstStyle/>
           <a:p>
             <a:r>
-              <a:rPr lang="en-US" dirty="0" smtClean="0">
+              <a:rPr lang="en-US" dirty="0">
                 <a:latin typeface="+mj-lt"/>
               </a:rPr>
-              <a:t>Please help out your peers by posting issues / solutions on </a:t>
-            </a:r>
-            <a:r>
-              <a:rPr lang="en-US" dirty="0" smtClean="0">
-                <a:latin typeface="+mj-lt"/>
-              </a:rPr>
-              <a:t>the forum (once it’s created!)</a:t>
-            </a:r>
-            <a:endParaRPr lang="en-US" dirty="0">
-              <a:latin typeface="+mj-lt"/>
-            </a:endParaRPr>
+              <a:t>Please help out your peers by posting issues / solutions on the forum (once it’s created!)</a:t>
+            </a:r>
           </a:p>
         </p:txBody>
       </p:sp>
@@ -12935,14 +12431,13 @@
           <a:lstStyle/>
           <a:p>
             <a:r>
-              <a:rPr lang="en-US" dirty="0" err="1" smtClean="0"/>
+              <a:rPr lang="en-US" dirty="0" err="1"/>
               <a:t>Jupyter</a:t>
             </a:r>
             <a:r>
-              <a:rPr lang="en-US" dirty="0" smtClean="0"/>
+              <a:rPr lang="en-US" dirty="0"/>
               <a:t> Notebook Setup</a:t>
             </a:r>
-            <a:endParaRPr lang="en-US" dirty="0"/>
           </a:p>
         </p:txBody>
       </p:sp>
@@ -13063,7 +12558,7 @@
             <a:lstStyle/>
             <a:p>
               <a:r>
-                <a:rPr lang="en-US" sz="1400" b="1" i="1" dirty="0" smtClean="0">
+                <a:rPr lang="en-US" sz="1400" b="1" i="1" dirty="0">
                   <a:solidFill>
                     <a:schemeClr val="tx1">
                       <a:lumMod val="65000"/>
@@ -13074,15 +12569,6 @@
                 </a:rPr>
                 <a:t>Section 1  &gt;  ACTIVITY</a:t>
               </a:r>
-              <a:endParaRPr lang="en-US" sz="1400" b="1" i="1" dirty="0">
-                <a:solidFill>
-                  <a:schemeClr val="tx1">
-                    <a:lumMod val="65000"/>
-                    <a:lumOff val="35000"/>
-                  </a:schemeClr>
-                </a:solidFill>
-                <a:latin typeface="+mj-lt"/>
-              </a:endParaRPr>
             </a:p>
           </p:txBody>
         </p:sp>
@@ -13317,11 +12803,7 @@
             </a:r>
             <a:r>
               <a:rPr lang="en-US" sz="4000" dirty="0"/>
-              <a:t>/database-fall2018/</a:t>
-            </a:r>
-            <a:r>
-              <a:rPr lang="en-US" sz="4000" dirty="0"/>
-              <a:t>blob/master/</a:t>
+              <a:t>/database-fall2018/blob/master/</a:t>
             </a:r>
             <a:r>
               <a:rPr lang="en-US" sz="4000" dirty="0" err="1"/>
@@ -13384,7 +12866,7 @@
           <a:lstStyle/>
           <a:p>
             <a:r>
-              <a:rPr lang="en-US" dirty="0" smtClean="0">
+              <a:rPr lang="en-US" dirty="0">
                 <a:hlinkClick r:id="rId2" action="ppaction://hlinkfile"/>
               </a:rPr>
               <a:t>Activity-1-1.ipynb</a:t>
@@ -13510,7 +12992,7 @@
             <a:lstStyle/>
             <a:p>
               <a:r>
-                <a:rPr lang="en-US" sz="1400" b="1" i="1" dirty="0" smtClean="0">
+                <a:rPr lang="en-US" sz="1400" b="1" i="1" dirty="0">
                   <a:solidFill>
                     <a:schemeClr val="tx1">
                       <a:lumMod val="65000"/>
@@ -13521,15 +13003,6 @@
                 </a:rPr>
                 <a:t>Section 1  &gt;  ACTIVITY</a:t>
               </a:r>
-              <a:endParaRPr lang="en-US" sz="1400" b="1" i="1" dirty="0">
-                <a:solidFill>
-                  <a:schemeClr val="tx1">
-                    <a:lumMod val="65000"/>
-                    <a:lumOff val="35000"/>
-                  </a:schemeClr>
-                </a:solidFill>
-                <a:latin typeface="+mj-lt"/>
-              </a:endParaRPr>
             </a:p>
           </p:txBody>
         </p:sp>
@@ -13726,7 +13199,7 @@
             <a:lstStyle/>
             <a:p>
               <a:r>
-                <a:rPr lang="en-US" sz="1400" b="1" i="1" dirty="0" smtClean="0">
+                <a:rPr lang="en-US" sz="1400" b="1" i="1" dirty="0">
                   <a:solidFill>
                     <a:schemeClr val="tx1">
                       <a:lumMod val="65000"/>
@@ -13737,15 +13210,6 @@
                 </a:rPr>
                 <a:t>Section 2</a:t>
               </a:r>
-              <a:endParaRPr lang="en-US" sz="1400" b="1" i="1" dirty="0">
-                <a:solidFill>
-                  <a:schemeClr val="tx1">
-                    <a:lumMod val="65000"/>
-                    <a:lumOff val="35000"/>
-                  </a:schemeClr>
-                </a:solidFill>
-                <a:latin typeface="+mj-lt"/>
-              </a:endParaRPr>
             </a:p>
           </p:txBody>
         </p:sp>
@@ -13849,10 +13313,9 @@
           <a:lstStyle/>
           <a:p>
             <a:r>
-              <a:rPr lang="en-US" dirty="0" smtClean="0"/>
+              <a:rPr lang="en-US" dirty="0"/>
               <a:t>What you will learn about in this section</a:t>
             </a:r>
-            <a:endParaRPr lang="en-US" dirty="0"/>
           </a:p>
         </p:txBody>
       </p:sp>
@@ -13882,7 +13345,7 @@
               <a:buAutoNum type="arabicPeriod"/>
             </a:pPr>
             <a:r>
-              <a:rPr lang="en-US" dirty="0" smtClean="0">
+              <a:rPr lang="en-US" dirty="0">
                 <a:latin typeface="+mj-lt"/>
               </a:rPr>
               <a:t>Definition of DBMS</a:t>
@@ -13892,7 +13355,7 @@
             <a:pPr marL="514350" indent="-514350">
               <a:buAutoNum type="arabicPeriod"/>
             </a:pPr>
-            <a:endParaRPr lang="en-US" dirty="0" smtClean="0">
+            <a:endParaRPr lang="en-US" dirty="0">
               <a:latin typeface="+mj-lt"/>
             </a:endParaRPr>
           </a:p>
@@ -13901,7 +13364,7 @@
               <a:buAutoNum type="arabicPeriod"/>
             </a:pPr>
             <a:r>
-              <a:rPr lang="en-US" dirty="0" smtClean="0">
+              <a:rPr lang="en-US" dirty="0">
                 <a:latin typeface="+mj-lt"/>
               </a:rPr>
               <a:t>Data models &amp; the relational data model</a:t>
@@ -13911,7 +13374,7 @@
             <a:pPr marL="514350" indent="-514350">
               <a:buAutoNum type="arabicPeriod"/>
             </a:pPr>
-            <a:endParaRPr lang="en-US" dirty="0" smtClean="0">
+            <a:endParaRPr lang="en-US" dirty="0">
               <a:latin typeface="+mj-lt"/>
             </a:endParaRPr>
           </a:p>
@@ -13920,11 +13383,16 @@
               <a:buAutoNum type="arabicPeriod"/>
             </a:pPr>
             <a:r>
-              <a:rPr lang="en-US" dirty="0" smtClean="0">
+              <a:rPr lang="en-US" dirty="0">
                 <a:latin typeface="+mj-lt"/>
               </a:rPr>
               <a:t>Schemas &amp; data independence</a:t>
             </a:r>
+          </a:p>
+          <a:p>
+            <a:pPr marL="514350" indent="-514350">
+              <a:buAutoNum type="arabicPeriod"/>
+            </a:pPr>
             <a:endParaRPr lang="en-US" dirty="0">
               <a:latin typeface="+mj-lt"/>
             </a:endParaRPr>
@@ -13933,35 +13401,24 @@
             <a:pPr marL="514350" indent="-514350">
               <a:buAutoNum type="arabicPeriod"/>
             </a:pPr>
-            <a:endParaRPr lang="en-US" dirty="0" smtClean="0">
-              <a:latin typeface="+mj-lt"/>
-            </a:endParaRPr>
-          </a:p>
-          <a:p>
-            <a:pPr marL="514350" indent="-514350">
-              <a:buAutoNum type="arabicPeriod"/>
-            </a:pPr>
-            <a:r>
-              <a:rPr lang="en-US" dirty="0" smtClean="0">
+            <a:r>
+              <a:rPr lang="en-US" dirty="0">
                 <a:latin typeface="+mj-lt"/>
               </a:rPr>
               <a:t>ACTIVITY: </a:t>
             </a:r>
             <a:r>
-              <a:rPr lang="en-US" dirty="0" err="1" smtClean="0">
+              <a:rPr lang="en-US" dirty="0" err="1">
                 <a:latin typeface="+mj-lt"/>
               </a:rPr>
               <a:t>Jupyter</a:t>
             </a:r>
             <a:r>
-              <a:rPr lang="en-US" dirty="0" smtClean="0">
+              <a:rPr lang="en-US" dirty="0">
                 <a:latin typeface="+mj-lt"/>
               </a:rPr>
               <a:t> + SQL</a:t>
             </a:r>
-            <a:endParaRPr lang="en-US" dirty="0">
-              <a:latin typeface="+mj-lt"/>
-            </a:endParaRPr>
           </a:p>
         </p:txBody>
       </p:sp>
@@ -14080,7 +13537,7 @@
             <a:lstStyle/>
             <a:p>
               <a:r>
-                <a:rPr lang="en-US" sz="1400" b="1" i="1" dirty="0" smtClean="0">
+                <a:rPr lang="en-US" sz="1400" b="1" i="1" dirty="0">
                   <a:solidFill>
                     <a:schemeClr val="tx1">
                       <a:lumMod val="65000"/>
@@ -14091,15 +13548,6 @@
                 </a:rPr>
                 <a:t>Section 2</a:t>
               </a:r>
-              <a:endParaRPr lang="en-US" sz="1400" b="1" i="1" dirty="0">
-                <a:solidFill>
-                  <a:schemeClr val="tx1">
-                    <a:lumMod val="65000"/>
-                    <a:lumOff val="35000"/>
-                  </a:schemeClr>
-                </a:solidFill>
-                <a:latin typeface="+mj-lt"/>
-              </a:endParaRPr>
             </a:p>
           </p:txBody>
         </p:sp>
@@ -14157,10 +13605,9 @@
           <a:lstStyle/>
           <a:p>
             <a:r>
-              <a:rPr lang="en-US" dirty="0" smtClean="0"/>
+              <a:rPr lang="en-US" dirty="0"/>
               <a:t>Key Questions We Will Answer</a:t>
             </a:r>
-            <a:endParaRPr lang="en-US" dirty="0"/>
           </a:p>
         </p:txBody>
       </p:sp>
@@ -14182,17 +13629,17 @@
           <a:lstStyle/>
           <a:p>
             <a:r>
-              <a:rPr lang="en-US" dirty="0" smtClean="0">
+              <a:rPr lang="en-US" dirty="0">
                 <a:latin typeface="+mj-lt"/>
               </a:rPr>
               <a:t>How can we </a:t>
             </a:r>
             <a:r>
-              <a:rPr lang="en-US" b="1" dirty="0" smtClean="0"/>
+              <a:rPr lang="en-US" b="1" dirty="0"/>
               <a:t>collect and store </a:t>
             </a:r>
             <a:r>
-              <a:rPr lang="en-US" dirty="0" smtClean="0">
+              <a:rPr lang="en-US" dirty="0">
                 <a:latin typeface="+mj-lt"/>
               </a:rPr>
               <a:t>large amounts of data?</a:t>
@@ -14201,7 +13648,7 @@
           <a:p>
             <a:pPr lvl="1"/>
             <a:r>
-              <a:rPr lang="en-US" dirty="0" smtClean="0">
+              <a:rPr lang="en-US" dirty="0">
                 <a:latin typeface="+mj-lt"/>
               </a:rPr>
               <a:t>By building tools and data structures to efficiently index and serve data</a:t>
@@ -14209,17 +13656,17 @@
           </a:p>
           <a:p>
             <a:r>
-              <a:rPr lang="en-US" dirty="0" smtClean="0">
+              <a:rPr lang="en-US" dirty="0">
                 <a:latin typeface="+mj-lt"/>
               </a:rPr>
               <a:t>How can we </a:t>
             </a:r>
             <a:r>
-              <a:rPr lang="en-US" b="1" dirty="0" smtClean="0"/>
+              <a:rPr lang="en-US" b="1" dirty="0"/>
               <a:t>efficiently query </a:t>
             </a:r>
             <a:r>
-              <a:rPr lang="en-US" dirty="0" smtClean="0">
+              <a:rPr lang="en-US" dirty="0">
                 <a:latin typeface="+mj-lt"/>
               </a:rPr>
               <a:t>data?</a:t>
@@ -14228,7 +13675,7 @@
           <a:p>
             <a:pPr lvl="1"/>
             <a:r>
-              <a:rPr lang="en-US" dirty="0" smtClean="0">
+              <a:rPr lang="en-US" dirty="0">
                 <a:latin typeface="+mj-lt"/>
               </a:rPr>
               <a:t>By compiling high-level declarative queries into efficient low-level plans</a:t>
@@ -14236,17 +13683,17 @@
           </a:p>
           <a:p>
             <a:r>
-              <a:rPr lang="en-US" dirty="0" smtClean="0">
+              <a:rPr lang="en-US" dirty="0">
                 <a:latin typeface="+mj-lt"/>
               </a:rPr>
               <a:t>How can we </a:t>
             </a:r>
             <a:r>
-              <a:rPr lang="en-US" b="1" dirty="0" smtClean="0"/>
+              <a:rPr lang="en-US" b="1" dirty="0"/>
               <a:t>safely update </a:t>
             </a:r>
             <a:r>
-              <a:rPr lang="en-US" dirty="0" smtClean="0">
+              <a:rPr lang="en-US" dirty="0">
                 <a:latin typeface="+mj-lt"/>
               </a:rPr>
               <a:t>data?</a:t>
@@ -14255,7 +13702,7 @@
           <a:p>
             <a:pPr lvl="1"/>
             <a:r>
-              <a:rPr lang="en-US" dirty="0" smtClean="0">
+              <a:rPr lang="en-US" dirty="0">
                 <a:latin typeface="+mj-lt"/>
               </a:rPr>
               <a:t>By managing concurrent access to state as it is read and written</a:t>
@@ -14263,17 +13710,17 @@
           </a:p>
           <a:p>
             <a:r>
-              <a:rPr lang="en-US" dirty="0" smtClean="0">
+              <a:rPr lang="en-US" dirty="0">
                 <a:latin typeface="+mj-lt"/>
               </a:rPr>
               <a:t>How do different database systems manage </a:t>
             </a:r>
             <a:r>
-              <a:rPr lang="en-US" b="1" dirty="0" smtClean="0"/>
+              <a:rPr lang="en-US" b="1" dirty="0"/>
               <a:t>design trade-offs</a:t>
             </a:r>
             <a:r>
-              <a:rPr lang="en-US" dirty="0" smtClean="0">
+              <a:rPr lang="en-US" dirty="0">
                 <a:latin typeface="+mj-lt"/>
               </a:rPr>
               <a:t>?</a:t>
@@ -14282,7 +13729,7 @@
           <a:p>
             <a:pPr lvl="1"/>
             <a:r>
-              <a:rPr lang="en-US" dirty="0" smtClean="0">
+              <a:rPr lang="en-US" dirty="0">
                 <a:latin typeface="+mj-lt"/>
               </a:rPr>
               <a:t>e.g., at scale, in a distributed environment?</a:t>
@@ -14383,13 +13830,6 @@
   <p:clrMapOvr>
     <a:masterClrMapping/>
   </p:clrMapOvr>
-  <p:timing>
-    <p:tnLst>
-      <p:par>
-        <p:cTn xmlns:p14="http://schemas.microsoft.com/office/powerpoint/2010/main" id="1" dur="indefinite" restart="never" nodeType="tmRoot"/>
-      </p:par>
-    </p:tnLst>
-  </p:timing>
 </p:sld>
 </file>
 
@@ -14426,88 +13866,74 @@
           <a:lstStyle/>
           <a:p>
             <a:r>
-              <a:rPr lang="en-US" dirty="0" smtClean="0"/>
+              <a:rPr lang="en-US" dirty="0"/>
               <a:t>What is a DBMS?</a:t>
             </a:r>
+          </a:p>
+        </p:txBody>
+      </p:sp>
+      <p:sp>
+        <p:nvSpPr>
+          <p:cNvPr id="3" name="Content Placeholder 2"/>
+          <p:cNvSpPr>
+            <a:spLocks noGrp="1"/>
+          </p:cNvSpPr>
+          <p:nvPr>
+            <p:ph idx="1"/>
+          </p:nvPr>
+        </p:nvSpPr>
+        <p:spPr/>
+        <p:txBody>
+          <a:bodyPr/>
+          <a:lstStyle/>
+          <a:p>
+            <a:r>
+              <a:rPr lang="en-US" dirty="0"/>
+              <a:t>A large, integrated collection of data</a:t>
+            </a:r>
+          </a:p>
+          <a:p>
             <a:endParaRPr lang="en-US" dirty="0"/>
           </a:p>
-        </p:txBody>
-      </p:sp>
-      <p:sp>
-        <p:nvSpPr>
-          <p:cNvPr id="3" name="Content Placeholder 2"/>
-          <p:cNvSpPr>
-            <a:spLocks noGrp="1"/>
-          </p:cNvSpPr>
-          <p:nvPr>
-            <p:ph idx="1"/>
-          </p:nvPr>
-        </p:nvSpPr>
-        <p:spPr/>
-        <p:txBody>
-          <a:bodyPr/>
-          <a:lstStyle/>
-          <a:p>
-            <a:r>
-              <a:rPr lang="en-US" dirty="0" smtClean="0"/>
-              <a:t>A large, integrated collection of data</a:t>
-            </a:r>
-          </a:p>
-          <a:p>
-            <a:endParaRPr lang="en-US" dirty="0" smtClean="0"/>
-          </a:p>
-          <a:p>
-            <a:r>
-              <a:rPr lang="en-US" dirty="0" smtClean="0"/>
+          <a:p>
+            <a:r>
+              <a:rPr lang="en-US" dirty="0"/>
               <a:t>Models a real-world </a:t>
             </a:r>
             <a:r>
-              <a:rPr lang="en-US" i="1" u="sng" dirty="0" smtClean="0"/>
+              <a:rPr lang="en-US" i="1" u="sng" dirty="0"/>
               <a:t>enterprise</a:t>
             </a:r>
           </a:p>
           <a:p>
             <a:pPr lvl="1"/>
             <a:r>
-              <a:rPr lang="en-US" i="1" dirty="0" smtClean="0"/>
+              <a:rPr lang="en-US" i="1" dirty="0"/>
               <a:t>Entities </a:t>
             </a:r>
             <a:r>
-              <a:rPr lang="en-US" dirty="0" smtClean="0"/>
+              <a:rPr lang="en-US" dirty="0"/>
               <a:t>(e.g., Students, Courses)</a:t>
             </a:r>
           </a:p>
           <a:p>
             <a:pPr lvl="1"/>
             <a:r>
-              <a:rPr lang="en-US" i="1" dirty="0" smtClean="0"/>
+              <a:rPr lang="en-US" i="1" dirty="0"/>
               <a:t>Relationships </a:t>
             </a:r>
             <a:r>
-              <a:rPr lang="en-US" dirty="0" smtClean="0"/>
+              <a:rPr lang="en-US" dirty="0"/>
               <a:t>(e.g.,</a:t>
             </a:r>
             <a:r>
-              <a:rPr lang="en-US" i="1" dirty="0" smtClean="0"/>
+              <a:rPr lang="en-US" i="1" dirty="0"/>
               <a:t> </a:t>
             </a:r>
             <a:r>
-              <a:rPr lang="en-US" dirty="0" smtClean="0"/>
-              <a:t>Ali </a:t>
-            </a:r>
-            <a:r>
-              <a:rPr lang="en-US" dirty="0" smtClean="0"/>
-              <a:t>is </a:t>
-            </a:r>
-            <a:r>
-              <a:rPr lang="en-US" dirty="0" smtClean="0"/>
-              <a:t>enrolled in </a:t>
-            </a:r>
-            <a:r>
-              <a:rPr lang="en-US" dirty="0" smtClean="0"/>
-              <a:t>the Database Systems course)</a:t>
-            </a:r>
-            <a:endParaRPr lang="en-US" dirty="0" smtClean="0"/>
+              <a:rPr lang="en-US" dirty="0"/>
+              <a:t>Ali is enrolled in the Database Systems course)</a:t>
+            </a:r>
           </a:p>
         </p:txBody>
       </p:sp>
@@ -14690,7 +14116,7 @@
             <a:lstStyle/>
             <a:p>
               <a:r>
-                <a:rPr lang="en-US" sz="1400" b="1" i="1" dirty="0" smtClean="0">
+                <a:rPr lang="en-US" sz="1400" b="1" i="1" dirty="0">
                   <a:solidFill>
                     <a:schemeClr val="tx1">
                       <a:lumMod val="65000"/>
@@ -14701,15 +14127,6 @@
                 </a:rPr>
                 <a:t>Section 2  &gt;  DBMS</a:t>
               </a:r>
-              <a:endParaRPr lang="en-US" sz="1400" b="1" i="1" dirty="0">
-                <a:solidFill>
-                  <a:schemeClr val="tx1">
-                    <a:lumMod val="65000"/>
-                    <a:lumOff val="35000"/>
-                  </a:schemeClr>
-                </a:solidFill>
-                <a:latin typeface="+mj-lt"/>
-              </a:endParaRPr>
             </a:p>
           </p:txBody>
         </p:sp>
@@ -15018,88 +14435,67 @@
           <a:p>
             <a:r>
               <a:rPr lang="en-US" dirty="0"/>
-              <a:t>A </a:t>
-            </a:r>
-            <a:r>
-              <a:rPr lang="en-US" dirty="0" smtClean="0"/>
-              <a:t>Motivating, Running Example</a:t>
-            </a:r>
+              <a:t>A Motivating, Running Example</a:t>
+            </a:r>
+          </a:p>
+        </p:txBody>
+      </p:sp>
+      <p:sp>
+        <p:nvSpPr>
+          <p:cNvPr id="10250" name="Rectangle 10"/>
+          <p:cNvSpPr>
+            <a:spLocks noGrp="1" noChangeArrowheads="1"/>
+          </p:cNvSpPr>
+          <p:nvPr>
+            <p:ph type="body" idx="1"/>
+          </p:nvPr>
+        </p:nvSpPr>
+        <p:spPr/>
+        <p:txBody>
+          <a:bodyPr/>
+          <a:lstStyle/>
+          <a:p>
+            <a:r>
+              <a:rPr lang="en-US" dirty="0"/>
+              <a:t>Consider building a course management system (</a:t>
+            </a:r>
+            <a:r>
+              <a:rPr lang="en-US" b="1" dirty="0"/>
+              <a:t>CMS</a:t>
+            </a:r>
+            <a:r>
+              <a:rPr lang="en-US" dirty="0"/>
+              <a:t>):</a:t>
+            </a:r>
+          </a:p>
+          <a:p>
+            <a:pPr lvl="1"/>
             <a:endParaRPr lang="en-US" dirty="0"/>
           </a:p>
-        </p:txBody>
-      </p:sp>
-      <p:sp>
-        <p:nvSpPr>
-          <p:cNvPr id="10250" name="Rectangle 10"/>
-          <p:cNvSpPr>
-            <a:spLocks noGrp="1" noChangeArrowheads="1"/>
-          </p:cNvSpPr>
-          <p:nvPr>
-            <p:ph type="body" idx="1"/>
-          </p:nvPr>
-        </p:nvSpPr>
-        <p:spPr/>
-        <p:txBody>
-          <a:bodyPr/>
-          <a:lstStyle/>
-          <a:p>
-            <a:r>
-              <a:rPr lang="en-US" dirty="0" smtClean="0"/>
-              <a:t>Consider building a course management system (</a:t>
-            </a:r>
-            <a:r>
-              <a:rPr lang="en-US" b="1" dirty="0" smtClean="0"/>
-              <a:t>CMS</a:t>
-            </a:r>
-            <a:r>
-              <a:rPr lang="en-US" dirty="0" smtClean="0"/>
-              <a:t>):</a:t>
-            </a:r>
+          <a:p>
+            <a:pPr lvl="1"/>
+            <a:r>
+              <a:rPr lang="en-US" dirty="0"/>
+              <a:t>Students</a:t>
+            </a:r>
+          </a:p>
+          <a:p>
+            <a:pPr lvl="1"/>
+            <a:r>
+              <a:rPr lang="en-US" dirty="0"/>
+              <a:t>Courses</a:t>
+            </a:r>
+          </a:p>
+          <a:p>
+            <a:pPr lvl="1"/>
+            <a:r>
+              <a:rPr lang="en-US" dirty="0"/>
+              <a:t>Professors</a:t>
+            </a:r>
+          </a:p>
+          <a:p>
+            <a:pPr lvl="1"/>
             <a:endParaRPr lang="en-US" dirty="0"/>
-          </a:p>
-          <a:p>
-            <a:pPr lvl="1"/>
-            <a:endParaRPr lang="en-US" dirty="0" smtClean="0"/>
-          </a:p>
-          <a:p>
-            <a:pPr lvl="1"/>
-            <a:r>
-              <a:rPr lang="en-US" dirty="0"/>
-              <a:t>S</a:t>
-            </a:r>
-            <a:r>
-              <a:rPr lang="en-US" dirty="0" smtClean="0"/>
-              <a:t>tudents</a:t>
-            </a:r>
-            <a:endParaRPr lang="en-US" dirty="0"/>
-          </a:p>
-          <a:p>
-            <a:pPr lvl="1"/>
-            <a:r>
-              <a:rPr lang="en-US" dirty="0"/>
-              <a:t>C</a:t>
-            </a:r>
-            <a:r>
-              <a:rPr lang="en-US" dirty="0" smtClean="0"/>
-              <a:t>ourses</a:t>
-            </a:r>
-            <a:endParaRPr lang="en-US" dirty="0"/>
-          </a:p>
-          <a:p>
-            <a:pPr lvl="1"/>
-            <a:r>
-              <a:rPr lang="en-US" dirty="0"/>
-              <a:t>P</a:t>
-            </a:r>
-            <a:r>
-              <a:rPr lang="en-US" dirty="0" smtClean="0"/>
-              <a:t>rofessors</a:t>
-            </a:r>
-            <a:endParaRPr lang="en-US" dirty="0"/>
-          </a:p>
-          <a:p>
-            <a:pPr lvl="1"/>
-            <a:endParaRPr lang="en-US" dirty="0" smtClean="0"/>
           </a:p>
           <a:p>
             <a:pPr marL="457200" lvl="1" indent="0">
@@ -15111,22 +14507,14 @@
             <a:pPr lvl="1"/>
             <a:r>
               <a:rPr lang="en-US" dirty="0"/>
-              <a:t>W</a:t>
-            </a:r>
-            <a:r>
-              <a:rPr lang="en-US" dirty="0" smtClean="0"/>
-              <a:t>ho takes what</a:t>
+              <a:t>Who takes what</a:t>
             </a:r>
           </a:p>
           <a:p>
             <a:pPr lvl="1"/>
             <a:r>
               <a:rPr lang="en-US" dirty="0"/>
-              <a:t>W</a:t>
-            </a:r>
-            <a:r>
-              <a:rPr lang="en-US" dirty="0" smtClean="0"/>
-              <a:t>ho teaches what</a:t>
+              <a:t>Who teaches what</a:t>
             </a:r>
           </a:p>
           <a:p>
@@ -15384,7 +14772,7 @@
             <a:lstStyle/>
             <a:p>
               <a:r>
-                <a:rPr lang="en-US" sz="1400" b="1" i="1" dirty="0" smtClean="0">
+                <a:rPr lang="en-US" sz="1400" b="1" i="1" dirty="0">
                   <a:solidFill>
                     <a:schemeClr val="tx1">
                       <a:lumMod val="65000"/>
@@ -15395,15 +14783,6 @@
                 </a:rPr>
                 <a:t>Section 2  &gt;  Data models</a:t>
               </a:r>
-              <a:endParaRPr lang="en-US" sz="1400" b="1" i="1" dirty="0">
-                <a:solidFill>
-                  <a:schemeClr val="tx1">
-                    <a:lumMod val="65000"/>
-                    <a:lumOff val="35000"/>
-                  </a:schemeClr>
-                </a:solidFill>
-                <a:latin typeface="+mj-lt"/>
-              </a:endParaRPr>
             </a:p>
           </p:txBody>
         </p:sp>
@@ -15816,10 +15195,9 @@
           <a:lstStyle/>
           <a:p>
             <a:r>
-              <a:rPr lang="en-US" dirty="0" smtClean="0"/>
+              <a:rPr lang="en-US" dirty="0"/>
               <a:t>Data models</a:t>
             </a:r>
-            <a:endParaRPr lang="en-US" dirty="0"/>
           </a:p>
         </p:txBody>
       </p:sp>
@@ -15846,26 +15224,26 @@
           <a:lstStyle/>
           <a:p>
             <a:r>
-              <a:rPr lang="en-US" dirty="0" smtClean="0"/>
+              <a:rPr lang="en-US" dirty="0"/>
               <a:t>A </a:t>
             </a:r>
             <a:r>
-              <a:rPr lang="en-US" b="1" dirty="0" smtClean="0"/>
+              <a:rPr lang="en-US" b="1" dirty="0"/>
               <a:t>data model </a:t>
             </a:r>
             <a:r>
-              <a:rPr lang="en-US" dirty="0" smtClean="0"/>
+              <a:rPr lang="en-US" dirty="0"/>
               <a:t>is a collection of concepts for describing data</a:t>
             </a:r>
           </a:p>
           <a:p>
             <a:pPr lvl="1"/>
-            <a:endParaRPr lang="en-US" dirty="0" smtClean="0"/>
+            <a:endParaRPr lang="en-US" dirty="0"/>
           </a:p>
           <a:p>
             <a:pPr lvl="1"/>
             <a:r>
-              <a:rPr lang="en-US" dirty="0" smtClean="0"/>
+              <a:rPr lang="en-US" dirty="0"/>
               <a:t>The </a:t>
             </a:r>
             <a:r>
@@ -15874,75 +15252,59 @@
             </a:r>
             <a:r>
               <a:rPr lang="en-US" dirty="0"/>
-              <a:t> is the most widely used model </a:t>
-            </a:r>
-            <a:r>
-              <a:rPr lang="en-US" dirty="0" smtClean="0"/>
-              <a:t>today</a:t>
+              <a:t> is the most widely used model today</a:t>
             </a:r>
           </a:p>
           <a:p>
             <a:pPr lvl="2"/>
             <a:r>
-              <a:rPr lang="en-US" dirty="0" smtClean="0"/>
-              <a:t>Main </a:t>
-            </a:r>
-            <a:r>
               <a:rPr lang="en-US" dirty="0"/>
-              <a:t>Concept</a:t>
-            </a:r>
-            <a:r>
-              <a:rPr lang="en-US" dirty="0" smtClean="0"/>
-              <a:t>: the </a:t>
-            </a:r>
-            <a:r>
-              <a:rPr lang="en-US" i="1" dirty="0" smtClean="0"/>
+              <a:t>Main Concept: the </a:t>
+            </a:r>
+            <a:r>
+              <a:rPr lang="en-US" i="1" dirty="0"/>
               <a:t>relation</a:t>
             </a:r>
             <a:r>
-              <a:rPr lang="en-US" dirty="0" smtClean="0"/>
-              <a:t>- </a:t>
-            </a:r>
-            <a:r>
               <a:rPr lang="en-US" dirty="0"/>
-              <a:t>essentially, a table</a:t>
+              <a:t>- essentially, a table</a:t>
             </a:r>
           </a:p>
           <a:p>
             <a:pPr marL="0" indent="0">
               <a:buNone/>
             </a:pPr>
-            <a:endParaRPr lang="en-US" dirty="0" smtClean="0"/>
-          </a:p>
-          <a:p>
-            <a:endParaRPr lang="en-US" dirty="0" smtClean="0"/>
-          </a:p>
-          <a:p>
-            <a:r>
-              <a:rPr lang="en-US" dirty="0" smtClean="0"/>
+            <a:endParaRPr lang="en-US" dirty="0"/>
+          </a:p>
+          <a:p>
+            <a:endParaRPr lang="en-US" dirty="0"/>
+          </a:p>
+          <a:p>
+            <a:r>
+              <a:rPr lang="en-US" dirty="0"/>
               <a:t>A </a:t>
             </a:r>
             <a:r>
-              <a:rPr lang="en-US" b="1" dirty="0" smtClean="0"/>
+              <a:rPr lang="en-US" b="1" dirty="0"/>
               <a:t>schema</a:t>
             </a:r>
             <a:r>
-              <a:rPr lang="en-US" dirty="0" smtClean="0"/>
+              <a:rPr lang="en-US" dirty="0"/>
               <a:t> is a description of a particular collection of data, </a:t>
             </a:r>
             <a:r>
-              <a:rPr lang="en-US" b="1" dirty="0" smtClean="0"/>
+              <a:rPr lang="en-US" b="1" dirty="0"/>
               <a:t>using the given data model</a:t>
             </a:r>
           </a:p>
           <a:p>
             <a:pPr lvl="1"/>
-            <a:endParaRPr lang="en-US" dirty="0" smtClean="0"/>
+            <a:endParaRPr lang="en-US" dirty="0"/>
           </a:p>
           <a:p>
             <a:pPr lvl="1"/>
             <a:r>
-              <a:rPr lang="en-US" dirty="0" smtClean="0"/>
+              <a:rPr lang="en-US" dirty="0"/>
               <a:t>E.g. every </a:t>
             </a:r>
             <a:r>
@@ -15951,15 +15313,7 @@
             </a:r>
             <a:r>
               <a:rPr lang="en-US" dirty="0"/>
-              <a:t> </a:t>
-            </a:r>
-            <a:r>
-              <a:rPr lang="en-US" dirty="0" smtClean="0"/>
-              <a:t>in a relational data model has </a:t>
-            </a:r>
-            <a:r>
-              <a:rPr lang="en-US" dirty="0"/>
-              <a:t>a </a:t>
+              <a:t> in a relational data model has a </a:t>
             </a:r>
             <a:r>
               <a:rPr lang="en-US" i="1" dirty="0"/>
@@ -15967,11 +15321,7 @@
             </a:r>
             <a:r>
               <a:rPr lang="en-US" dirty="0"/>
-              <a:t> describing types, etc</a:t>
-            </a:r>
-            <a:r>
-              <a:rPr lang="en-US" dirty="0" smtClean="0"/>
-              <a:t>.</a:t>
+              <a:t> describing types, etc.</a:t>
             </a:r>
             <a:endParaRPr lang="en-US" i="1" u="sng" dirty="0"/>
           </a:p>
@@ -16092,7 +15442,7 @@
             <a:lstStyle/>
             <a:p>
               <a:r>
-                <a:rPr lang="en-US" sz="1400" b="1" i="1" dirty="0" smtClean="0">
+                <a:rPr lang="en-US" sz="1400" b="1" i="1" dirty="0">
                   <a:solidFill>
                     <a:schemeClr val="tx1">
                       <a:lumMod val="65000"/>
@@ -16103,15 +15453,6 @@
                 </a:rPr>
                 <a:t>Section 2  &gt;  Data models</a:t>
               </a:r>
-              <a:endParaRPr lang="en-US" sz="1400" b="1" i="1" dirty="0">
-                <a:solidFill>
-                  <a:schemeClr val="tx1">
-                    <a:lumMod val="65000"/>
-                    <a:lumOff val="35000"/>
-                  </a:schemeClr>
-                </a:solidFill>
-                <a:latin typeface="+mj-lt"/>
-              </a:endParaRPr>
             </a:p>
           </p:txBody>
         </p:sp>
@@ -16392,15 +15733,7 @@
           <a:p>
             <a:r>
               <a:rPr lang="en-US" dirty="0"/>
-              <a:t>“Relational databases form </a:t>
-            </a:r>
-            <a:r>
-              <a:rPr lang="en-US" dirty="0" smtClean="0"/>
-              <a:t>the bedrock </a:t>
-            </a:r>
-            <a:r>
-              <a:rPr lang="en-US" dirty="0"/>
-              <a:t>of western civilization”</a:t>
+              <a:t>“Relational databases form the bedrock of western civilization”</a:t>
             </a:r>
           </a:p>
         </p:txBody>
@@ -16427,12 +15760,8 @@
           <a:p>
             <a:pPr algn="r"/>
             <a:r>
-              <a:rPr lang="en-US" dirty="0" smtClean="0"/>
-              <a:t>- Bruce </a:t>
-            </a:r>
-            <a:r>
               <a:rPr lang="en-US" dirty="0"/>
-              <a:t>Lindsay, IBM Research</a:t>
+              <a:t>- Bruce Lindsay, IBM Research</a:t>
             </a:r>
           </a:p>
           <a:p>
@@ -16579,7 +15908,7 @@
             <a:lstStyle/>
             <a:p>
               <a:r>
-                <a:rPr lang="en-US" sz="1400" b="1" i="1" dirty="0" smtClean="0">
+                <a:rPr lang="en-US" sz="1400" b="1" i="1" dirty="0">
                   <a:solidFill>
                     <a:schemeClr val="tx1">
                       <a:lumMod val="65000"/>
@@ -16590,15 +15919,6 @@
                 </a:rPr>
                 <a:t>Section 2  &gt;  Data models</a:t>
               </a:r>
-              <a:endParaRPr lang="en-US" sz="1400" b="1" i="1" dirty="0">
-                <a:solidFill>
-                  <a:schemeClr val="tx1">
-                    <a:lumMod val="65000"/>
-                    <a:lumOff val="35000"/>
-                  </a:schemeClr>
-                </a:solidFill>
-                <a:latin typeface="+mj-lt"/>
-              </a:endParaRPr>
             </a:p>
           </p:txBody>
         </p:sp>
@@ -16704,18 +16024,9 @@
           <a:lstStyle/>
           <a:p>
             <a:r>
-              <a:rPr lang="en-US" dirty="0" smtClean="0"/>
-              <a:t>Modeling the </a:t>
-            </a:r>
-            <a:r>
               <a:rPr lang="en-US" dirty="0"/>
-              <a:t>C</a:t>
-            </a:r>
-            <a:r>
-              <a:rPr lang="en-US" dirty="0" smtClean="0"/>
-              <a:t>MS</a:t>
-            </a:r>
-            <a:endParaRPr lang="en-US" dirty="0"/>
+              <a:t>Modeling the CMS</a:t>
+            </a:r>
           </a:p>
         </p:txBody>
       </p:sp>
@@ -16740,153 +16051,153 @@
           <a:lstStyle/>
           <a:p>
             <a:r>
-              <a:rPr lang="en-US" i="1" dirty="0" smtClean="0"/>
+              <a:rPr lang="en-US" i="1" dirty="0"/>
               <a:t>Logical Schema</a:t>
             </a:r>
           </a:p>
           <a:p>
             <a:pPr lvl="1"/>
             <a:r>
-              <a:rPr lang="en-US" dirty="0" smtClean="0">
+              <a:rPr lang="en-US" dirty="0">
                 <a:latin typeface="Arial" pitchFamily="34" charset="0"/>
                 <a:cs typeface="Arial" pitchFamily="34" charset="0"/>
               </a:rPr>
               <a:t>Students</a:t>
             </a:r>
             <a:r>
-              <a:rPr lang="en-US" dirty="0" smtClean="0"/>
+              <a:rPr lang="en-US" dirty="0"/>
               <a:t>(</a:t>
             </a:r>
             <a:r>
-              <a:rPr lang="en-US" dirty="0" err="1" smtClean="0"/>
+              <a:rPr lang="en-US" dirty="0" err="1"/>
               <a:t>sid</a:t>
             </a:r>
             <a:r>
-              <a:rPr lang="en-US" dirty="0" smtClean="0"/>
+              <a:rPr lang="en-US" dirty="0"/>
               <a:t>: </a:t>
             </a:r>
             <a:r>
-              <a:rPr lang="en-US" i="1" dirty="0" smtClean="0"/>
+              <a:rPr lang="en-US" i="1" dirty="0"/>
               <a:t>string</a:t>
             </a:r>
             <a:r>
-              <a:rPr lang="en-US" dirty="0" smtClean="0"/>
+              <a:rPr lang="en-US" dirty="0"/>
               <a:t>, name: </a:t>
             </a:r>
             <a:r>
-              <a:rPr lang="en-US" i="1" dirty="0" smtClean="0"/>
+              <a:rPr lang="en-US" i="1" dirty="0"/>
               <a:t>string</a:t>
             </a:r>
             <a:r>
-              <a:rPr lang="en-US" dirty="0" smtClean="0"/>
+              <a:rPr lang="en-US" dirty="0"/>
               <a:t>, </a:t>
             </a:r>
             <a:r>
-              <a:rPr lang="en-US" dirty="0" err="1" smtClean="0"/>
+              <a:rPr lang="en-US" dirty="0" err="1"/>
               <a:t>gpa</a:t>
             </a:r>
             <a:r>
-              <a:rPr lang="en-US" dirty="0" smtClean="0"/>
+              <a:rPr lang="en-US" dirty="0"/>
               <a:t>: </a:t>
             </a:r>
             <a:r>
-              <a:rPr lang="en-US" i="1" dirty="0" smtClean="0"/>
+              <a:rPr lang="en-US" i="1" dirty="0"/>
               <a:t>float</a:t>
             </a:r>
             <a:r>
-              <a:rPr lang="en-US" dirty="0" smtClean="0"/>
+              <a:rPr lang="en-US" dirty="0"/>
               <a:t>)</a:t>
             </a:r>
           </a:p>
           <a:p>
             <a:pPr lvl="1"/>
             <a:r>
-              <a:rPr lang="en-US" dirty="0" smtClean="0">
+              <a:rPr lang="en-US" dirty="0">
                 <a:latin typeface="Arial" pitchFamily="34" charset="0"/>
                 <a:cs typeface="Arial" pitchFamily="34" charset="0"/>
               </a:rPr>
               <a:t>Courses</a:t>
             </a:r>
             <a:r>
-              <a:rPr lang="en-US" dirty="0" smtClean="0"/>
+              <a:rPr lang="en-US" dirty="0"/>
               <a:t>(cid: </a:t>
             </a:r>
             <a:r>
-              <a:rPr lang="en-US" i="1" dirty="0" smtClean="0"/>
+              <a:rPr lang="en-US" i="1" dirty="0"/>
               <a:t>string</a:t>
             </a:r>
             <a:r>
-              <a:rPr lang="en-US" dirty="0" smtClean="0"/>
+              <a:rPr lang="en-US" dirty="0"/>
               <a:t>, </a:t>
             </a:r>
             <a:r>
-              <a:rPr lang="en-US" dirty="0" err="1" smtClean="0"/>
+              <a:rPr lang="en-US" dirty="0" err="1"/>
               <a:t>cname</a:t>
             </a:r>
             <a:r>
-              <a:rPr lang="en-US" dirty="0" smtClean="0"/>
+              <a:rPr lang="en-US" dirty="0"/>
               <a:t>: </a:t>
             </a:r>
             <a:r>
-              <a:rPr lang="en-US" i="1" dirty="0" smtClean="0"/>
+              <a:rPr lang="en-US" i="1" dirty="0"/>
               <a:t>string</a:t>
             </a:r>
             <a:r>
-              <a:rPr lang="en-US" dirty="0" smtClean="0"/>
+              <a:rPr lang="en-US" dirty="0"/>
               <a:t>, credits: </a:t>
             </a:r>
             <a:r>
-              <a:rPr lang="en-US" i="1" dirty="0" err="1" smtClean="0"/>
+              <a:rPr lang="en-US" i="1" dirty="0" err="1"/>
               <a:t>int</a:t>
             </a:r>
             <a:r>
-              <a:rPr lang="en-US" dirty="0" smtClean="0"/>
+              <a:rPr lang="en-US" dirty="0"/>
               <a:t>)</a:t>
             </a:r>
           </a:p>
           <a:p>
             <a:pPr lvl="1"/>
             <a:r>
-              <a:rPr lang="en-US" dirty="0" smtClean="0">
+              <a:rPr lang="en-US" dirty="0">
                 <a:latin typeface="Arial" pitchFamily="34" charset="0"/>
                 <a:cs typeface="Arial" pitchFamily="34" charset="0"/>
               </a:rPr>
               <a:t>Enrolled</a:t>
             </a:r>
             <a:r>
-              <a:rPr lang="en-US" dirty="0" smtClean="0"/>
+              <a:rPr lang="en-US" dirty="0"/>
               <a:t>(</a:t>
             </a:r>
             <a:r>
-              <a:rPr lang="en-US" dirty="0" err="1" smtClean="0"/>
+              <a:rPr lang="en-US" dirty="0" err="1"/>
               <a:t>sid</a:t>
             </a:r>
             <a:r>
-              <a:rPr lang="en-US" dirty="0" smtClean="0"/>
+              <a:rPr lang="en-US" dirty="0"/>
               <a:t>: </a:t>
             </a:r>
             <a:r>
-              <a:rPr lang="en-US" i="1" dirty="0" smtClean="0"/>
+              <a:rPr lang="en-US" i="1" dirty="0"/>
               <a:t>string, </a:t>
             </a:r>
             <a:r>
-              <a:rPr lang="en-US" dirty="0" smtClean="0"/>
+              <a:rPr lang="en-US" dirty="0"/>
               <a:t>cid</a:t>
             </a:r>
             <a:r>
-              <a:rPr lang="en-US" i="1" dirty="0" smtClean="0"/>
+              <a:rPr lang="en-US" i="1" dirty="0"/>
               <a:t>: string, </a:t>
             </a:r>
             <a:r>
-              <a:rPr lang="en-US" dirty="0" smtClean="0"/>
+              <a:rPr lang="en-US" dirty="0"/>
               <a:t>grade</a:t>
             </a:r>
             <a:r>
-              <a:rPr lang="en-US" i="1" dirty="0" smtClean="0"/>
+              <a:rPr lang="en-US" i="1" dirty="0"/>
               <a:t>: string</a:t>
             </a:r>
             <a:r>
-              <a:rPr lang="en-US" dirty="0" smtClean="0"/>
+              <a:rPr lang="en-US" dirty="0"/>
               <a:t>)</a:t>
             </a:r>
           </a:p>
@@ -16921,9 +16232,27 @@
                 <a:tableStyleId>{5940675A-B579-460E-94D1-54222C63F5DA}</a:tableStyleId>
               </a:tblPr>
               <a:tblGrid>
-                <a:gridCol w="762000"/>
-                <a:gridCol w="990600"/>
-                <a:gridCol w="762000"/>
+                <a:gridCol w="762000">
+                  <a:extLst>
+                    <a:ext uri="{9D8B030D-6E8A-4147-A177-3AD203B41FA5}">
+                      <a16:colId xmlns:a16="http://schemas.microsoft.com/office/drawing/2014/main" xmlns="" val="20000"/>
+                    </a:ext>
+                  </a:extLst>
+                </a:gridCol>
+                <a:gridCol w="990600">
+                  <a:extLst>
+                    <a:ext uri="{9D8B030D-6E8A-4147-A177-3AD203B41FA5}">
+                      <a16:colId xmlns:a16="http://schemas.microsoft.com/office/drawing/2014/main" xmlns="" val="20001"/>
+                    </a:ext>
+                  </a:extLst>
+                </a:gridCol>
+                <a:gridCol w="762000">
+                  <a:extLst>
+                    <a:ext uri="{9D8B030D-6E8A-4147-A177-3AD203B41FA5}">
+                      <a16:colId xmlns:a16="http://schemas.microsoft.com/office/drawing/2014/main" xmlns="" val="20002"/>
+                    </a:ext>
+                  </a:extLst>
+                </a:gridCol>
               </a:tblGrid>
               <a:tr h="370840">
                 <a:tc>
@@ -16933,7 +16262,7 @@
                     <a:p>
                       <a:pPr algn="ctr"/>
                       <a:r>
-                        <a:rPr lang="en-US" sz="2400" b="1" dirty="0" err="1" smtClean="0"/>
+                        <a:rPr lang="en-US" sz="2400" b="1" dirty="0" err="1"/>
                         <a:t>sid</a:t>
                       </a:r>
                       <a:endParaRPr lang="en-US" sz="2400" b="1" dirty="0"/>
@@ -16955,10 +16284,9 @@
                     <a:p>
                       <a:pPr algn="ctr"/>
                       <a:r>
-                        <a:rPr lang="en-US" sz="2400" b="1" dirty="0" smtClean="0"/>
+                        <a:rPr lang="en-US" sz="2400" b="1" dirty="0"/>
                         <a:t>Name</a:t>
                       </a:r>
-                      <a:endParaRPr lang="en-US" sz="2400" b="1" dirty="0"/>
                     </a:p>
                   </a:txBody>
                   <a:tcPr>
@@ -16977,7 +16305,7 @@
                     <a:p>
                       <a:pPr algn="ctr"/>
                       <a:r>
-                        <a:rPr lang="en-US" sz="2400" b="1" dirty="0" err="1" smtClean="0"/>
+                        <a:rPr lang="en-US" sz="2400" b="1" dirty="0" err="1"/>
                         <a:t>Gpa</a:t>
                       </a:r>
                       <a:endParaRPr lang="en-US" sz="2400" b="1" dirty="0"/>
@@ -16992,6 +16320,11 @@
                     </a:solidFill>
                   </a:tcPr>
                 </a:tc>
+                <a:extLst>
+                  <a:ext uri="{0D108BD9-81ED-4DB2-BD59-A6C34878D82A}">
+                    <a16:rowId xmlns:a16="http://schemas.microsoft.com/office/drawing/2014/main" xmlns="" val="10000"/>
+                  </a:ext>
+                </a:extLst>
               </a:tr>
               <a:tr h="370840">
                 <a:tc>
@@ -17000,10 +16333,9 @@
                     <a:lstStyle/>
                     <a:p>
                       <a:r>
-                        <a:rPr lang="en-US" sz="2400" dirty="0" smtClean="0"/>
+                        <a:rPr lang="en-US" sz="2400" dirty="0"/>
                         <a:t>101</a:t>
                       </a:r>
-                      <a:endParaRPr lang="en-US" sz="2400" dirty="0"/>
                     </a:p>
                   </a:txBody>
                   <a:tcPr>
@@ -17018,10 +16350,9 @@
                     <a:lstStyle/>
                     <a:p>
                       <a:r>
-                        <a:rPr lang="en-US" sz="2400" dirty="0" smtClean="0"/>
+                        <a:rPr lang="en-US" sz="2400" dirty="0"/>
                         <a:t>Bob</a:t>
                       </a:r>
-                      <a:endParaRPr lang="en-US" sz="2400" dirty="0"/>
                     </a:p>
                   </a:txBody>
                   <a:tcPr>
@@ -17037,10 +16368,9 @@
                     <a:p>
                       <a:pPr algn="ctr"/>
                       <a:r>
-                        <a:rPr lang="en-US" sz="2400" dirty="0" smtClean="0"/>
+                        <a:rPr lang="en-US" sz="2400" dirty="0"/>
                         <a:t>3.2</a:t>
                       </a:r>
-                      <a:endParaRPr lang="en-US" sz="2400" dirty="0"/>
                     </a:p>
                   </a:txBody>
                   <a:tcPr>
@@ -17049,6 +16379,11 @@
                     </a:solidFill>
                   </a:tcPr>
                 </a:tc>
+                <a:extLst>
+                  <a:ext uri="{0D108BD9-81ED-4DB2-BD59-A6C34878D82A}">
+                    <a16:rowId xmlns:a16="http://schemas.microsoft.com/office/drawing/2014/main" xmlns="" val="10001"/>
+                  </a:ext>
+                </a:extLst>
               </a:tr>
               <a:tr h="370840">
                 <a:tc>
@@ -17057,10 +16392,9 @@
                     <a:lstStyle/>
                     <a:p>
                       <a:r>
-                        <a:rPr lang="en-US" sz="2400" dirty="0" smtClean="0"/>
+                        <a:rPr lang="en-US" sz="2400" dirty="0"/>
                         <a:t>123</a:t>
                       </a:r>
-                      <a:endParaRPr lang="en-US" sz="2400" dirty="0"/>
                     </a:p>
                   </a:txBody>
                   <a:tcPr>
@@ -17075,10 +16409,9 @@
                     <a:lstStyle/>
                     <a:p>
                       <a:r>
-                        <a:rPr lang="en-US" sz="2400" dirty="0" smtClean="0"/>
+                        <a:rPr lang="en-US" sz="2400" dirty="0"/>
                         <a:t>Mary</a:t>
                       </a:r>
-                      <a:endParaRPr lang="en-US" sz="2400" dirty="0"/>
                     </a:p>
                   </a:txBody>
                   <a:tcPr>
@@ -17094,10 +16427,9 @@
                     <a:p>
                       <a:pPr algn="ctr"/>
                       <a:r>
-                        <a:rPr lang="en-US" sz="2400" dirty="0" smtClean="0"/>
+                        <a:rPr lang="en-US" sz="2400" dirty="0"/>
                         <a:t>3.8</a:t>
                       </a:r>
-                      <a:endParaRPr lang="en-US" sz="2400" dirty="0"/>
                     </a:p>
                   </a:txBody>
                   <a:tcPr>
@@ -17106,6 +16438,11 @@
                     </a:solidFill>
                   </a:tcPr>
                 </a:tc>
+                <a:extLst>
+                  <a:ext uri="{0D108BD9-81ED-4DB2-BD59-A6C34878D82A}">
+                    <a16:rowId xmlns:a16="http://schemas.microsoft.com/office/drawing/2014/main" xmlns="" val="10002"/>
+                  </a:ext>
+                </a:extLst>
               </a:tr>
             </a:tbl>
           </a:graphicData>
@@ -17170,9 +16507,27 @@
                 <a:tableStyleId>{5940675A-B579-460E-94D1-54222C63F5DA}</a:tableStyleId>
               </a:tblPr>
               <a:tblGrid>
-                <a:gridCol w="762000"/>
-                <a:gridCol w="1066800"/>
-                <a:gridCol w="1066800"/>
+                <a:gridCol w="762000">
+                  <a:extLst>
+                    <a:ext uri="{9D8B030D-6E8A-4147-A177-3AD203B41FA5}">
+                      <a16:colId xmlns:a16="http://schemas.microsoft.com/office/drawing/2014/main" xmlns="" val="20000"/>
+                    </a:ext>
+                  </a:extLst>
+                </a:gridCol>
+                <a:gridCol w="1066800">
+                  <a:extLst>
+                    <a:ext uri="{9D8B030D-6E8A-4147-A177-3AD203B41FA5}">
+                      <a16:colId xmlns:a16="http://schemas.microsoft.com/office/drawing/2014/main" xmlns="" val="20001"/>
+                    </a:ext>
+                  </a:extLst>
+                </a:gridCol>
+                <a:gridCol w="1066800">
+                  <a:extLst>
+                    <a:ext uri="{9D8B030D-6E8A-4147-A177-3AD203B41FA5}">
+                      <a16:colId xmlns:a16="http://schemas.microsoft.com/office/drawing/2014/main" xmlns="" val="20002"/>
+                    </a:ext>
+                  </a:extLst>
+                </a:gridCol>
               </a:tblGrid>
               <a:tr h="370840">
                 <a:tc>
@@ -17182,10 +16537,9 @@
                     <a:p>
                       <a:pPr algn="ctr"/>
                       <a:r>
-                        <a:rPr lang="en-US" sz="2400" b="1" dirty="0" smtClean="0"/>
+                        <a:rPr lang="en-US" sz="2400" b="1" dirty="0"/>
                         <a:t>cid</a:t>
                       </a:r>
-                      <a:endParaRPr lang="en-US" sz="2400" b="1" dirty="0"/>
                     </a:p>
                   </a:txBody>
                   <a:tcPr>
@@ -17204,7 +16558,7 @@
                     <a:p>
                       <a:pPr algn="ctr"/>
                       <a:r>
-                        <a:rPr lang="en-US" sz="2400" b="1" dirty="0" err="1" smtClean="0"/>
+                        <a:rPr lang="en-US" sz="2400" b="1" dirty="0" err="1"/>
                         <a:t>cname</a:t>
                       </a:r>
                       <a:endParaRPr lang="en-US" sz="2400" b="1" dirty="0"/>
@@ -17226,10 +16580,9 @@
                     <a:p>
                       <a:pPr algn="ctr"/>
                       <a:r>
-                        <a:rPr lang="en-US" sz="2400" b="1" dirty="0" smtClean="0"/>
+                        <a:rPr lang="en-US" sz="2400" b="1" dirty="0"/>
                         <a:t>credits</a:t>
                       </a:r>
-                      <a:endParaRPr lang="en-US" sz="2400" b="1" dirty="0"/>
                     </a:p>
                   </a:txBody>
                   <a:tcPr>
@@ -17241,6 +16594,11 @@
                     </a:solidFill>
                   </a:tcPr>
                 </a:tc>
+                <a:extLst>
+                  <a:ext uri="{0D108BD9-81ED-4DB2-BD59-A6C34878D82A}">
+                    <a16:rowId xmlns:a16="http://schemas.microsoft.com/office/drawing/2014/main" xmlns="" val="10000"/>
+                  </a:ext>
+                </a:extLst>
               </a:tr>
               <a:tr h="370840">
                 <a:tc>
@@ -17249,10 +16607,9 @@
                     <a:lstStyle/>
                     <a:p>
                       <a:r>
-                        <a:rPr lang="en-US" sz="2400" dirty="0" smtClean="0"/>
+                        <a:rPr lang="en-US" sz="2400" dirty="0"/>
                         <a:t>564</a:t>
                       </a:r>
-                      <a:endParaRPr lang="en-US" sz="2400" dirty="0"/>
                     </a:p>
                   </a:txBody>
                   <a:tcPr>
@@ -17267,10 +16624,9 @@
                     <a:lstStyle/>
                     <a:p>
                       <a:r>
-                        <a:rPr lang="en-US" sz="2400" dirty="0" smtClean="0"/>
+                        <a:rPr lang="en-US" sz="2400" dirty="0"/>
                         <a:t>564-2</a:t>
                       </a:r>
-                      <a:endParaRPr lang="en-US" sz="2400" dirty="0"/>
                     </a:p>
                   </a:txBody>
                   <a:tcPr>
@@ -17286,10 +16642,9 @@
                     <a:p>
                       <a:pPr algn="ctr"/>
                       <a:r>
-                        <a:rPr lang="en-US" sz="2400" dirty="0" smtClean="0"/>
+                        <a:rPr lang="en-US" sz="2400" dirty="0"/>
                         <a:t>4</a:t>
                       </a:r>
-                      <a:endParaRPr lang="en-US" sz="2400" dirty="0"/>
                     </a:p>
                   </a:txBody>
                   <a:tcPr>
@@ -17298,6 +16653,11 @@
                     </a:solidFill>
                   </a:tcPr>
                 </a:tc>
+                <a:extLst>
+                  <a:ext uri="{0D108BD9-81ED-4DB2-BD59-A6C34878D82A}">
+                    <a16:rowId xmlns:a16="http://schemas.microsoft.com/office/drawing/2014/main" xmlns="" val="10001"/>
+                  </a:ext>
+                </a:extLst>
               </a:tr>
               <a:tr h="370840">
                 <a:tc>
@@ -17306,10 +16666,9 @@
                     <a:lstStyle/>
                     <a:p>
                       <a:r>
-                        <a:rPr lang="en-US" sz="2400" dirty="0" smtClean="0"/>
+                        <a:rPr lang="en-US" sz="2400" dirty="0"/>
                         <a:t>308</a:t>
                       </a:r>
-                      <a:endParaRPr lang="en-US" sz="2400" dirty="0"/>
                     </a:p>
                   </a:txBody>
                   <a:tcPr>
@@ -17324,10 +16683,9 @@
                     <a:lstStyle/>
                     <a:p>
                       <a:r>
-                        <a:rPr lang="en-US" sz="2400" dirty="0" smtClean="0"/>
+                        <a:rPr lang="en-US" sz="2400" dirty="0"/>
                         <a:t>417</a:t>
                       </a:r>
-                      <a:endParaRPr lang="en-US" sz="2400" dirty="0"/>
                     </a:p>
                   </a:txBody>
                   <a:tcPr>
@@ -17343,10 +16701,9 @@
                     <a:p>
                       <a:pPr algn="ctr"/>
                       <a:r>
-                        <a:rPr lang="en-US" sz="2400" dirty="0" smtClean="0"/>
+                        <a:rPr lang="en-US" sz="2400" dirty="0"/>
                         <a:t>2</a:t>
                       </a:r>
-                      <a:endParaRPr lang="en-US" sz="2400" dirty="0"/>
                     </a:p>
                   </a:txBody>
                   <a:tcPr>
@@ -17355,6 +16712,11 @@
                     </a:solidFill>
                   </a:tcPr>
                 </a:tc>
+                <a:extLst>
+                  <a:ext uri="{0D108BD9-81ED-4DB2-BD59-A6C34878D82A}">
+                    <a16:rowId xmlns:a16="http://schemas.microsoft.com/office/drawing/2014/main" xmlns="" val="10002"/>
+                  </a:ext>
+                </a:extLst>
               </a:tr>
             </a:tbl>
           </a:graphicData>
@@ -17419,9 +16781,27 @@
                 <a:tableStyleId>{5940675A-B579-460E-94D1-54222C63F5DA}</a:tableStyleId>
               </a:tblPr>
               <a:tblGrid>
-                <a:gridCol w="762000"/>
-                <a:gridCol w="1066800"/>
-                <a:gridCol w="1066800"/>
+                <a:gridCol w="762000">
+                  <a:extLst>
+                    <a:ext uri="{9D8B030D-6E8A-4147-A177-3AD203B41FA5}">
+                      <a16:colId xmlns:a16="http://schemas.microsoft.com/office/drawing/2014/main" xmlns="" val="20000"/>
+                    </a:ext>
+                  </a:extLst>
+                </a:gridCol>
+                <a:gridCol w="1066800">
+                  <a:extLst>
+                    <a:ext uri="{9D8B030D-6E8A-4147-A177-3AD203B41FA5}">
+                      <a16:colId xmlns:a16="http://schemas.microsoft.com/office/drawing/2014/main" xmlns="" val="20001"/>
+                    </a:ext>
+                  </a:extLst>
+                </a:gridCol>
+                <a:gridCol w="1066800">
+                  <a:extLst>
+                    <a:ext uri="{9D8B030D-6E8A-4147-A177-3AD203B41FA5}">
+                      <a16:colId xmlns:a16="http://schemas.microsoft.com/office/drawing/2014/main" xmlns="" val="20002"/>
+                    </a:ext>
+                  </a:extLst>
+                </a:gridCol>
               </a:tblGrid>
               <a:tr h="370840">
                 <a:tc>
@@ -17431,7 +16811,7 @@
                     <a:p>
                       <a:pPr algn="ctr"/>
                       <a:r>
-                        <a:rPr lang="en-US" sz="2400" b="1" dirty="0" err="1" smtClean="0"/>
+                        <a:rPr lang="en-US" sz="2400" b="1" dirty="0" err="1"/>
                         <a:t>sid</a:t>
                       </a:r>
                       <a:endParaRPr lang="en-US" sz="2400" b="1" dirty="0"/>
@@ -17453,10 +16833,9 @@
                     <a:p>
                       <a:pPr algn="ctr"/>
                       <a:r>
-                        <a:rPr lang="en-US" sz="2400" b="1" dirty="0" smtClean="0"/>
+                        <a:rPr lang="en-US" sz="2400" b="1" dirty="0"/>
                         <a:t>cid</a:t>
                       </a:r>
-                      <a:endParaRPr lang="en-US" sz="2400" b="1" dirty="0"/>
                     </a:p>
                   </a:txBody>
                   <a:tcPr>
@@ -17475,10 +16854,9 @@
                     <a:p>
                       <a:pPr algn="ctr"/>
                       <a:r>
-                        <a:rPr lang="en-US" sz="2400" b="1" dirty="0" smtClean="0"/>
+                        <a:rPr lang="en-US" sz="2400" b="1" dirty="0"/>
                         <a:t>Grade</a:t>
                       </a:r>
-                      <a:endParaRPr lang="en-US" sz="2400" b="1" dirty="0"/>
                     </a:p>
                   </a:txBody>
                   <a:tcPr>
@@ -17490,6 +16868,11 @@
                     </a:solidFill>
                   </a:tcPr>
                 </a:tc>
+                <a:extLst>
+                  <a:ext uri="{0D108BD9-81ED-4DB2-BD59-A6C34878D82A}">
+                    <a16:rowId xmlns:a16="http://schemas.microsoft.com/office/drawing/2014/main" xmlns="" val="10000"/>
+                  </a:ext>
+                </a:extLst>
               </a:tr>
               <a:tr h="370840">
                 <a:tc>
@@ -17498,10 +16881,9 @@
                     <a:lstStyle/>
                     <a:p>
                       <a:r>
-                        <a:rPr lang="en-US" sz="2400" dirty="0" smtClean="0"/>
+                        <a:rPr lang="en-US" sz="2400" dirty="0"/>
                         <a:t>123</a:t>
                       </a:r>
-                      <a:endParaRPr lang="en-US" sz="2400" dirty="0"/>
                     </a:p>
                   </a:txBody>
                   <a:tcPr>
@@ -17516,10 +16898,9 @@
                     <a:lstStyle/>
                     <a:p>
                       <a:r>
-                        <a:rPr lang="en-US" sz="2400" dirty="0" smtClean="0"/>
+                        <a:rPr lang="en-US" sz="2400" dirty="0"/>
                         <a:t>564</a:t>
                       </a:r>
-                      <a:endParaRPr lang="en-US" sz="2400" dirty="0"/>
                     </a:p>
                   </a:txBody>
                   <a:tcPr>
@@ -17535,10 +16916,9 @@
                     <a:p>
                       <a:pPr algn="ctr"/>
                       <a:r>
-                        <a:rPr lang="en-US" sz="2400" dirty="0" smtClean="0"/>
+                        <a:rPr lang="en-US" sz="2400" dirty="0"/>
                         <a:t>A</a:t>
                       </a:r>
-                      <a:endParaRPr lang="en-US" sz="2400" dirty="0"/>
                     </a:p>
                   </a:txBody>
                   <a:tcPr>
@@ -17547,6 +16927,11 @@
                     </a:solidFill>
                   </a:tcPr>
                 </a:tc>
+                <a:extLst>
+                  <a:ext uri="{0D108BD9-81ED-4DB2-BD59-A6C34878D82A}">
+                    <a16:rowId xmlns:a16="http://schemas.microsoft.com/office/drawing/2014/main" xmlns="" val="10001"/>
+                  </a:ext>
+                </a:extLst>
               </a:tr>
             </a:tbl>
           </a:graphicData>
@@ -17733,7 +17118,7 @@
             <a:lstStyle/>
             <a:p>
               <a:r>
-                <a:rPr lang="en-US" sz="1400" b="1" i="1" dirty="0" smtClean="0">
+                <a:rPr lang="en-US" sz="1400" b="1" i="1" dirty="0">
                   <a:solidFill>
                     <a:schemeClr val="tx1">
                       <a:lumMod val="65000"/>
@@ -17744,15 +17129,6 @@
                 </a:rPr>
                 <a:t>Section 2  &gt;  Data models</a:t>
               </a:r>
-              <a:endParaRPr lang="en-US" sz="1400" b="1" i="1" dirty="0">
-                <a:solidFill>
-                  <a:schemeClr val="tx1">
-                    <a:lumMod val="65000"/>
-                    <a:lumOff val="35000"/>
-                  </a:schemeClr>
-                </a:solidFill>
-                <a:latin typeface="+mj-lt"/>
-              </a:endParaRPr>
             </a:p>
           </p:txBody>
         </p:sp>
@@ -18255,18 +17631,9 @@
           <a:lstStyle/>
           <a:p>
             <a:r>
-              <a:rPr lang="en-US" dirty="0" smtClean="0"/>
-              <a:t>Modeling the </a:t>
-            </a:r>
-            <a:r>
               <a:rPr lang="en-US" dirty="0"/>
-              <a:t>C</a:t>
-            </a:r>
-            <a:r>
-              <a:rPr lang="en-US" dirty="0" smtClean="0"/>
-              <a:t>MS</a:t>
-            </a:r>
-            <a:endParaRPr lang="en-US" dirty="0"/>
+              <a:t>Modeling the CMS</a:t>
+            </a:r>
           </a:p>
         </p:txBody>
       </p:sp>
@@ -18291,153 +17658,153 @@
           <a:lstStyle/>
           <a:p>
             <a:r>
-              <a:rPr lang="en-US" i="1" dirty="0" smtClean="0"/>
+              <a:rPr lang="en-US" i="1" dirty="0"/>
               <a:t>Logical Schema</a:t>
             </a:r>
           </a:p>
           <a:p>
             <a:pPr lvl="1"/>
             <a:r>
-              <a:rPr lang="en-US" dirty="0" smtClean="0">
+              <a:rPr lang="en-US" dirty="0">
                 <a:latin typeface="Arial" pitchFamily="34" charset="0"/>
                 <a:cs typeface="Arial" pitchFamily="34" charset="0"/>
               </a:rPr>
               <a:t>Students</a:t>
             </a:r>
             <a:r>
-              <a:rPr lang="en-US" dirty="0" smtClean="0"/>
+              <a:rPr lang="en-US" dirty="0"/>
               <a:t>(</a:t>
             </a:r>
             <a:r>
-              <a:rPr lang="en-US" dirty="0" err="1" smtClean="0"/>
+              <a:rPr lang="en-US" dirty="0" err="1"/>
               <a:t>sid</a:t>
             </a:r>
             <a:r>
-              <a:rPr lang="en-US" dirty="0" smtClean="0"/>
+              <a:rPr lang="en-US" dirty="0"/>
               <a:t>: </a:t>
             </a:r>
             <a:r>
-              <a:rPr lang="en-US" i="1" dirty="0" smtClean="0"/>
+              <a:rPr lang="en-US" i="1" dirty="0"/>
               <a:t>string</a:t>
             </a:r>
             <a:r>
-              <a:rPr lang="en-US" dirty="0" smtClean="0"/>
+              <a:rPr lang="en-US" dirty="0"/>
               <a:t>, name: </a:t>
             </a:r>
             <a:r>
-              <a:rPr lang="en-US" i="1" dirty="0" smtClean="0"/>
+              <a:rPr lang="en-US" i="1" dirty="0"/>
               <a:t>string</a:t>
             </a:r>
             <a:r>
-              <a:rPr lang="en-US" dirty="0" smtClean="0"/>
+              <a:rPr lang="en-US" dirty="0"/>
               <a:t>, </a:t>
             </a:r>
             <a:r>
-              <a:rPr lang="en-US" dirty="0" err="1" smtClean="0"/>
+              <a:rPr lang="en-US" dirty="0" err="1"/>
               <a:t>gpa</a:t>
             </a:r>
             <a:r>
-              <a:rPr lang="en-US" dirty="0" smtClean="0"/>
+              <a:rPr lang="en-US" dirty="0"/>
               <a:t>: </a:t>
             </a:r>
             <a:r>
-              <a:rPr lang="en-US" i="1" dirty="0" smtClean="0"/>
+              <a:rPr lang="en-US" i="1" dirty="0"/>
               <a:t>float</a:t>
             </a:r>
             <a:r>
-              <a:rPr lang="en-US" dirty="0" smtClean="0"/>
+              <a:rPr lang="en-US" dirty="0"/>
               <a:t>)</a:t>
             </a:r>
           </a:p>
           <a:p>
             <a:pPr lvl="1"/>
             <a:r>
-              <a:rPr lang="en-US" dirty="0" smtClean="0">
+              <a:rPr lang="en-US" dirty="0">
                 <a:latin typeface="Arial" pitchFamily="34" charset="0"/>
                 <a:cs typeface="Arial" pitchFamily="34" charset="0"/>
               </a:rPr>
               <a:t>Courses</a:t>
             </a:r>
             <a:r>
-              <a:rPr lang="en-US" dirty="0" smtClean="0"/>
+              <a:rPr lang="en-US" dirty="0"/>
               <a:t>(cid: </a:t>
             </a:r>
             <a:r>
-              <a:rPr lang="en-US" i="1" dirty="0" smtClean="0"/>
+              <a:rPr lang="en-US" i="1" dirty="0"/>
               <a:t>string</a:t>
             </a:r>
             <a:r>
-              <a:rPr lang="en-US" dirty="0" smtClean="0"/>
+              <a:rPr lang="en-US" dirty="0"/>
               <a:t>, </a:t>
             </a:r>
             <a:r>
-              <a:rPr lang="en-US" dirty="0" err="1" smtClean="0"/>
+              <a:rPr lang="en-US" dirty="0" err="1"/>
               <a:t>cname</a:t>
             </a:r>
             <a:r>
-              <a:rPr lang="en-US" dirty="0" smtClean="0"/>
+              <a:rPr lang="en-US" dirty="0"/>
               <a:t>: </a:t>
             </a:r>
             <a:r>
-              <a:rPr lang="en-US" i="1" dirty="0" smtClean="0"/>
+              <a:rPr lang="en-US" i="1" dirty="0"/>
               <a:t>string</a:t>
             </a:r>
             <a:r>
-              <a:rPr lang="en-US" dirty="0" smtClean="0"/>
+              <a:rPr lang="en-US" dirty="0"/>
               <a:t>, credits: </a:t>
             </a:r>
             <a:r>
-              <a:rPr lang="en-US" i="1" dirty="0" err="1" smtClean="0"/>
+              <a:rPr lang="en-US" i="1" dirty="0" err="1"/>
               <a:t>int</a:t>
             </a:r>
             <a:r>
-              <a:rPr lang="en-US" dirty="0" smtClean="0"/>
+              <a:rPr lang="en-US" dirty="0"/>
               <a:t>)</a:t>
             </a:r>
           </a:p>
           <a:p>
             <a:pPr lvl="1"/>
             <a:r>
-              <a:rPr lang="en-US" dirty="0" smtClean="0">
+              <a:rPr lang="en-US" dirty="0">
                 <a:latin typeface="Arial" pitchFamily="34" charset="0"/>
                 <a:cs typeface="Arial" pitchFamily="34" charset="0"/>
               </a:rPr>
               <a:t>Enrolled</a:t>
             </a:r>
             <a:r>
-              <a:rPr lang="en-US" dirty="0" smtClean="0"/>
+              <a:rPr lang="en-US" dirty="0"/>
               <a:t>(</a:t>
             </a:r>
             <a:r>
-              <a:rPr lang="en-US" dirty="0" err="1" smtClean="0"/>
+              <a:rPr lang="en-US" dirty="0" err="1"/>
               <a:t>sid</a:t>
             </a:r>
             <a:r>
-              <a:rPr lang="en-US" dirty="0" smtClean="0"/>
+              <a:rPr lang="en-US" dirty="0"/>
               <a:t>: </a:t>
             </a:r>
             <a:r>
-              <a:rPr lang="en-US" i="1" dirty="0" smtClean="0"/>
+              <a:rPr lang="en-US" i="1" dirty="0"/>
               <a:t>string, </a:t>
             </a:r>
             <a:r>
-              <a:rPr lang="en-US" dirty="0" smtClean="0"/>
+              <a:rPr lang="en-US" dirty="0"/>
               <a:t>cid</a:t>
             </a:r>
             <a:r>
-              <a:rPr lang="en-US" i="1" dirty="0" smtClean="0"/>
+              <a:rPr lang="en-US" i="1" dirty="0"/>
               <a:t>: string, </a:t>
             </a:r>
             <a:r>
-              <a:rPr lang="en-US" dirty="0" smtClean="0"/>
+              <a:rPr lang="en-US" dirty="0"/>
               <a:t>grade</a:t>
             </a:r>
             <a:r>
-              <a:rPr lang="en-US" i="1" dirty="0" smtClean="0"/>
+              <a:rPr lang="en-US" i="1" dirty="0"/>
               <a:t>: string</a:t>
             </a:r>
             <a:r>
-              <a:rPr lang="en-US" dirty="0" smtClean="0"/>
+              <a:rPr lang="en-US" dirty="0"/>
               <a:t>)</a:t>
             </a:r>
           </a:p>
@@ -18472,9 +17839,27 @@
                 <a:tableStyleId>{5940675A-B579-460E-94D1-54222C63F5DA}</a:tableStyleId>
               </a:tblPr>
               <a:tblGrid>
-                <a:gridCol w="762000"/>
-                <a:gridCol w="990600"/>
-                <a:gridCol w="762000"/>
+                <a:gridCol w="762000">
+                  <a:extLst>
+                    <a:ext uri="{9D8B030D-6E8A-4147-A177-3AD203B41FA5}">
+                      <a16:colId xmlns:a16="http://schemas.microsoft.com/office/drawing/2014/main" xmlns="" val="20000"/>
+                    </a:ext>
+                  </a:extLst>
+                </a:gridCol>
+                <a:gridCol w="990600">
+                  <a:extLst>
+                    <a:ext uri="{9D8B030D-6E8A-4147-A177-3AD203B41FA5}">
+                      <a16:colId xmlns:a16="http://schemas.microsoft.com/office/drawing/2014/main" xmlns="" val="20001"/>
+                    </a:ext>
+                  </a:extLst>
+                </a:gridCol>
+                <a:gridCol w="762000">
+                  <a:extLst>
+                    <a:ext uri="{9D8B030D-6E8A-4147-A177-3AD203B41FA5}">
+                      <a16:colId xmlns:a16="http://schemas.microsoft.com/office/drawing/2014/main" xmlns="" val="20002"/>
+                    </a:ext>
+                  </a:extLst>
+                </a:gridCol>
               </a:tblGrid>
               <a:tr h="370840">
                 <a:tc>
@@ -18484,7 +17869,7 @@
                     <a:p>
                       <a:pPr algn="ctr"/>
                       <a:r>
-                        <a:rPr lang="en-US" sz="2400" b="1" dirty="0" err="1" smtClean="0"/>
+                        <a:rPr lang="en-US" sz="2400" b="1" dirty="0" err="1"/>
                         <a:t>sid</a:t>
                       </a:r>
                       <a:endParaRPr lang="en-US" sz="2400" b="1" dirty="0"/>
@@ -18506,10 +17891,9 @@
                     <a:p>
                       <a:pPr algn="ctr"/>
                       <a:r>
-                        <a:rPr lang="en-US" sz="2400" b="1" dirty="0" smtClean="0"/>
+                        <a:rPr lang="en-US" sz="2400" b="1" dirty="0"/>
                         <a:t>Name</a:t>
                       </a:r>
-                      <a:endParaRPr lang="en-US" sz="2400" b="1" dirty="0"/>
                     </a:p>
                   </a:txBody>
                   <a:tcPr>
@@ -18528,7 +17912,7 @@
                     <a:p>
                       <a:pPr algn="ctr"/>
                       <a:r>
-                        <a:rPr lang="en-US" sz="2400" b="1" dirty="0" err="1" smtClean="0"/>
+                        <a:rPr lang="en-US" sz="2400" b="1" dirty="0" err="1"/>
                         <a:t>Gpa</a:t>
                       </a:r>
                       <a:endParaRPr lang="en-US" sz="2400" b="1" dirty="0"/>
@@ -18543,6 +17927,11 @@
                     </a:solidFill>
                   </a:tcPr>
                 </a:tc>
+                <a:extLst>
+                  <a:ext uri="{0D108BD9-81ED-4DB2-BD59-A6C34878D82A}">
+                    <a16:rowId xmlns:a16="http://schemas.microsoft.com/office/drawing/2014/main" xmlns="" val="10000"/>
+                  </a:ext>
+                </a:extLst>
               </a:tr>
               <a:tr h="370840">
                 <a:tc>
@@ -18551,10 +17940,9 @@
                     <a:lstStyle/>
                     <a:p>
                       <a:r>
-                        <a:rPr lang="en-US" sz="2400" dirty="0" smtClean="0"/>
+                        <a:rPr lang="en-US" sz="2400" dirty="0"/>
                         <a:t>101</a:t>
                       </a:r>
-                      <a:endParaRPr lang="en-US" sz="2400" dirty="0"/>
                     </a:p>
                   </a:txBody>
                   <a:tcPr>
@@ -18569,10 +17957,9 @@
                     <a:lstStyle/>
                     <a:p>
                       <a:r>
-                        <a:rPr lang="en-US" sz="2400" dirty="0" smtClean="0"/>
+                        <a:rPr lang="en-US" sz="2400" dirty="0"/>
                         <a:t>Bob</a:t>
                       </a:r>
-                      <a:endParaRPr lang="en-US" sz="2400" dirty="0"/>
                     </a:p>
                   </a:txBody>
                   <a:tcPr>
@@ -18588,10 +17975,9 @@
                     <a:p>
                       <a:pPr algn="ctr"/>
                       <a:r>
-                        <a:rPr lang="en-US" sz="2400" dirty="0" smtClean="0"/>
+                        <a:rPr lang="en-US" sz="2400" dirty="0"/>
                         <a:t>3.2</a:t>
                       </a:r>
-                      <a:endParaRPr lang="en-US" sz="2400" dirty="0"/>
                     </a:p>
                   </a:txBody>
                   <a:tcPr>
@@ -18600,6 +17986,11 @@
                     </a:solidFill>
                   </a:tcPr>
                 </a:tc>
+                <a:extLst>
+                  <a:ext uri="{0D108BD9-81ED-4DB2-BD59-A6C34878D82A}">
+                    <a16:rowId xmlns:a16="http://schemas.microsoft.com/office/drawing/2014/main" xmlns="" val="10001"/>
+                  </a:ext>
+                </a:extLst>
               </a:tr>
               <a:tr h="370840">
                 <a:tc>
@@ -18608,10 +17999,9 @@
                     <a:lstStyle/>
                     <a:p>
                       <a:r>
-                        <a:rPr lang="en-US" sz="2400" dirty="0" smtClean="0"/>
+                        <a:rPr lang="en-US" sz="2400" dirty="0"/>
                         <a:t>123</a:t>
                       </a:r>
-                      <a:endParaRPr lang="en-US" sz="2400" dirty="0"/>
                     </a:p>
                   </a:txBody>
                   <a:tcPr>
@@ -18626,10 +18016,9 @@
                     <a:lstStyle/>
                     <a:p>
                       <a:r>
-                        <a:rPr lang="en-US" sz="2400" dirty="0" smtClean="0"/>
+                        <a:rPr lang="en-US" sz="2400" dirty="0"/>
                         <a:t>Mary</a:t>
                       </a:r>
-                      <a:endParaRPr lang="en-US" sz="2400" dirty="0"/>
                     </a:p>
                   </a:txBody>
                   <a:tcPr>
@@ -18645,10 +18034,9 @@
                     <a:p>
                       <a:pPr algn="ctr"/>
                       <a:r>
-                        <a:rPr lang="en-US" sz="2400" dirty="0" smtClean="0"/>
+                        <a:rPr lang="en-US" sz="2400" dirty="0"/>
                         <a:t>3.8</a:t>
                       </a:r>
-                      <a:endParaRPr lang="en-US" sz="2400" dirty="0"/>
                     </a:p>
                   </a:txBody>
                   <a:tcPr>
@@ -18657,6 +18045,11 @@
                     </a:solidFill>
                   </a:tcPr>
                 </a:tc>
+                <a:extLst>
+                  <a:ext uri="{0D108BD9-81ED-4DB2-BD59-A6C34878D82A}">
+                    <a16:rowId xmlns:a16="http://schemas.microsoft.com/office/drawing/2014/main" xmlns="" val="10002"/>
+                  </a:ext>
+                </a:extLst>
               </a:tr>
             </a:tbl>
           </a:graphicData>
@@ -18721,9 +18114,27 @@
                 <a:tableStyleId>{5940675A-B579-460E-94D1-54222C63F5DA}</a:tableStyleId>
               </a:tblPr>
               <a:tblGrid>
-                <a:gridCol w="762000"/>
-                <a:gridCol w="1066800"/>
-                <a:gridCol w="1066800"/>
+                <a:gridCol w="762000">
+                  <a:extLst>
+                    <a:ext uri="{9D8B030D-6E8A-4147-A177-3AD203B41FA5}">
+                      <a16:colId xmlns:a16="http://schemas.microsoft.com/office/drawing/2014/main" xmlns="" val="20000"/>
+                    </a:ext>
+                  </a:extLst>
+                </a:gridCol>
+                <a:gridCol w="1066800">
+                  <a:extLst>
+                    <a:ext uri="{9D8B030D-6E8A-4147-A177-3AD203B41FA5}">
+                      <a16:colId xmlns:a16="http://schemas.microsoft.com/office/drawing/2014/main" xmlns="" val="20001"/>
+                    </a:ext>
+                  </a:extLst>
+                </a:gridCol>
+                <a:gridCol w="1066800">
+                  <a:extLst>
+                    <a:ext uri="{9D8B030D-6E8A-4147-A177-3AD203B41FA5}">
+                      <a16:colId xmlns:a16="http://schemas.microsoft.com/office/drawing/2014/main" xmlns="" val="20002"/>
+                    </a:ext>
+                  </a:extLst>
+                </a:gridCol>
               </a:tblGrid>
               <a:tr h="370840">
                 <a:tc>
@@ -18733,10 +18144,9 @@
                     <a:p>
                       <a:pPr algn="ctr"/>
                       <a:r>
-                        <a:rPr lang="en-US" sz="2400" b="1" dirty="0" smtClean="0"/>
+                        <a:rPr lang="en-US" sz="2400" b="1" dirty="0"/>
                         <a:t>cid</a:t>
                       </a:r>
-                      <a:endParaRPr lang="en-US" sz="2400" b="1" dirty="0"/>
                     </a:p>
                   </a:txBody>
                   <a:tcPr>
@@ -18755,7 +18165,7 @@
                     <a:p>
                       <a:pPr algn="ctr"/>
                       <a:r>
-                        <a:rPr lang="en-US" sz="2400" b="1" dirty="0" err="1" smtClean="0"/>
+                        <a:rPr lang="en-US" sz="2400" b="1" dirty="0" err="1"/>
                         <a:t>cname</a:t>
                       </a:r>
                       <a:endParaRPr lang="en-US" sz="2400" b="1" dirty="0"/>
@@ -18777,10 +18187,9 @@
                     <a:p>
                       <a:pPr algn="ctr"/>
                       <a:r>
-                        <a:rPr lang="en-US" sz="2400" b="1" dirty="0" smtClean="0"/>
+                        <a:rPr lang="en-US" sz="2400" b="1" dirty="0"/>
                         <a:t>credits</a:t>
                       </a:r>
-                      <a:endParaRPr lang="en-US" sz="2400" b="1" dirty="0"/>
                     </a:p>
                   </a:txBody>
                   <a:tcPr>
@@ -18792,6 +18201,11 @@
                     </a:solidFill>
                   </a:tcPr>
                 </a:tc>
+                <a:extLst>
+                  <a:ext uri="{0D108BD9-81ED-4DB2-BD59-A6C34878D82A}">
+                    <a16:rowId xmlns:a16="http://schemas.microsoft.com/office/drawing/2014/main" xmlns="" val="10000"/>
+                  </a:ext>
+                </a:extLst>
               </a:tr>
               <a:tr h="370840">
                 <a:tc>
@@ -18800,10 +18214,9 @@
                     <a:lstStyle/>
                     <a:p>
                       <a:r>
-                        <a:rPr lang="en-US" sz="2400" dirty="0" smtClean="0"/>
+                        <a:rPr lang="en-US" sz="2400" dirty="0"/>
                         <a:t>564</a:t>
                       </a:r>
-                      <a:endParaRPr lang="en-US" sz="2400" dirty="0"/>
                     </a:p>
                   </a:txBody>
                   <a:tcPr>
@@ -18818,10 +18231,9 @@
                     <a:lstStyle/>
                     <a:p>
                       <a:r>
-                        <a:rPr lang="en-US" sz="2400" dirty="0" smtClean="0"/>
+                        <a:rPr lang="en-US" sz="2400" dirty="0"/>
                         <a:t>564-2</a:t>
                       </a:r>
-                      <a:endParaRPr lang="en-US" sz="2400" dirty="0"/>
                     </a:p>
                   </a:txBody>
                   <a:tcPr>
@@ -18837,10 +18249,9 @@
                     <a:p>
                       <a:pPr algn="ctr"/>
                       <a:r>
-                        <a:rPr lang="en-US" sz="2400" dirty="0" smtClean="0"/>
+                        <a:rPr lang="en-US" sz="2400" dirty="0"/>
                         <a:t>4</a:t>
                       </a:r>
-                      <a:endParaRPr lang="en-US" sz="2400" dirty="0"/>
                     </a:p>
                   </a:txBody>
                   <a:tcPr>
@@ -18849,6 +18260,11 @@
                     </a:solidFill>
                   </a:tcPr>
                 </a:tc>
+                <a:extLst>
+                  <a:ext uri="{0D108BD9-81ED-4DB2-BD59-A6C34878D82A}">
+                    <a16:rowId xmlns:a16="http://schemas.microsoft.com/office/drawing/2014/main" xmlns="" val="10001"/>
+                  </a:ext>
+                </a:extLst>
               </a:tr>
               <a:tr h="370840">
                 <a:tc>
@@ -18857,10 +18273,9 @@
                     <a:lstStyle/>
                     <a:p>
                       <a:r>
-                        <a:rPr lang="en-US" sz="2400" dirty="0" smtClean="0"/>
+                        <a:rPr lang="en-US" sz="2400" dirty="0"/>
                         <a:t>308</a:t>
                       </a:r>
-                      <a:endParaRPr lang="en-US" sz="2400" dirty="0"/>
                     </a:p>
                   </a:txBody>
                   <a:tcPr>
@@ -18875,10 +18290,9 @@
                     <a:lstStyle/>
                     <a:p>
                       <a:r>
-                        <a:rPr lang="en-US" sz="2400" dirty="0" smtClean="0"/>
+                        <a:rPr lang="en-US" sz="2400" dirty="0"/>
                         <a:t>417</a:t>
                       </a:r>
-                      <a:endParaRPr lang="en-US" sz="2400" dirty="0"/>
                     </a:p>
                   </a:txBody>
                   <a:tcPr>
@@ -18894,10 +18308,9 @@
                     <a:p>
                       <a:pPr algn="ctr"/>
                       <a:r>
-                        <a:rPr lang="en-US" sz="2400" dirty="0" smtClean="0"/>
+                        <a:rPr lang="en-US" sz="2400" dirty="0"/>
                         <a:t>2</a:t>
                       </a:r>
-                      <a:endParaRPr lang="en-US" sz="2400" dirty="0"/>
                     </a:p>
                   </a:txBody>
                   <a:tcPr>
@@ -18906,6 +18319,11 @@
                     </a:solidFill>
                   </a:tcPr>
                 </a:tc>
+                <a:extLst>
+                  <a:ext uri="{0D108BD9-81ED-4DB2-BD59-A6C34878D82A}">
+                    <a16:rowId xmlns:a16="http://schemas.microsoft.com/office/drawing/2014/main" xmlns="" val="10002"/>
+                  </a:ext>
+                </a:extLst>
               </a:tr>
             </a:tbl>
           </a:graphicData>
@@ -18970,9 +18388,27 @@
                 <a:tableStyleId>{5940675A-B579-460E-94D1-54222C63F5DA}</a:tableStyleId>
               </a:tblPr>
               <a:tblGrid>
-                <a:gridCol w="762000"/>
-                <a:gridCol w="1066800"/>
-                <a:gridCol w="1066800"/>
+                <a:gridCol w="762000">
+                  <a:extLst>
+                    <a:ext uri="{9D8B030D-6E8A-4147-A177-3AD203B41FA5}">
+                      <a16:colId xmlns:a16="http://schemas.microsoft.com/office/drawing/2014/main" xmlns="" val="20000"/>
+                    </a:ext>
+                  </a:extLst>
+                </a:gridCol>
+                <a:gridCol w="1066800">
+                  <a:extLst>
+                    <a:ext uri="{9D8B030D-6E8A-4147-A177-3AD203B41FA5}">
+                      <a16:colId xmlns:a16="http://schemas.microsoft.com/office/drawing/2014/main" xmlns="" val="20001"/>
+                    </a:ext>
+                  </a:extLst>
+                </a:gridCol>
+                <a:gridCol w="1066800">
+                  <a:extLst>
+                    <a:ext uri="{9D8B030D-6E8A-4147-A177-3AD203B41FA5}">
+                      <a16:colId xmlns:a16="http://schemas.microsoft.com/office/drawing/2014/main" xmlns="" val="20002"/>
+                    </a:ext>
+                  </a:extLst>
+                </a:gridCol>
               </a:tblGrid>
               <a:tr h="370840">
                 <a:tc>
@@ -18982,7 +18418,7 @@
                     <a:p>
                       <a:pPr algn="ctr"/>
                       <a:r>
-                        <a:rPr lang="en-US" sz="2400" b="1" dirty="0" err="1" smtClean="0"/>
+                        <a:rPr lang="en-US" sz="2400" b="1" dirty="0" err="1"/>
                         <a:t>sid</a:t>
                       </a:r>
                       <a:endParaRPr lang="en-US" sz="2400" b="1" dirty="0"/>
@@ -19004,10 +18440,9 @@
                     <a:p>
                       <a:pPr algn="ctr"/>
                       <a:r>
-                        <a:rPr lang="en-US" sz="2400" b="1" dirty="0" smtClean="0"/>
+                        <a:rPr lang="en-US" sz="2400" b="1" dirty="0"/>
                         <a:t>cid</a:t>
                       </a:r>
-                      <a:endParaRPr lang="en-US" sz="2400" b="1" dirty="0"/>
                     </a:p>
                   </a:txBody>
                   <a:tcPr>
@@ -19026,10 +18461,9 @@
                     <a:p>
                       <a:pPr algn="ctr"/>
                       <a:r>
-                        <a:rPr lang="en-US" sz="2400" b="1" dirty="0" smtClean="0"/>
+                        <a:rPr lang="en-US" sz="2400" b="1" dirty="0"/>
                         <a:t>Grade</a:t>
                       </a:r>
-                      <a:endParaRPr lang="en-US" sz="2400" b="1" dirty="0"/>
                     </a:p>
                   </a:txBody>
                   <a:tcPr>
@@ -19041,6 +18475,11 @@
                     </a:solidFill>
                   </a:tcPr>
                 </a:tc>
+                <a:extLst>
+                  <a:ext uri="{0D108BD9-81ED-4DB2-BD59-A6C34878D82A}">
+                    <a16:rowId xmlns:a16="http://schemas.microsoft.com/office/drawing/2014/main" xmlns="" val="10000"/>
+                  </a:ext>
+                </a:extLst>
               </a:tr>
               <a:tr h="370840">
                 <a:tc>
@@ -19049,10 +18488,9 @@
                     <a:lstStyle/>
                     <a:p>
                       <a:r>
-                        <a:rPr lang="en-US" sz="2400" dirty="0" smtClean="0"/>
+                        <a:rPr lang="en-US" sz="2400" dirty="0"/>
                         <a:t>123</a:t>
                       </a:r>
-                      <a:endParaRPr lang="en-US" sz="2400" dirty="0"/>
                     </a:p>
                   </a:txBody>
                   <a:tcPr>
@@ -19067,10 +18505,9 @@
                     <a:lstStyle/>
                     <a:p>
                       <a:r>
-                        <a:rPr lang="en-US" sz="2400" dirty="0" smtClean="0"/>
+                        <a:rPr lang="en-US" sz="2400" dirty="0"/>
                         <a:t>564</a:t>
                       </a:r>
-                      <a:endParaRPr lang="en-US" sz="2400" dirty="0"/>
                     </a:p>
                   </a:txBody>
                   <a:tcPr>
@@ -19086,10 +18523,9 @@
                     <a:p>
                       <a:pPr algn="ctr"/>
                       <a:r>
-                        <a:rPr lang="en-US" sz="2400" dirty="0" smtClean="0"/>
+                        <a:rPr lang="en-US" sz="2400" dirty="0"/>
                         <a:t>A</a:t>
                       </a:r>
-                      <a:endParaRPr lang="en-US" sz="2400" dirty="0"/>
                     </a:p>
                   </a:txBody>
                   <a:tcPr>
@@ -19098,6 +18534,11 @@
                     </a:solidFill>
                   </a:tcPr>
                 </a:tc>
+                <a:extLst>
+                  <a:ext uri="{0D108BD9-81ED-4DB2-BD59-A6C34878D82A}">
+                    <a16:rowId xmlns:a16="http://schemas.microsoft.com/office/drawing/2014/main" xmlns="" val="10001"/>
+                  </a:ext>
+                </a:extLst>
               </a:tr>
             </a:tbl>
           </a:graphicData>
@@ -19261,11 +18702,11 @@
           <a:p>
             <a:pPr algn="ctr"/>
             <a:r>
-              <a:rPr lang="en-US" sz="2000" dirty="0" smtClean="0"/>
+              <a:rPr lang="en-US" sz="2000" dirty="0"/>
               <a:t>Corresponding </a:t>
             </a:r>
             <a:r>
-              <a:rPr lang="en-US" sz="2000" i="1" dirty="0" smtClean="0"/>
+              <a:rPr lang="en-US" sz="2000" i="1" dirty="0"/>
               <a:t>keys</a:t>
             </a:r>
             <a:endParaRPr lang="en-US" sz="2000" dirty="0"/>
@@ -19363,7 +18804,7 @@
             <a:lstStyle/>
             <a:p>
               <a:r>
-                <a:rPr lang="en-US" sz="1400" b="1" i="1" dirty="0" smtClean="0">
+                <a:rPr lang="en-US" sz="1400" b="1" i="1" dirty="0">
                   <a:solidFill>
                     <a:schemeClr val="tx1">
                       <a:lumMod val="65000"/>
@@ -19374,15 +18815,6 @@
                 </a:rPr>
                 <a:t>Section 2  &gt;  Data models</a:t>
               </a:r>
-              <a:endParaRPr lang="en-US" sz="1400" b="1" i="1" dirty="0">
-                <a:solidFill>
-                  <a:schemeClr val="tx1">
-                    <a:lumMod val="65000"/>
-                    <a:lumOff val="35000"/>
-                  </a:schemeClr>
-                </a:solidFill>
-                <a:latin typeface="+mj-lt"/>
-              </a:endParaRPr>
             </a:p>
           </p:txBody>
         </p:sp>
@@ -19711,10 +19143,9 @@
           <a:lstStyle/>
           <a:p>
             <a:r>
-              <a:rPr lang="en-US" dirty="0" smtClean="0"/>
+              <a:rPr lang="en-US" dirty="0"/>
               <a:t>Other Schemata…</a:t>
             </a:r>
-            <a:endParaRPr lang="en-US" dirty="0"/>
           </a:p>
         </p:txBody>
       </p:sp>
@@ -19736,92 +19167,91 @@
           <a:lstStyle/>
           <a:p>
             <a:r>
-              <a:rPr lang="en-US" i="1" dirty="0" smtClean="0"/>
+              <a:rPr lang="en-US" i="1" dirty="0"/>
               <a:t>Physical Schema</a:t>
             </a:r>
             <a:r>
-              <a:rPr lang="en-US" dirty="0" smtClean="0"/>
+              <a:rPr lang="en-US" dirty="0"/>
               <a:t>: describes data layout</a:t>
             </a:r>
           </a:p>
           <a:p>
             <a:pPr lvl="1"/>
             <a:r>
-              <a:rPr lang="en-US" dirty="0" smtClean="0"/>
+              <a:rPr lang="en-US" dirty="0"/>
               <a:t>Relations as unordered files</a:t>
             </a:r>
           </a:p>
           <a:p>
             <a:pPr lvl="1"/>
             <a:r>
-              <a:rPr lang="en-US" dirty="0" smtClean="0"/>
+              <a:rPr lang="en-US" dirty="0"/>
               <a:t>Some data in sorted order (index)</a:t>
             </a:r>
           </a:p>
           <a:p>
-            <a:endParaRPr lang="en-US" i="1" dirty="0" smtClean="0"/>
-          </a:p>
-          <a:p>
-            <a:r>
-              <a:rPr lang="en-US" i="1" dirty="0" smtClean="0"/>
+            <a:endParaRPr lang="en-US" i="1" dirty="0"/>
+          </a:p>
+          <a:p>
+            <a:r>
+              <a:rPr lang="en-US" i="1" dirty="0"/>
               <a:t>Logical Schema: </a:t>
             </a:r>
             <a:r>
-              <a:rPr lang="en-US" dirty="0" smtClean="0"/>
+              <a:rPr lang="en-US" dirty="0"/>
               <a:t>Previous slide</a:t>
             </a:r>
-            <a:endParaRPr lang="en-US" i="1" dirty="0" smtClean="0"/>
-          </a:p>
-          <a:p>
-            <a:endParaRPr lang="en-US" i="1" dirty="0" smtClean="0"/>
-          </a:p>
-          <a:p>
-            <a:r>
-              <a:rPr lang="en-US" i="1" dirty="0" smtClean="0"/>
+            <a:endParaRPr lang="en-US" i="1" dirty="0"/>
+          </a:p>
+          <a:p>
+            <a:endParaRPr lang="en-US" i="1" dirty="0"/>
+          </a:p>
+          <a:p>
+            <a:r>
+              <a:rPr lang="en-US" i="1" dirty="0"/>
               <a:t>External Schema</a:t>
             </a:r>
             <a:r>
-              <a:rPr lang="en-US" dirty="0" smtClean="0"/>
+              <a:rPr lang="en-US" dirty="0"/>
               <a:t>: (Views)</a:t>
             </a:r>
           </a:p>
           <a:p>
             <a:pPr lvl="1"/>
             <a:r>
-              <a:rPr lang="en-US" dirty="0" err="1" smtClean="0">
+              <a:rPr lang="en-US" dirty="0" err="1">
                 <a:latin typeface="Arial" pitchFamily="34" charset="0"/>
                 <a:cs typeface="Arial" pitchFamily="34" charset="0"/>
               </a:rPr>
               <a:t>Course_info</a:t>
             </a:r>
             <a:r>
-              <a:rPr lang="en-US" dirty="0" smtClean="0"/>
+              <a:rPr lang="en-US" dirty="0"/>
               <a:t>(cid: </a:t>
             </a:r>
             <a:r>
-              <a:rPr lang="en-US" i="1" dirty="0" smtClean="0"/>
+              <a:rPr lang="en-US" i="1" dirty="0"/>
               <a:t>string</a:t>
             </a:r>
             <a:r>
-              <a:rPr lang="en-US" dirty="0" smtClean="0"/>
+              <a:rPr lang="en-US" dirty="0"/>
               <a:t>, enrollment: </a:t>
             </a:r>
             <a:r>
-              <a:rPr lang="en-US" i="1" dirty="0" smtClean="0"/>
+              <a:rPr lang="en-US" i="1" dirty="0"/>
               <a:t>integer</a:t>
             </a:r>
             <a:r>
-              <a:rPr lang="en-US" dirty="0" smtClean="0"/>
+              <a:rPr lang="en-US" dirty="0"/>
               <a:t>)</a:t>
             </a:r>
           </a:p>
           <a:p>
             <a:pPr lvl="1"/>
             <a:r>
-              <a:rPr lang="en-US" dirty="0" smtClean="0"/>
+              <a:rPr lang="en-US" dirty="0"/>
               <a:t>Derived from other tables</a:t>
             </a:r>
-            <a:endParaRPr lang="en-US" dirty="0"/>
           </a:p>
         </p:txBody>
       </p:sp>
@@ -20086,7 +19516,7 @@
             <a:lstStyle/>
             <a:p>
               <a:r>
-                <a:rPr lang="en-US" sz="1400" b="1" i="1" dirty="0" smtClean="0">
+                <a:rPr lang="en-US" sz="1400" b="1" i="1" dirty="0">
                   <a:solidFill>
                     <a:schemeClr val="tx1">
                       <a:lumMod val="65000"/>
@@ -20097,15 +19527,6 @@
                 </a:rPr>
                 <a:t>Section 2  &gt;  Schemata</a:t>
               </a:r>
-              <a:endParaRPr lang="en-US" sz="1400" b="1" i="1" dirty="0">
-                <a:solidFill>
-                  <a:schemeClr val="tx1">
-                    <a:lumMod val="65000"/>
-                    <a:lumOff val="35000"/>
-                  </a:schemeClr>
-                </a:solidFill>
-                <a:latin typeface="+mj-lt"/>
-              </a:endParaRPr>
             </a:p>
           </p:txBody>
         </p:sp>
@@ -20313,10 +19734,9 @@
           <a:lstStyle/>
           <a:p>
             <a:r>
-              <a:rPr lang="en-US" dirty="0" smtClean="0"/>
+              <a:rPr lang="en-US" dirty="0"/>
               <a:t>Data independence</a:t>
             </a:r>
-            <a:endParaRPr lang="en-US" dirty="0"/>
           </a:p>
         </p:txBody>
       </p:sp>
@@ -20344,15 +19764,15 @@
               <a:buNone/>
             </a:pPr>
             <a:r>
-              <a:rPr lang="en-US" u="sng" dirty="0" smtClean="0"/>
+              <a:rPr lang="en-US" u="sng" dirty="0"/>
               <a:t>Concept:</a:t>
             </a:r>
             <a:r>
-              <a:rPr lang="en-US" dirty="0" smtClean="0"/>
+              <a:rPr lang="en-US" dirty="0"/>
               <a:t> Applications do not need to worry about </a:t>
             </a:r>
             <a:r>
-              <a:rPr lang="en-US" i="1" dirty="0" smtClean="0"/>
+              <a:rPr lang="en-US" i="1" dirty="0"/>
               <a:t>how the data is structured and stored</a:t>
             </a:r>
           </a:p>
@@ -20360,7 +19780,7 @@
             <a:pPr marL="0" indent="0">
               <a:buNone/>
             </a:pPr>
-            <a:endParaRPr lang="en-US" i="1" dirty="0" smtClean="0"/>
+            <a:endParaRPr lang="en-US" i="1" dirty="0"/>
           </a:p>
           <a:p>
             <a:endParaRPr lang="en-US" dirty="0"/>
@@ -20429,13 +19849,7 @@
               <a:rPr lang="en-US" sz="2800" i="1">
                 <a:latin typeface="+mj-lt"/>
               </a:rPr>
-              <a:t>the </a:t>
-            </a:r>
-            <a:r>
-              <a:rPr lang="en-US" sz="2800" i="1" smtClean="0">
-                <a:latin typeface="+mj-lt"/>
-              </a:rPr>
-              <a:t>data</a:t>
+              <a:t>the data</a:t>
             </a:r>
             <a:endParaRPr lang="en-US" sz="2800" i="1" u="sng" dirty="0">
               <a:latin typeface="+mj-lt"/>
@@ -20505,13 +19919,7 @@
               <a:rPr lang="en-US" sz="2800" i="1">
                 <a:latin typeface="+mj-lt"/>
               </a:rPr>
-              <a:t>layout </a:t>
-            </a:r>
-            <a:r>
-              <a:rPr lang="en-US" sz="2800" i="1" smtClean="0">
-                <a:latin typeface="+mj-lt"/>
-              </a:rPr>
-              <a:t>changes</a:t>
+              <a:t>layout changes</a:t>
             </a:r>
             <a:endParaRPr lang="en-US" sz="2800" u="sng" dirty="0">
               <a:latin typeface="+mj-lt"/>
@@ -20555,16 +19963,10 @@
           <a:p>
             <a:pPr algn="ctr"/>
             <a:r>
-              <a:rPr lang="en-US" sz="2800" dirty="0" smtClean="0">
-                <a:latin typeface="+mj-lt"/>
-              </a:rPr>
-              <a:t>One </a:t>
-            </a:r>
-            <a:r>
               <a:rPr lang="en-US" sz="2800" dirty="0">
                 <a:latin typeface="+mj-lt"/>
               </a:rPr>
-              <a:t>of the most important reasons to use a DBMS</a:t>
+              <a:t>One of the most important reasons to use a DBMS</a:t>
             </a:r>
             <a:endParaRPr lang="en-US" sz="2800" b="1" dirty="0">
               <a:latin typeface="+mj-lt"/>
@@ -20687,7 +20089,7 @@
             <a:lstStyle/>
             <a:p>
               <a:r>
-                <a:rPr lang="en-US" sz="1400" b="1" i="1" dirty="0" smtClean="0">
+                <a:rPr lang="en-US" sz="1400" b="1" i="1" dirty="0">
                   <a:solidFill>
                     <a:schemeClr val="tx1">
                       <a:lumMod val="65000"/>
@@ -20698,15 +20100,6 @@
                 </a:rPr>
                 <a:t>Section 2  &gt;  Schemata</a:t>
               </a:r>
-              <a:endParaRPr lang="en-US" sz="1400" b="1" i="1" dirty="0">
-                <a:solidFill>
-                  <a:schemeClr val="tx1">
-                    <a:lumMod val="65000"/>
-                    <a:lumOff val="35000"/>
-                  </a:schemeClr>
-                </a:solidFill>
-                <a:latin typeface="+mj-lt"/>
-              </a:endParaRPr>
             </a:p>
           </p:txBody>
         </p:sp>
@@ -20733,16 +20126,8 @@
           <a:lstStyle/>
           <a:p>
             <a:r>
-              <a:rPr lang="en-US" i="1" dirty="0" smtClean="0"/>
-              <a:t>I.e. should not need to ask: can </a:t>
-            </a:r>
-            <a:r>
               <a:rPr lang="en-US" i="1" dirty="0"/>
-              <a:t>we add  a new entity or attribute without rewriting the application</a:t>
-            </a:r>
-            <a:r>
-              <a:rPr lang="en-US" i="1" dirty="0" smtClean="0"/>
-              <a:t>?</a:t>
+              <a:t>I.e. should not need to ask: can we add  a new entity or attribute without rewriting the application?</a:t>
             </a:r>
             <a:endParaRPr lang="en-US" i="1" u="sng" dirty="0"/>
           </a:p>
@@ -20770,24 +20155,8 @@
           <a:lstStyle/>
           <a:p>
             <a:r>
-              <a:rPr lang="en-US" i="1" dirty="0" smtClean="0"/>
-              <a:t>I.e. should not need to ask: which </a:t>
-            </a:r>
-            <a:r>
               <a:rPr lang="en-US" i="1" dirty="0"/>
-              <a:t>disks are the data stored </a:t>
-            </a:r>
-            <a:r>
-              <a:rPr lang="en-US" i="1" dirty="0" smtClean="0"/>
-              <a:t>on</a:t>
-            </a:r>
-            <a:r>
-              <a:rPr lang="en-US" i="1" dirty="0"/>
-              <a:t>? Is the data indexed</a:t>
-            </a:r>
-            <a:r>
-              <a:rPr lang="en-US" i="1" dirty="0" smtClean="0"/>
-              <a:t>?</a:t>
+              <a:t>I.e. should not need to ask: which disks are the data stored on? Is the data indexed?</a:t>
             </a:r>
             <a:endParaRPr lang="en-US" i="1" u="sng" dirty="0"/>
           </a:p>
@@ -21109,7 +20478,7 @@
           <a:lstStyle/>
           <a:p>
             <a:r>
-              <a:rPr lang="en-US" dirty="0" smtClean="0">
+              <a:rPr lang="en-US" dirty="0">
                 <a:hlinkClick r:id="rId2" action="ppaction://hlinkfile"/>
               </a:rPr>
               <a:t>Activity-1-2.ipynb</a:t>
@@ -21235,7 +20604,7 @@
             <a:lstStyle/>
             <a:p>
               <a:r>
-                <a:rPr lang="en-US" sz="1400" b="1" i="1" dirty="0" smtClean="0">
+                <a:rPr lang="en-US" sz="1400" b="1" i="1" dirty="0">
                   <a:solidFill>
                     <a:schemeClr val="tx1">
                       <a:lumMod val="65000"/>
@@ -21246,15 +20615,6 @@
                 </a:rPr>
                 <a:t>Section 2  &gt;  ACTIVITY</a:t>
               </a:r>
-              <a:endParaRPr lang="en-US" sz="1400" b="1" i="1" dirty="0">
-                <a:solidFill>
-                  <a:schemeClr val="tx1">
-                    <a:lumMod val="65000"/>
-                    <a:lumOff val="35000"/>
-                  </a:schemeClr>
-                </a:solidFill>
-                <a:latin typeface="+mj-lt"/>
-              </a:endParaRPr>
             </a:p>
           </p:txBody>
         </p:sp>
@@ -21312,18 +20672,9 @@
           <a:lstStyle/>
           <a:p>
             <a:r>
-              <a:rPr lang="en-US" dirty="0" smtClean="0"/>
-              <a:t>3. </a:t>
-            </a:r>
-            <a:r>
               <a:rPr lang="en-US" dirty="0"/>
-              <a:t>Overview of DBMS </a:t>
-            </a:r>
-            <a:r>
-              <a:rPr lang="en-US" dirty="0" smtClean="0"/>
-              <a:t>topics</a:t>
-            </a:r>
-            <a:endParaRPr lang="en-US" dirty="0"/>
+              <a:t>3. Overview of DBMS topics</a:t>
+            </a:r>
           </a:p>
         </p:txBody>
       </p:sp>
@@ -21463,18 +20814,6 @@
             <a:lstStyle/>
             <a:p>
               <a:r>
-                <a:rPr lang="en-US" sz="1400" b="1" i="1" dirty="0" smtClean="0">
-                  <a:solidFill>
-                    <a:schemeClr val="tx1">
-                      <a:lumMod val="65000"/>
-                      <a:lumOff val="35000"/>
-                    </a:schemeClr>
-                  </a:solidFill>
-                  <a:latin typeface="+mj-lt"/>
-                </a:rPr>
-                <a:t>Section </a:t>
-              </a:r>
-              <a:r>
                 <a:rPr lang="en-US" sz="1400" b="1" i="1" dirty="0">
                   <a:solidFill>
                     <a:schemeClr val="tx1">
@@ -21484,7 +20823,7 @@
                   </a:solidFill>
                   <a:latin typeface="+mj-lt"/>
                 </a:rPr>
-                <a:t>3</a:t>
+                <a:t>Section 3</a:t>
               </a:r>
             </a:p>
           </p:txBody>
@@ -21543,10 +20882,9 @@
           <a:lstStyle/>
           <a:p>
             <a:r>
-              <a:rPr lang="en-US" dirty="0" smtClean="0"/>
+              <a:rPr lang="en-US" dirty="0"/>
               <a:t>When you’ll use this material</a:t>
             </a:r>
-            <a:endParaRPr lang="en-US" dirty="0"/>
           </a:p>
         </p:txBody>
       </p:sp>
@@ -21568,7 +20906,7 @@
           <a:lstStyle/>
           <a:p>
             <a:r>
-              <a:rPr lang="en-US" dirty="0" smtClean="0">
+              <a:rPr lang="en-US" dirty="0">
                 <a:latin typeface="+mj-lt"/>
               </a:rPr>
               <a:t>Building almost any software application</a:t>
@@ -21577,7 +20915,7 @@
           <a:p>
             <a:pPr lvl="1"/>
             <a:r>
-              <a:rPr lang="en-US" dirty="0" smtClean="0">
+              <a:rPr lang="en-US" dirty="0">
                 <a:latin typeface="+mj-lt"/>
               </a:rPr>
               <a:t>e.g., mobile, cloud, consumer, enterprise, analytics, machine learning</a:t>
@@ -21586,7 +20924,7 @@
           <a:p>
             <a:pPr lvl="1"/>
             <a:r>
-              <a:rPr lang="en-US" dirty="0" smtClean="0">
+              <a:rPr lang="en-US" dirty="0">
                 <a:latin typeface="+mj-lt"/>
               </a:rPr>
               <a:t>Corollary: every application you use uses a database</a:t>
@@ -21595,7 +20933,7 @@
           <a:p>
             <a:pPr lvl="1"/>
             <a:r>
-              <a:rPr lang="en-US" dirty="0" smtClean="0">
+              <a:rPr lang="en-US" dirty="0">
                 <a:latin typeface="+mj-lt"/>
               </a:rPr>
               <a:t>Bonus: every program consumes data (even if only the program text!)			</a:t>
@@ -21603,7 +20941,7 @@
           </a:p>
           <a:p>
             <a:r>
-              <a:rPr lang="en-US" dirty="0" smtClean="0">
+              <a:rPr lang="en-US" dirty="0">
                 <a:latin typeface="+mj-lt"/>
               </a:rPr>
               <a:t>Performing data analytics</a:t>
@@ -21612,7 +20950,7 @@
           <a:p>
             <a:pPr lvl="1"/>
             <a:r>
-              <a:rPr lang="en-US" dirty="0" smtClean="0">
+              <a:rPr lang="en-US" dirty="0">
                 <a:latin typeface="+mj-lt"/>
               </a:rPr>
               <a:t>Business intelligence, data science, predictive modeling</a:t>
@@ -21621,7 +20959,7 @@
           <a:p>
             <a:pPr lvl="1"/>
             <a:r>
-              <a:rPr lang="en-US" dirty="0" smtClean="0">
+              <a:rPr lang="en-US" dirty="0">
                 <a:latin typeface="+mj-lt"/>
               </a:rPr>
               <a:t>(Even if you’re using Pandas, you’re using relational algebra!)</a:t>
@@ -21635,7 +20973,7 @@
           </a:p>
           <a:p>
             <a:r>
-              <a:rPr lang="en-US" dirty="0" smtClean="0">
+              <a:rPr lang="en-US" dirty="0">
                 <a:latin typeface="+mj-lt"/>
               </a:rPr>
               <a:t>Building data-intensive tools and applications</a:t>
@@ -21644,14 +20982,11 @@
           <a:p>
             <a:pPr lvl="1"/>
             <a:r>
-              <a:rPr lang="en-US" dirty="0" smtClean="0">
+              <a:rPr lang="en-US" dirty="0">
                 <a:latin typeface="+mj-lt"/>
               </a:rPr>
               <a:t>Many core concepts power deep learning frameworks to self-driving cars</a:t>
             </a:r>
-            <a:endParaRPr lang="en-US" dirty="0">
-              <a:latin typeface="+mj-lt"/>
-            </a:endParaRPr>
           </a:p>
         </p:txBody>
       </p:sp>
@@ -21688,13 +21023,6 @@
   <p:clrMapOvr>
     <a:masterClrMapping/>
   </p:clrMapOvr>
-  <p:timing>
-    <p:tnLst>
-      <p:par>
-        <p:cTn xmlns:p14="http://schemas.microsoft.com/office/powerpoint/2010/main" id="1" dur="indefinite" restart="never" nodeType="tmRoot"/>
-      </p:par>
-    </p:tnLst>
-  </p:timing>
 </p:sld>
 </file>
 
@@ -21731,10 +21059,9 @@
           <a:lstStyle/>
           <a:p>
             <a:r>
-              <a:rPr lang="en-US" dirty="0" smtClean="0"/>
+              <a:rPr lang="en-US" dirty="0"/>
               <a:t>What you will learn about in this section</a:t>
             </a:r>
-            <a:endParaRPr lang="en-US" dirty="0"/>
           </a:p>
         </p:txBody>
       </p:sp>
@@ -21764,7 +21091,7 @@
               <a:buAutoNum type="arabicPeriod"/>
             </a:pPr>
             <a:r>
-              <a:rPr lang="en-US" dirty="0" smtClean="0">
+              <a:rPr lang="en-US" dirty="0">
                 <a:latin typeface="+mj-lt"/>
               </a:rPr>
               <a:t>Transactions</a:t>
@@ -21774,7 +21101,7 @@
             <a:pPr marL="514350" indent="-514350">
               <a:buAutoNum type="arabicPeriod"/>
             </a:pPr>
-            <a:endParaRPr lang="en-US" dirty="0" smtClean="0">
+            <a:endParaRPr lang="en-US" dirty="0">
               <a:latin typeface="+mj-lt"/>
             </a:endParaRPr>
           </a:p>
@@ -21783,7 +21110,7 @@
               <a:buAutoNum type="arabicPeriod"/>
             </a:pPr>
             <a:r>
-              <a:rPr lang="en-US" dirty="0" smtClean="0">
+              <a:rPr lang="en-US" dirty="0">
                 <a:latin typeface="+mj-lt"/>
               </a:rPr>
               <a:t>Concurrency &amp; locking</a:t>
@@ -21793,7 +21120,7 @@
             <a:pPr marL="514350" indent="-514350">
               <a:buAutoNum type="arabicPeriod"/>
             </a:pPr>
-            <a:endParaRPr lang="en-US" dirty="0" smtClean="0">
+            <a:endParaRPr lang="en-US" dirty="0">
               <a:latin typeface="+mj-lt"/>
             </a:endParaRPr>
           </a:p>
@@ -21802,11 +21129,16 @@
               <a:buAutoNum type="arabicPeriod"/>
             </a:pPr>
             <a:r>
-              <a:rPr lang="en-US" dirty="0" smtClean="0">
+              <a:rPr lang="en-US" dirty="0">
                 <a:latin typeface="+mj-lt"/>
               </a:rPr>
               <a:t>Atomicity &amp; logging</a:t>
             </a:r>
+          </a:p>
+          <a:p>
+            <a:pPr marL="514350" indent="-514350">
+              <a:buAutoNum type="arabicPeriod"/>
+            </a:pPr>
             <a:endParaRPr lang="en-US" dirty="0">
               <a:latin typeface="+mj-lt"/>
             </a:endParaRPr>
@@ -21815,23 +21147,12 @@
             <a:pPr marL="514350" indent="-514350">
               <a:buAutoNum type="arabicPeriod"/>
             </a:pPr>
-            <a:endParaRPr lang="en-US" dirty="0" smtClean="0">
-              <a:latin typeface="+mj-lt"/>
-            </a:endParaRPr>
-          </a:p>
-          <a:p>
-            <a:pPr marL="514350" indent="-514350">
-              <a:buAutoNum type="arabicPeriod"/>
-            </a:pPr>
-            <a:r>
-              <a:rPr lang="en-US" dirty="0" smtClean="0">
+            <a:r>
+              <a:rPr lang="en-US" dirty="0">
                 <a:latin typeface="+mj-lt"/>
               </a:rPr>
               <a:t>Summary</a:t>
             </a:r>
-            <a:endParaRPr lang="en-US" dirty="0">
-              <a:latin typeface="+mj-lt"/>
-            </a:endParaRPr>
           </a:p>
         </p:txBody>
       </p:sp>
@@ -21950,18 +21271,6 @@
             <a:lstStyle/>
             <a:p>
               <a:r>
-                <a:rPr lang="en-US" sz="1400" b="1" i="1" dirty="0" smtClean="0">
-                  <a:solidFill>
-                    <a:schemeClr val="tx1">
-                      <a:lumMod val="65000"/>
-                      <a:lumOff val="35000"/>
-                    </a:schemeClr>
-                  </a:solidFill>
-                  <a:latin typeface="+mj-lt"/>
-                </a:rPr>
-                <a:t>Section </a:t>
-              </a:r>
-              <a:r>
                 <a:rPr lang="en-US" sz="1400" b="1" i="1" dirty="0">
                   <a:solidFill>
                     <a:schemeClr val="tx1">
@@ -21971,7 +21280,7 @@
                   </a:solidFill>
                   <a:latin typeface="+mj-lt"/>
                 </a:rPr>
-                <a:t>3</a:t>
+                <a:t>Section 3</a:t>
               </a:r>
             </a:p>
           </p:txBody>
@@ -22030,10 +21339,9 @@
           <a:lstStyle/>
           <a:p>
             <a:r>
-              <a:rPr lang="en-US" dirty="0" smtClean="0"/>
+              <a:rPr lang="en-US" dirty="0"/>
               <a:t>Challenges with Many Users</a:t>
             </a:r>
-            <a:endParaRPr lang="en-US" dirty="0"/>
           </a:p>
         </p:txBody>
       </p:sp>
@@ -22060,24 +21368,24 @@
           <a:lstStyle/>
           <a:p>
             <a:r>
-              <a:rPr lang="en-US" dirty="0" smtClean="0"/>
+              <a:rPr lang="en-US" dirty="0"/>
               <a:t>Suppose that our CMS application serves 1000’s of users or more- what are some </a:t>
             </a:r>
             <a:r>
-              <a:rPr lang="en-US" b="1" dirty="0" smtClean="0"/>
+              <a:rPr lang="en-US" b="1" dirty="0"/>
               <a:t>challenges?</a:t>
             </a:r>
           </a:p>
           <a:p>
-            <a:endParaRPr lang="en-US" dirty="0" smtClean="0"/>
+            <a:endParaRPr lang="en-US" dirty="0"/>
           </a:p>
           <a:p>
             <a:pPr lvl="1"/>
-            <a:endParaRPr lang="en-US" dirty="0" smtClean="0"/>
+            <a:endParaRPr lang="en-US" dirty="0"/>
           </a:p>
           <a:p>
             <a:pPr lvl="1"/>
-            <a:endParaRPr lang="en-US" dirty="0" smtClean="0"/>
+            <a:endParaRPr lang="en-US" dirty="0"/>
           </a:p>
           <a:p>
             <a:endParaRPr lang="en-US" dirty="0"/>
@@ -22135,17 +21443,8 @@
               <a:rPr lang="en-US" sz="2400" dirty="0">
                 <a:latin typeface="+mj-lt"/>
               </a:rPr>
-              <a:t> </a:t>
-            </a:r>
-            <a:r>
-              <a:rPr lang="en-US" sz="2400" dirty="0" smtClean="0">
-                <a:latin typeface="+mj-lt"/>
-              </a:rPr>
-              <a:t>user</a:t>
-            </a:r>
-            <a:endParaRPr lang="en-US" sz="2400" dirty="0">
-              <a:latin typeface="+mj-lt"/>
-            </a:endParaRPr>
+              <a:t> user</a:t>
+            </a:r>
           </a:p>
         </p:txBody>
       </p:sp>
@@ -22308,18 +21607,6 @@
             <a:lstStyle/>
             <a:p>
               <a:r>
-                <a:rPr lang="en-US" sz="1400" b="1" i="1" dirty="0" smtClean="0">
-                  <a:solidFill>
-                    <a:schemeClr val="tx1">
-                      <a:lumMod val="65000"/>
-                      <a:lumOff val="35000"/>
-                    </a:schemeClr>
-                  </a:solidFill>
-                  <a:latin typeface="+mj-lt"/>
-                </a:rPr>
-                <a:t>Section </a:t>
-              </a:r>
-              <a:r>
                 <a:rPr lang="en-US" sz="1400" b="1" i="1" dirty="0">
                   <a:solidFill>
                     <a:schemeClr val="tx1">
@@ -22329,29 +21616,8 @@
                   </a:solidFill>
                   <a:latin typeface="+mj-lt"/>
                 </a:rPr>
-                <a:t>3</a:t>
+                <a:t>Section 3  &gt;  DBMS Challenges</a:t>
               </a:r>
-              <a:r>
-                <a:rPr lang="en-US" sz="1400" b="1" i="1" dirty="0" smtClean="0">
-                  <a:solidFill>
-                    <a:schemeClr val="tx1">
-                      <a:lumMod val="65000"/>
-                      <a:lumOff val="35000"/>
-                    </a:schemeClr>
-                  </a:solidFill>
-                  <a:latin typeface="+mj-lt"/>
-                </a:rPr>
-                <a:t>  &gt;  DBMS Challenges</a:t>
-              </a:r>
-              <a:endParaRPr lang="en-US" sz="1400" b="1" i="1" dirty="0">
-                <a:solidFill>
-                  <a:schemeClr val="tx1">
-                    <a:lumMod val="65000"/>
-                    <a:lumOff val="35000"/>
-                  </a:schemeClr>
-                </a:solidFill>
-                <a:latin typeface="+mj-lt"/>
-              </a:endParaRPr>
             </a:p>
           </p:txBody>
         </p:sp>
@@ -22387,16 +21653,12 @@
             </a:r>
             <a:r>
               <a:rPr lang="en-US" sz="2400" dirty="0"/>
-              <a:t>: Different users, different </a:t>
-            </a:r>
-            <a:r>
-              <a:rPr lang="en-US" sz="2400" dirty="0" smtClean="0"/>
-              <a:t>roles</a:t>
+              <a:t>: Different users, different roles</a:t>
             </a:r>
           </a:p>
           <a:p>
             <a:pPr lvl="1"/>
-            <a:endParaRPr lang="en-US" sz="2400" i="1" dirty="0" smtClean="0"/>
+            <a:endParaRPr lang="en-US" sz="2400" i="1" dirty="0"/>
           </a:p>
           <a:p>
             <a:pPr lvl="1"/>
@@ -22476,18 +21738,17 @@
           <a:p>
             <a:pPr marL="0" lvl="1"/>
             <a:r>
-              <a:rPr lang="en-US" i="1" dirty="0" smtClean="0"/>
+              <a:rPr lang="en-US" i="1" dirty="0"/>
               <a:t>We won’t look at too much in this course, but is </a:t>
             </a:r>
             <a:r>
-              <a:rPr lang="en-US" i="1" u="sng" dirty="0" smtClean="0"/>
+              <a:rPr lang="en-US" i="1" u="sng" dirty="0"/>
               <a:t>extremely</a:t>
             </a:r>
             <a:r>
-              <a:rPr lang="en-US" i="1" dirty="0" smtClean="0"/>
+              <a:rPr lang="en-US" i="1" dirty="0"/>
               <a:t> important</a:t>
             </a:r>
-            <a:endParaRPr lang="en-US" i="1" dirty="0"/>
           </a:p>
         </p:txBody>
       </p:sp>
@@ -22845,10 +22106,9 @@
           <a:lstStyle/>
           <a:p>
             <a:r>
-              <a:rPr lang="en-US" dirty="0" smtClean="0"/>
+              <a:rPr lang="en-US" dirty="0"/>
               <a:t>Transactions</a:t>
             </a:r>
-            <a:endParaRPr lang="en-US" dirty="0"/>
           </a:p>
         </p:txBody>
       </p:sp>
@@ -22875,31 +22135,31 @@
           <a:lstStyle/>
           <a:p>
             <a:r>
-              <a:rPr lang="en-US" dirty="0" smtClean="0"/>
+              <a:rPr lang="en-US" dirty="0"/>
               <a:t>A key concept is the </a:t>
             </a:r>
             <a:r>
-              <a:rPr lang="en-US" b="1" dirty="0" smtClean="0"/>
+              <a:rPr lang="en-US" b="1" dirty="0"/>
               <a:t>transaction (TXN)</a:t>
             </a:r>
             <a:r>
-              <a:rPr lang="en-US" dirty="0" smtClean="0"/>
+              <a:rPr lang="en-US" dirty="0"/>
               <a:t>: an</a:t>
             </a:r>
             <a:r>
-              <a:rPr lang="en-US" i="1" dirty="0" smtClean="0"/>
+              <a:rPr lang="en-US" i="1" dirty="0"/>
               <a:t> </a:t>
             </a:r>
             <a:r>
-              <a:rPr lang="en-US" b="1" dirty="0" smtClean="0"/>
+              <a:rPr lang="en-US" b="1" dirty="0"/>
               <a:t>atomic</a:t>
             </a:r>
             <a:r>
-              <a:rPr lang="en-US" i="1" dirty="0" smtClean="0"/>
+              <a:rPr lang="en-US" i="1" dirty="0"/>
               <a:t> </a:t>
             </a:r>
             <a:r>
-              <a:rPr lang="en-US" dirty="0" smtClean="0"/>
+              <a:rPr lang="en-US" dirty="0"/>
               <a:t>sequence of db actions (reads/writes)</a:t>
             </a:r>
           </a:p>
@@ -22907,7 +22167,7 @@
             <a:pPr>
               <a:buNone/>
             </a:pPr>
-            <a:endParaRPr lang="en-US" dirty="0" smtClean="0"/>
+            <a:endParaRPr lang="en-US" dirty="0"/>
           </a:p>
         </p:txBody>
       </p:sp>
@@ -23093,7 +22353,7 @@
             <a:lstStyle/>
             <a:p>
               <a:r>
-                <a:rPr lang="en-US" sz="1400" b="1" i="1" dirty="0" smtClean="0">
+                <a:rPr lang="en-US" sz="1400" b="1" i="1" dirty="0">
                   <a:solidFill>
                     <a:schemeClr val="tx1">
                       <a:lumMod val="65000"/>
@@ -23104,15 +22364,6 @@
                 </a:rPr>
                 <a:t>Section 3  &gt;  DBMS Challenges</a:t>
               </a:r>
-              <a:endParaRPr lang="en-US" sz="1400" b="1" i="1" dirty="0">
-                <a:solidFill>
-                  <a:schemeClr val="tx1">
-                    <a:lumMod val="65000"/>
-                    <a:lumOff val="35000"/>
-                  </a:schemeClr>
-                </a:solidFill>
-                <a:latin typeface="+mj-lt"/>
-              </a:endParaRPr>
             </a:p>
           </p:txBody>
         </p:sp>
@@ -23142,8 +22393,20 @@
                 <a:tableStyleId>{69012ECD-51FC-41F1-AA8D-1B2483CD663E}</a:tableStyleId>
               </a:tblPr>
               <a:tblGrid>
-                <a:gridCol w="1111499"/>
-                <a:gridCol w="1683328"/>
+                <a:gridCol w="1111499">
+                  <a:extLst>
+                    <a:ext uri="{9D8B030D-6E8A-4147-A177-3AD203B41FA5}">
+                      <a16:colId xmlns:a16="http://schemas.microsoft.com/office/drawing/2014/main" xmlns="" val="20000"/>
+                    </a:ext>
+                  </a:extLst>
+                </a:gridCol>
+                <a:gridCol w="1683328">
+                  <a:extLst>
+                    <a:ext uri="{9D8B030D-6E8A-4147-A177-3AD203B41FA5}">
+                      <a16:colId xmlns:a16="http://schemas.microsoft.com/office/drawing/2014/main" xmlns="" val="20001"/>
+                    </a:ext>
+                  </a:extLst>
+                </a:gridCol>
               </a:tblGrid>
               <a:tr h="370840">
                 <a:tc>
@@ -23153,10 +22416,9 @@
                     <a:p>
                       <a:pPr algn="ctr"/>
                       <a:r>
-                        <a:rPr lang="en-US" sz="3000" baseline="0" dirty="0" smtClean="0"/>
+                        <a:rPr lang="en-US" sz="3000" baseline="0" dirty="0"/>
                         <a:t> Acct</a:t>
                       </a:r>
-                      <a:endParaRPr lang="en-US" sz="3000" baseline="0" dirty="0"/>
                     </a:p>
                   </a:txBody>
                   <a:tcPr/>
@@ -23168,14 +22430,18 @@
                     <a:p>
                       <a:pPr algn="ctr"/>
                       <a:r>
-                        <a:rPr lang="en-US" sz="3000" baseline="0" dirty="0" smtClean="0"/>
+                        <a:rPr lang="en-US" sz="3000" baseline="0" dirty="0"/>
                         <a:t>Balance</a:t>
                       </a:r>
-                      <a:endParaRPr lang="en-US" sz="3000" baseline="0" dirty="0"/>
                     </a:p>
                   </a:txBody>
                   <a:tcPr/>
                 </a:tc>
+                <a:extLst>
+                  <a:ext uri="{0D108BD9-81ED-4DB2-BD59-A6C34878D82A}">
+                    <a16:rowId xmlns:a16="http://schemas.microsoft.com/office/drawing/2014/main" xmlns="" val="10000"/>
+                  </a:ext>
+                </a:extLst>
               </a:tr>
               <a:tr h="370840">
                 <a:tc>
@@ -23185,10 +22451,9 @@
                     <a:p>
                       <a:pPr algn="r"/>
                       <a:r>
-                        <a:rPr lang="en-US" sz="3000" baseline="0" dirty="0" smtClean="0"/>
+                        <a:rPr lang="en-US" sz="3000" baseline="0" dirty="0"/>
                         <a:t>a10</a:t>
                       </a:r>
-                      <a:endParaRPr lang="en-US" sz="3000" baseline="0" dirty="0"/>
                     </a:p>
                   </a:txBody>
                   <a:tcPr/>
@@ -23200,14 +22465,18 @@
                     <a:p>
                       <a:pPr algn="r"/>
                       <a:r>
-                        <a:rPr lang="en-US" sz="3000" baseline="0" dirty="0" smtClean="0"/>
+                        <a:rPr lang="en-US" sz="3000" baseline="0" dirty="0"/>
                         <a:t>20,000</a:t>
                       </a:r>
-                      <a:endParaRPr lang="en-US" sz="3000" baseline="0" dirty="0"/>
                     </a:p>
                   </a:txBody>
                   <a:tcPr/>
                 </a:tc>
+                <a:extLst>
+                  <a:ext uri="{0D108BD9-81ED-4DB2-BD59-A6C34878D82A}">
+                    <a16:rowId xmlns:a16="http://schemas.microsoft.com/office/drawing/2014/main" xmlns="" val="10001"/>
+                  </a:ext>
+                </a:extLst>
               </a:tr>
               <a:tr h="370840">
                 <a:tc>
@@ -23217,10 +22486,9 @@
                     <a:p>
                       <a:pPr algn="r"/>
                       <a:r>
-                        <a:rPr lang="en-US" sz="3000" baseline="0" dirty="0" smtClean="0"/>
+                        <a:rPr lang="en-US" sz="3000" baseline="0" dirty="0"/>
                         <a:t>a20</a:t>
                       </a:r>
-                      <a:endParaRPr lang="en-US" sz="3000" baseline="0" dirty="0"/>
                     </a:p>
                   </a:txBody>
                   <a:tcPr/>
@@ -23232,14 +22500,18 @@
                     <a:p>
                       <a:pPr algn="r"/>
                       <a:r>
-                        <a:rPr lang="en-US" sz="3000" baseline="0" dirty="0" smtClean="0"/>
+                        <a:rPr lang="en-US" sz="3000" baseline="0" dirty="0"/>
                         <a:t>15,000</a:t>
                       </a:r>
-                      <a:endParaRPr lang="en-US" sz="3000" baseline="0" dirty="0"/>
                     </a:p>
                   </a:txBody>
                   <a:tcPr/>
                 </a:tc>
+                <a:extLst>
+                  <a:ext uri="{0D108BD9-81ED-4DB2-BD59-A6C34878D82A}">
+                    <a16:rowId xmlns:a16="http://schemas.microsoft.com/office/drawing/2014/main" xmlns="" val="10002"/>
+                  </a:ext>
+                </a:extLst>
               </a:tr>
             </a:tbl>
           </a:graphicData>
@@ -23270,8 +22542,20 @@
                 <a:tableStyleId>{69012ECD-51FC-41F1-AA8D-1B2483CD663E}</a:tableStyleId>
               </a:tblPr>
               <a:tblGrid>
-                <a:gridCol w="1111499"/>
-                <a:gridCol w="1683328"/>
+                <a:gridCol w="1111499">
+                  <a:extLst>
+                    <a:ext uri="{9D8B030D-6E8A-4147-A177-3AD203B41FA5}">
+                      <a16:colId xmlns:a16="http://schemas.microsoft.com/office/drawing/2014/main" xmlns="" val="20000"/>
+                    </a:ext>
+                  </a:extLst>
+                </a:gridCol>
+                <a:gridCol w="1683328">
+                  <a:extLst>
+                    <a:ext uri="{9D8B030D-6E8A-4147-A177-3AD203B41FA5}">
+                      <a16:colId xmlns:a16="http://schemas.microsoft.com/office/drawing/2014/main" xmlns="" val="20001"/>
+                    </a:ext>
+                  </a:extLst>
+                </a:gridCol>
               </a:tblGrid>
               <a:tr h="370840">
                 <a:tc>
@@ -23281,10 +22565,9 @@
                     <a:p>
                       <a:pPr algn="ctr"/>
                       <a:r>
-                        <a:rPr lang="en-US" sz="3000" baseline="0" dirty="0" smtClean="0"/>
+                        <a:rPr lang="en-US" sz="3000" baseline="0" dirty="0"/>
                         <a:t> Acct</a:t>
                       </a:r>
-                      <a:endParaRPr lang="en-US" sz="3000" baseline="0" dirty="0"/>
                     </a:p>
                   </a:txBody>
                   <a:tcPr/>
@@ -23296,14 +22579,18 @@
                     <a:p>
                       <a:pPr algn="ctr"/>
                       <a:r>
-                        <a:rPr lang="en-US" sz="3000" baseline="0" dirty="0" smtClean="0"/>
+                        <a:rPr lang="en-US" sz="3000" baseline="0" dirty="0"/>
                         <a:t>Balance</a:t>
                       </a:r>
-                      <a:endParaRPr lang="en-US" sz="3000" baseline="0" dirty="0"/>
                     </a:p>
                   </a:txBody>
                   <a:tcPr/>
                 </a:tc>
+                <a:extLst>
+                  <a:ext uri="{0D108BD9-81ED-4DB2-BD59-A6C34878D82A}">
+                    <a16:rowId xmlns:a16="http://schemas.microsoft.com/office/drawing/2014/main" xmlns="" val="10000"/>
+                  </a:ext>
+                </a:extLst>
               </a:tr>
               <a:tr h="370840">
                 <a:tc>
@@ -23313,10 +22600,9 @@
                     <a:p>
                       <a:pPr algn="r"/>
                       <a:r>
-                        <a:rPr lang="en-US" sz="3000" baseline="0" dirty="0" smtClean="0"/>
+                        <a:rPr lang="en-US" sz="3000" baseline="0" dirty="0"/>
                         <a:t>a10</a:t>
                       </a:r>
-                      <a:endParaRPr lang="en-US" sz="3000" baseline="0" dirty="0"/>
                     </a:p>
                   </a:txBody>
                   <a:tcPr/>
@@ -23328,14 +22614,18 @@
                     <a:p>
                       <a:pPr algn="r"/>
                       <a:r>
-                        <a:rPr lang="en-US" sz="3000" baseline="0" dirty="0" smtClean="0"/>
+                        <a:rPr lang="en-US" sz="3000" baseline="0" dirty="0"/>
                         <a:t>17,000</a:t>
                       </a:r>
-                      <a:endParaRPr lang="en-US" sz="3000" baseline="0" dirty="0"/>
                     </a:p>
                   </a:txBody>
                   <a:tcPr/>
                 </a:tc>
+                <a:extLst>
+                  <a:ext uri="{0D108BD9-81ED-4DB2-BD59-A6C34878D82A}">
+                    <a16:rowId xmlns:a16="http://schemas.microsoft.com/office/drawing/2014/main" xmlns="" val="10001"/>
+                  </a:ext>
+                </a:extLst>
               </a:tr>
               <a:tr h="370840">
                 <a:tc>
@@ -23345,10 +22635,9 @@
                     <a:p>
                       <a:pPr algn="r"/>
                       <a:r>
-                        <a:rPr lang="en-US" sz="3000" baseline="0" dirty="0" smtClean="0"/>
+                        <a:rPr lang="en-US" sz="3000" baseline="0" dirty="0"/>
                         <a:t>a20</a:t>
                       </a:r>
-                      <a:endParaRPr lang="en-US" sz="3000" baseline="0" dirty="0"/>
                     </a:p>
                   </a:txBody>
                   <a:tcPr/>
@@ -23360,14 +22649,18 @@
                     <a:p>
                       <a:pPr algn="r"/>
                       <a:r>
-                        <a:rPr lang="en-US" sz="3000" baseline="0" dirty="0" smtClean="0"/>
+                        <a:rPr lang="en-US" sz="3000" baseline="0" dirty="0"/>
                         <a:t>18,000</a:t>
                       </a:r>
-                      <a:endParaRPr lang="en-US" sz="3000" baseline="0" dirty="0"/>
                     </a:p>
                   </a:txBody>
                   <a:tcPr/>
                 </a:tc>
+                <a:extLst>
+                  <a:ext uri="{0D108BD9-81ED-4DB2-BD59-A6C34878D82A}">
+                    <a16:rowId xmlns:a16="http://schemas.microsoft.com/office/drawing/2014/main" xmlns="" val="10002"/>
+                  </a:ext>
+                </a:extLst>
               </a:tr>
             </a:tbl>
           </a:graphicData>
@@ -23401,7 +22694,7 @@
           <a:lstStyle/>
           <a:p>
             <a:r>
-              <a:rPr lang="en-US" sz="3000" dirty="0" smtClean="0"/>
+              <a:rPr lang="en-US" sz="3000" dirty="0"/>
               <a:t>Transfer $3k from a10 to a20:</a:t>
             </a:r>
           </a:p>
@@ -23411,7 +22704,7 @@
               <a:buAutoNum type="arabicPeriod"/>
             </a:pPr>
             <a:r>
-              <a:rPr lang="en-US" sz="3000" dirty="0" smtClean="0"/>
+              <a:rPr lang="en-US" sz="3000" dirty="0"/>
               <a:t>Debit $3k from a10</a:t>
             </a:r>
           </a:p>
@@ -23421,7 +22714,7 @@
               <a:buAutoNum type="arabicPeriod"/>
             </a:pPr>
             <a:r>
-              <a:rPr lang="en-US" sz="3000" dirty="0" smtClean="0"/>
+              <a:rPr lang="en-US" sz="3000" dirty="0"/>
               <a:t>Credit $3k to a20</a:t>
             </a:r>
           </a:p>
@@ -23454,7 +22747,7 @@
               <a:buChar char="•"/>
             </a:pPr>
             <a:r>
-              <a:rPr lang="en-US" sz="3000" dirty="0" smtClean="0"/>
+              <a:rPr lang="en-US" sz="3000" dirty="0"/>
               <a:t>Crash before 1,</a:t>
             </a:r>
           </a:p>
@@ -23465,11 +22758,7 @@
             </a:pPr>
             <a:r>
               <a:rPr lang="en-US" sz="3000" dirty="0"/>
-              <a:t>A</a:t>
-            </a:r>
-            <a:r>
-              <a:rPr lang="en-US" sz="3000" dirty="0" smtClean="0"/>
-              <a:t>fter 1 but before 2, </a:t>
+              <a:t>After 1 but before 2, </a:t>
             </a:r>
           </a:p>
           <a:p>
@@ -23479,13 +22768,8 @@
             </a:pPr>
             <a:r>
               <a:rPr lang="en-US" sz="3000" dirty="0"/>
-              <a:t>A</a:t>
-            </a:r>
-            <a:r>
-              <a:rPr lang="en-US" sz="3000" dirty="0" smtClean="0"/>
-              <a:t>fter 2.</a:t>
-            </a:r>
-            <a:endParaRPr lang="en-US" sz="3000" dirty="0"/>
+              <a:t>After 2.</a:t>
+            </a:r>
           </a:p>
         </p:txBody>
       </p:sp>
@@ -23513,18 +22797,17 @@
           <a:p>
             <a:pPr algn="ctr"/>
             <a:r>
-              <a:rPr lang="en-US" sz="3000" dirty="0" smtClean="0"/>
+              <a:rPr lang="en-US" sz="3000" dirty="0"/>
               <a:t>Written naively, in which states is </a:t>
             </a:r>
             <a:r>
-              <a:rPr lang="en-US" sz="3000" b="1" dirty="0" smtClean="0"/>
+              <a:rPr lang="en-US" sz="3000" b="1" dirty="0"/>
               <a:t>atomicity</a:t>
             </a:r>
             <a:r>
-              <a:rPr lang="en-US" sz="3000" dirty="0" smtClean="0"/>
+              <a:rPr lang="en-US" sz="3000" dirty="0"/>
               <a:t> preserved?</a:t>
             </a:r>
-            <a:endParaRPr lang="en-US" sz="3000" dirty="0"/>
           </a:p>
         </p:txBody>
       </p:sp>
@@ -23557,10 +22840,9 @@
           <a:p>
             <a:pPr algn="ctr"/>
             <a:r>
-              <a:rPr lang="en-US" sz="3000" dirty="0" smtClean="0"/>
+              <a:rPr lang="en-US" sz="3000" dirty="0"/>
               <a:t>DB Always preserves atomicity!</a:t>
             </a:r>
-            <a:endParaRPr lang="en-US" sz="3000" dirty="0"/>
           </a:p>
         </p:txBody>
       </p:sp>
@@ -23921,10 +23203,9 @@
           <a:lstStyle/>
           <a:p>
             <a:r>
-              <a:rPr lang="en-US" dirty="0" smtClean="0"/>
+              <a:rPr lang="en-US" dirty="0"/>
               <a:t>Transactions</a:t>
             </a:r>
-            <a:endParaRPr lang="en-US" dirty="0"/>
           </a:p>
         </p:txBody>
       </p:sp>
@@ -23951,38 +23232,38 @@
           <a:lstStyle/>
           <a:p>
             <a:r>
-              <a:rPr lang="en-US" dirty="0" smtClean="0"/>
+              <a:rPr lang="en-US" dirty="0"/>
               <a:t>A key concept is the </a:t>
             </a:r>
             <a:r>
-              <a:rPr lang="en-US" b="1" dirty="0" smtClean="0"/>
+              <a:rPr lang="en-US" b="1" dirty="0"/>
               <a:t>transaction (TXN)</a:t>
             </a:r>
             <a:r>
-              <a:rPr lang="en-US" dirty="0" smtClean="0"/>
+              <a:rPr lang="en-US" dirty="0"/>
               <a:t>: an</a:t>
             </a:r>
             <a:r>
-              <a:rPr lang="en-US" i="1" dirty="0" smtClean="0"/>
+              <a:rPr lang="en-US" i="1" dirty="0"/>
               <a:t> </a:t>
             </a:r>
             <a:r>
-              <a:rPr lang="en-US" b="1" dirty="0" smtClean="0"/>
+              <a:rPr lang="en-US" b="1" dirty="0"/>
               <a:t>atomic</a:t>
             </a:r>
             <a:r>
-              <a:rPr lang="en-US" i="1" dirty="0" smtClean="0"/>
+              <a:rPr lang="en-US" i="1" dirty="0"/>
               <a:t> </a:t>
             </a:r>
             <a:r>
-              <a:rPr lang="en-US" dirty="0" smtClean="0"/>
+              <a:rPr lang="en-US" dirty="0"/>
               <a:t>sequence of db actions (reads/writes)</a:t>
             </a:r>
           </a:p>
           <a:p>
             <a:pPr lvl="1"/>
             <a:r>
-              <a:rPr lang="en-US" dirty="0" smtClean="0"/>
+              <a:rPr lang="en-US" dirty="0"/>
               <a:t>If a user cancels a TXN, it should be as if nothing happened!</a:t>
             </a:r>
           </a:p>
@@ -23990,38 +23271,38 @@
             <a:pPr>
               <a:buNone/>
             </a:pPr>
-            <a:endParaRPr lang="en-US" dirty="0" smtClean="0"/>
-          </a:p>
-          <a:p>
-            <a:r>
-              <a:rPr lang="en-US" dirty="0" smtClean="0"/>
+            <a:endParaRPr lang="en-US" dirty="0"/>
+          </a:p>
+          <a:p>
+            <a:r>
+              <a:rPr lang="en-US" dirty="0"/>
               <a:t>Transactions leave the DB in a </a:t>
             </a:r>
             <a:r>
-              <a:rPr lang="en-US" b="1" dirty="0" smtClean="0"/>
+              <a:rPr lang="en-US" b="1" dirty="0"/>
               <a:t>consistent</a:t>
             </a:r>
             <a:r>
-              <a:rPr lang="en-US" dirty="0" smtClean="0"/>
+              <a:rPr lang="en-US" dirty="0"/>
               <a:t> state</a:t>
             </a:r>
           </a:p>
           <a:p>
             <a:pPr lvl="1"/>
             <a:r>
-              <a:rPr lang="en-US" dirty="0" smtClean="0"/>
+              <a:rPr lang="en-US" dirty="0"/>
               <a:t>Users may write </a:t>
             </a:r>
             <a:r>
-              <a:rPr lang="en-US" u="sng" dirty="0" smtClean="0"/>
+              <a:rPr lang="en-US" u="sng" dirty="0"/>
               <a:t>integrity constraints</a:t>
             </a:r>
             <a:r>
-              <a:rPr lang="en-US" i="1" dirty="0" smtClean="0"/>
+              <a:rPr lang="en-US" i="1" dirty="0"/>
               <a:t>,</a:t>
             </a:r>
             <a:r>
-              <a:rPr lang="en-US" dirty="0" smtClean="0"/>
+              <a:rPr lang="en-US" dirty="0"/>
               <a:t> e.g., ‘each course is assigned to exactly one room’</a:t>
             </a:r>
           </a:p>
@@ -24209,7 +23490,7 @@
             <a:lstStyle/>
             <a:p>
               <a:r>
-                <a:rPr lang="en-US" sz="1400" b="1" i="1" dirty="0" smtClean="0">
+                <a:rPr lang="en-US" sz="1400" b="1" i="1" dirty="0">
                   <a:solidFill>
                     <a:schemeClr val="tx1">
                       <a:lumMod val="65000"/>
@@ -24220,15 +23501,6 @@
                 </a:rPr>
                 <a:t>Section 3  &gt;  DBMS Challenges</a:t>
               </a:r>
-              <a:endParaRPr lang="en-US" sz="1400" b="1" i="1" dirty="0">
-                <a:solidFill>
-                  <a:schemeClr val="tx1">
-                    <a:lumMod val="65000"/>
-                    <a:lumOff val="35000"/>
-                  </a:schemeClr>
-                </a:solidFill>
-                <a:latin typeface="+mj-lt"/>
-              </a:endParaRPr>
             </a:p>
           </p:txBody>
         </p:sp>
@@ -24268,13 +23540,13 @@
           <a:lstStyle/>
           <a:p>
             <a:r>
-              <a:rPr lang="en-US" sz="2400" b="1" u="sng" dirty="0" smtClean="0">
+              <a:rPr lang="en-US" sz="2400" b="1" u="sng" dirty="0">
                 <a:latin typeface="+mj-lt"/>
               </a:rPr>
               <a:t>Consistency</a:t>
             </a:r>
             <a:r>
-              <a:rPr lang="en-US" sz="2400" dirty="0" smtClean="0">
+              <a:rPr lang="en-US" sz="2400" dirty="0">
                 <a:latin typeface="+mj-lt"/>
               </a:rPr>
               <a:t>: An action results in a state which conforms to all integrity constraints</a:t>
@@ -24320,20 +23592,16 @@
           <a:lstStyle/>
           <a:p>
             <a:r>
-              <a:rPr lang="en-US" sz="2400" dirty="0" smtClean="0"/>
+              <a:rPr lang="en-US" sz="2400" dirty="0"/>
               <a:t>However</a:t>
             </a:r>
             <a:r>
-              <a:rPr lang="en-US" sz="2400" b="1" dirty="0" smtClean="0"/>
+              <a:rPr lang="en-US" sz="2400" b="1" dirty="0"/>
               <a:t>,</a:t>
             </a:r>
             <a:r>
-              <a:rPr lang="en-US" sz="2400" dirty="0" smtClean="0"/>
-              <a:t> note that the DBMS </a:t>
-            </a:r>
-            <a:r>
               <a:rPr lang="en-US" sz="2400" dirty="0"/>
-              <a:t>does not understand the </a:t>
+              <a:t> note that the DBMS does not understand the </a:t>
             </a:r>
             <a:r>
               <a:rPr lang="en-US" sz="2400" i="1" dirty="0"/>
@@ -24341,15 +23609,7 @@
             </a:r>
             <a:r>
               <a:rPr lang="en-US" sz="2400" dirty="0"/>
-              <a:t> </a:t>
-            </a:r>
-            <a:r>
-              <a:rPr lang="en-US" sz="2400" dirty="0" smtClean="0"/>
-              <a:t>meaning of the constraints– </a:t>
-            </a:r>
-            <a:r>
-              <a:rPr lang="en-US" sz="2400" dirty="0"/>
-              <a:t>consistency burden is still on the user!</a:t>
+              <a:t> meaning of the constraints– consistency burden is still on the user!</a:t>
             </a:r>
           </a:p>
         </p:txBody>
@@ -24694,10 +23954,9 @@
           <a:lstStyle/>
           <a:p>
             <a:r>
-              <a:rPr lang="en-US" dirty="0" smtClean="0"/>
+              <a:rPr lang="en-US" dirty="0"/>
               <a:t>Challenge: Scheduling Concurrent Transactions</a:t>
             </a:r>
-            <a:endParaRPr lang="en-US" dirty="0"/>
           </a:p>
         </p:txBody>
       </p:sp>
@@ -24724,27 +23983,23 @@
           <a:lstStyle/>
           <a:p>
             <a:r>
-              <a:rPr lang="en-US" dirty="0" smtClean="0"/>
-              <a:t>The DBMS ensures that the execution </a:t>
-            </a:r>
-            <a:r>
               <a:rPr lang="en-US" dirty="0"/>
-              <a:t>of {T</a:t>
+              <a:t>The DBMS ensures that the execution of {T</a:t>
             </a:r>
             <a:r>
               <a:rPr lang="en-US" baseline="-25000" dirty="0"/>
               <a:t>1</a:t>
             </a:r>
             <a:r>
-              <a:rPr lang="en-US" dirty="0" smtClean="0"/>
+              <a:rPr lang="en-US" dirty="0"/>
               <a:t>,…,</a:t>
             </a:r>
             <a:r>
-              <a:rPr lang="en-US" dirty="0" err="1" smtClean="0"/>
+              <a:rPr lang="en-US" dirty="0" err="1"/>
               <a:t>T</a:t>
             </a:r>
             <a:r>
-              <a:rPr lang="en-US" baseline="-25000" dirty="0" err="1" smtClean="0"/>
+              <a:rPr lang="en-US" baseline="-25000" dirty="0" err="1"/>
               <a:t>n</a:t>
             </a:r>
             <a:r>
@@ -24760,7 +24015,7 @@
               <a:t> </a:t>
             </a:r>
             <a:r>
-              <a:rPr lang="en-US" dirty="0" smtClean="0"/>
+              <a:rPr lang="en-US" dirty="0"/>
               <a:t>execution</a:t>
             </a:r>
           </a:p>
@@ -24770,11 +24025,11 @@
           </a:p>
           <a:p>
             <a:r>
-              <a:rPr lang="en-US" dirty="0" smtClean="0"/>
+              <a:rPr lang="en-US" dirty="0"/>
               <a:t>One way to accomplish this: </a:t>
             </a:r>
             <a:r>
-              <a:rPr lang="en-US" b="1" dirty="0" smtClean="0"/>
+              <a:rPr lang="en-US" b="1" dirty="0"/>
               <a:t>Locking</a:t>
             </a:r>
           </a:p>
@@ -24787,23 +24042,23 @@
           </a:p>
           <a:p>
             <a:pPr lvl="1"/>
-            <a:endParaRPr lang="en-US" i="1" dirty="0" smtClean="0"/>
-          </a:p>
-          <a:p>
-            <a:r>
-              <a:rPr lang="en-US" b="1" dirty="0" smtClean="0"/>
+            <a:endParaRPr lang="en-US" i="1" dirty="0"/>
+          </a:p>
+          <a:p>
+            <a:r>
+              <a:rPr lang="en-US" b="1" dirty="0"/>
               <a:t>Key Idea</a:t>
             </a:r>
             <a:r>
-              <a:rPr lang="en-US" i="1" dirty="0" smtClean="0"/>
+              <a:rPr lang="en-US" i="1" dirty="0"/>
               <a:t>:</a:t>
             </a:r>
             <a:r>
-              <a:rPr lang="en-US" b="1" dirty="0" smtClean="0"/>
+              <a:rPr lang="en-US" b="1" dirty="0"/>
               <a:t> </a:t>
             </a:r>
             <a:r>
-              <a:rPr lang="en-US" dirty="0" smtClean="0"/>
+              <a:rPr lang="en-US" dirty="0"/>
               <a:t>If </a:t>
             </a:r>
             <a:r>
@@ -24878,16 +24133,8 @@
               <a:buChar char="•"/>
             </a:pPr>
             <a:r>
-              <a:rPr lang="en-US" dirty="0" smtClean="0"/>
-              <a:t>only </a:t>
-            </a:r>
-            <a:r>
               <a:rPr lang="en-US" dirty="0"/>
-              <a:t>one winner gets the </a:t>
-            </a:r>
-            <a:r>
-              <a:rPr lang="en-US" dirty="0" smtClean="0"/>
-              <a:t>lock</a:t>
+              <a:t>only one winner gets the lock</a:t>
             </a:r>
           </a:p>
           <a:p>
@@ -24896,26 +24143,9 @@
               <a:buChar char="•"/>
             </a:pPr>
             <a:r>
-              <a:rPr lang="en-US" dirty="0" smtClean="0"/>
-              <a:t>loser </a:t>
-            </a:r>
-            <a:r>
               <a:rPr lang="en-US" dirty="0"/>
-              <a:t>is </a:t>
-            </a:r>
-            <a:r>
-              <a:rPr lang="en-US" dirty="0" smtClean="0"/>
-              <a:t>blocked (waits) </a:t>
-            </a:r>
-            <a:r>
-              <a:rPr lang="en-US" dirty="0"/>
-              <a:t>until winner </a:t>
-            </a:r>
-            <a:r>
-              <a:rPr lang="en-US" dirty="0" smtClean="0"/>
-              <a:t>finishes</a:t>
-            </a:r>
-            <a:endParaRPr lang="en-US" dirty="0"/>
+              <a:t>loser is blocked (waits) until winner finishes</a:t>
+            </a:r>
           </a:p>
         </p:txBody>
       </p:sp>
@@ -24954,19 +24184,19 @@
           <a:lstStyle/>
           <a:p>
             <a:r>
-              <a:rPr lang="en-US" sz="2400" dirty="0" smtClean="0">
+              <a:rPr lang="en-US" sz="2400" dirty="0">
                 <a:latin typeface="+mj-lt"/>
               </a:rPr>
               <a:t>A set of TXNs is </a:t>
             </a:r>
             <a:r>
-              <a:rPr lang="en-US" sz="2400" b="1" u="sng" dirty="0" smtClean="0">
+              <a:rPr lang="en-US" sz="2400" b="1" u="sng" dirty="0">
                 <a:latin typeface="+mj-lt"/>
               </a:rPr>
               <a:t>isolated</a:t>
             </a:r>
             <a:r>
-              <a:rPr lang="en-US" sz="2400" dirty="0" smtClean="0">
+              <a:rPr lang="en-US" sz="2400" dirty="0">
                 <a:latin typeface="+mj-lt"/>
               </a:rPr>
               <a:t> if their effect is as if all were executed serially</a:t>
@@ -25092,18 +24322,6 @@
             <a:lstStyle/>
             <a:p>
               <a:r>
-                <a:rPr lang="en-US" sz="1400" b="1" i="1" dirty="0" smtClean="0">
-                  <a:solidFill>
-                    <a:schemeClr val="tx1">
-                      <a:lumMod val="65000"/>
-                      <a:lumOff val="35000"/>
-                    </a:schemeClr>
-                  </a:solidFill>
-                  <a:latin typeface="+mj-lt"/>
-                </a:rPr>
-                <a:t>Section </a:t>
-              </a:r>
-              <a:r>
                 <a:rPr lang="en-US" sz="1400" b="1" i="1" dirty="0">
                   <a:solidFill>
                     <a:schemeClr val="tx1">
@@ -25113,29 +24331,8 @@
                   </a:solidFill>
                   <a:latin typeface="+mj-lt"/>
                 </a:rPr>
-                <a:t>3</a:t>
+                <a:t>Section 3  &gt;  DBMS Challenges</a:t>
               </a:r>
-              <a:r>
-                <a:rPr lang="en-US" sz="1400" b="1" i="1" dirty="0" smtClean="0">
-                  <a:solidFill>
-                    <a:schemeClr val="tx1">
-                      <a:lumMod val="65000"/>
-                      <a:lumOff val="35000"/>
-                    </a:schemeClr>
-                  </a:solidFill>
-                  <a:latin typeface="+mj-lt"/>
-                </a:rPr>
-                <a:t>  &gt;  DBMS Challenges</a:t>
-              </a:r>
-              <a:endParaRPr lang="en-US" sz="1400" b="1" i="1" dirty="0">
-                <a:solidFill>
-                  <a:schemeClr val="tx1">
-                    <a:lumMod val="65000"/>
-                    <a:lumOff val="35000"/>
-                  </a:schemeClr>
-                </a:solidFill>
-                <a:latin typeface="+mj-lt"/>
-              </a:endParaRPr>
             </a:p>
           </p:txBody>
         </p:sp>
@@ -25176,43 +24373,15 @@
           <a:p>
             <a:r>
               <a:rPr lang="en-US" sz="2000" dirty="0"/>
-              <a:t>What if </a:t>
-            </a:r>
-            <a:r>
-              <a:rPr lang="en-US" sz="2000" dirty="0" smtClean="0"/>
-              <a:t>T</a:t>
-            </a:r>
-            <a:r>
-              <a:rPr lang="en-US" sz="2000" baseline="-25000" dirty="0" smtClean="0"/>
+              <a:t>What if T</a:t>
+            </a:r>
+            <a:r>
+              <a:rPr lang="en-US" sz="2000" baseline="-25000" dirty="0"/>
               <a:t>i </a:t>
             </a:r>
             <a:r>
-              <a:rPr lang="en-US" sz="2000" dirty="0" smtClean="0"/>
+              <a:rPr lang="en-US" sz="2000" dirty="0"/>
               <a:t>and </a:t>
-            </a:r>
-            <a:r>
-              <a:rPr lang="en-US" sz="2000" dirty="0" err="1" smtClean="0"/>
-              <a:t>T</a:t>
-            </a:r>
-            <a:r>
-              <a:rPr lang="en-US" sz="2000" baseline="-25000" dirty="0" err="1" smtClean="0"/>
-              <a:t>j</a:t>
-            </a:r>
-            <a:r>
-              <a:rPr lang="en-US" sz="2000" dirty="0" smtClean="0"/>
-              <a:t> need X and Y, and T</a:t>
-            </a:r>
-            <a:r>
-              <a:rPr lang="en-US" sz="2000" baseline="-25000" dirty="0" smtClean="0"/>
-              <a:t>i</a:t>
-            </a:r>
-            <a:r>
-              <a:rPr lang="en-US" sz="2000" dirty="0" smtClean="0"/>
-              <a:t> asks </a:t>
-            </a:r>
-            <a:r>
-              <a:rPr lang="en-US" sz="2000" dirty="0"/>
-              <a:t>for X before </a:t>
             </a:r>
             <a:r>
               <a:rPr lang="en-US" sz="2000" dirty="0" err="1"/>
@@ -25223,6 +24392,26 @@
               <a:t>j</a:t>
             </a:r>
             <a:r>
+              <a:rPr lang="en-US" sz="2000" dirty="0"/>
+              <a:t> need X and Y, and T</a:t>
+            </a:r>
+            <a:r>
+              <a:rPr lang="en-US" sz="2000" baseline="-25000" dirty="0"/>
+              <a:t>i</a:t>
+            </a:r>
+            <a:r>
+              <a:rPr lang="en-US" sz="2000" dirty="0"/>
+              <a:t> asks for X before </a:t>
+            </a:r>
+            <a:r>
+              <a:rPr lang="en-US" sz="2000" dirty="0" err="1"/>
+              <a:t>T</a:t>
+            </a:r>
+            <a:r>
+              <a:rPr lang="en-US" sz="2000" baseline="-25000" dirty="0" err="1"/>
+              <a:t>j</a:t>
+            </a:r>
+            <a:r>
               <a:rPr lang="en-US" sz="2000" baseline="-25000" dirty="0"/>
               <a:t>,</a:t>
             </a:r>
@@ -25247,24 +24436,23 @@
               <a:t>i</a:t>
             </a:r>
             <a:r>
-              <a:rPr lang="en-US" sz="2000" dirty="0" smtClean="0"/>
+              <a:rPr lang="en-US" sz="2000" dirty="0"/>
               <a:t>?</a:t>
             </a:r>
           </a:p>
           <a:p>
             <a:r>
-              <a:rPr lang="en-US" sz="2000" dirty="0" smtClean="0"/>
+              <a:rPr lang="en-US" sz="2000" dirty="0"/>
               <a:t>-&gt; </a:t>
             </a:r>
             <a:r>
-              <a:rPr lang="en-US" sz="2000" i="1" dirty="0" smtClean="0"/>
+              <a:rPr lang="en-US" sz="2000" i="1" dirty="0"/>
               <a:t>Deadlock!  </a:t>
             </a:r>
             <a:r>
-              <a:rPr lang="en-US" sz="2000" dirty="0" smtClean="0"/>
+              <a:rPr lang="en-US" sz="2000" dirty="0"/>
               <a:t>One is aborted…</a:t>
             </a:r>
-            <a:endParaRPr lang="en-US" sz="2000" dirty="0"/>
           </a:p>
         </p:txBody>
       </p:sp>
@@ -25304,14 +24492,11 @@
           <a:p>
             <a:pPr algn="ctr"/>
             <a:r>
-              <a:rPr lang="en-US" sz="2400" dirty="0" smtClean="0">
+              <a:rPr lang="en-US" sz="2400" dirty="0">
                 <a:latin typeface="+mj-lt"/>
               </a:rPr>
               <a:t>All concurrency issues handled by the DBMS…</a:t>
             </a:r>
-            <a:endParaRPr lang="en-US" sz="2400" dirty="0">
-              <a:latin typeface="+mj-lt"/>
-            </a:endParaRPr>
           </a:p>
         </p:txBody>
       </p:sp>
@@ -25782,28 +24967,16 @@
           <a:lstStyle/>
           <a:p>
             <a:r>
-              <a:rPr lang="en-US" dirty="0" smtClean="0"/>
-              <a:t>DBMS </a:t>
-            </a:r>
-            <a:r>
               <a:rPr lang="en-US" dirty="0"/>
-              <a:t>ensures </a:t>
-            </a:r>
-            <a:r>
-              <a:rPr lang="en-US" b="1" dirty="0" smtClean="0"/>
+              <a:t>DBMS ensures </a:t>
+            </a:r>
+            <a:r>
+              <a:rPr lang="en-US" b="1" dirty="0"/>
               <a:t>atomicity</a:t>
             </a:r>
             <a:r>
-              <a:rPr lang="en-US" dirty="0" smtClean="0"/>
-              <a:t> even </a:t>
-            </a:r>
-            <a:r>
               <a:rPr lang="en-US" dirty="0"/>
-              <a:t>if a </a:t>
-            </a:r>
-            <a:r>
-              <a:rPr lang="en-US" dirty="0" smtClean="0"/>
-              <a:t>TXN crashes!</a:t>
+              <a:t> even if a TXN crashes!</a:t>
             </a:r>
           </a:p>
           <a:p>
@@ -25814,45 +24987,44 @@
           </a:p>
           <a:p>
             <a:r>
-              <a:rPr lang="en-US" dirty="0" smtClean="0"/>
+              <a:rPr lang="en-US" dirty="0"/>
               <a:t>One way to accomplish this: </a:t>
             </a:r>
             <a:r>
-              <a:rPr lang="en-US" b="1" dirty="0" smtClean="0"/>
+              <a:rPr lang="en-US" b="1" dirty="0"/>
               <a:t>Write-ahead logging (WAL)</a:t>
             </a:r>
-            <a:endParaRPr lang="en-US" b="1" dirty="0"/>
           </a:p>
           <a:p>
             <a:pPr lvl="1"/>
-            <a:endParaRPr lang="en-US" i="1" dirty="0" smtClean="0"/>
-          </a:p>
-          <a:p>
-            <a:r>
-              <a:rPr lang="en-US" b="1" dirty="0" smtClean="0"/>
+            <a:endParaRPr lang="en-US" i="1" dirty="0"/>
+          </a:p>
+          <a:p>
+            <a:r>
+              <a:rPr lang="en-US" b="1" dirty="0"/>
               <a:t>Key Idea</a:t>
             </a:r>
             <a:r>
-              <a:rPr lang="en-US" i="1" dirty="0" smtClean="0"/>
+              <a:rPr lang="en-US" i="1" dirty="0"/>
               <a:t>:</a:t>
             </a:r>
             <a:r>
-              <a:rPr lang="en-US" b="1" dirty="0" smtClean="0"/>
+              <a:rPr lang="en-US" b="1" dirty="0"/>
               <a:t> </a:t>
             </a:r>
             <a:r>
-              <a:rPr lang="en-US" dirty="0" smtClean="0"/>
+              <a:rPr lang="en-US" dirty="0"/>
               <a:t>Keep a log of all the writes done.</a:t>
             </a:r>
           </a:p>
           <a:p>
             <a:pPr lvl="1"/>
             <a:r>
-              <a:rPr lang="en-US" dirty="0" smtClean="0"/>
+              <a:rPr lang="en-US" dirty="0"/>
               <a:t>After a crash, the partially executed TXNs are undone using the </a:t>
             </a:r>
             <a:r>
-              <a:rPr lang="en-US" u="sng" dirty="0" smtClean="0"/>
+              <a:rPr lang="en-US" u="sng" dirty="0"/>
               <a:t>log</a:t>
             </a:r>
             <a:endParaRPr lang="en-US" dirty="0"/>
@@ -25894,13 +25066,13 @@
           <a:lstStyle/>
           <a:p>
             <a:r>
-              <a:rPr lang="en-US" sz="2400" b="1" u="sng" dirty="0" smtClean="0">
+              <a:rPr lang="en-US" sz="2400" b="1" u="sng" dirty="0">
                 <a:latin typeface="+mj-lt"/>
               </a:rPr>
               <a:t>Write-ahead Logging (WAL):</a:t>
             </a:r>
             <a:r>
-              <a:rPr lang="en-US" sz="2400" dirty="0" smtClean="0">
+              <a:rPr lang="en-US" sz="2400" dirty="0">
                 <a:latin typeface="+mj-lt"/>
               </a:rPr>
               <a:t> Before any action is finalized, a corresponding log entry is forced to disk</a:t>
@@ -26026,18 +25198,6 @@
             <a:lstStyle/>
             <a:p>
               <a:r>
-                <a:rPr lang="en-US" sz="1400" b="1" i="1" dirty="0" smtClean="0">
-                  <a:solidFill>
-                    <a:schemeClr val="tx1">
-                      <a:lumMod val="65000"/>
-                      <a:lumOff val="35000"/>
-                    </a:schemeClr>
-                  </a:solidFill>
-                  <a:latin typeface="+mj-lt"/>
-                </a:rPr>
-                <a:t>Section </a:t>
-              </a:r>
-              <a:r>
                 <a:rPr lang="en-US" sz="1400" b="1" i="1" dirty="0">
                   <a:solidFill>
                     <a:schemeClr val="tx1">
@@ -26047,29 +25207,8 @@
                   </a:solidFill>
                   <a:latin typeface="+mj-lt"/>
                 </a:rPr>
-                <a:t>3</a:t>
+                <a:t>Section 3  &gt;  DBMS Challenges</a:t>
               </a:r>
-              <a:r>
-                <a:rPr lang="en-US" sz="1400" b="1" i="1" dirty="0" smtClean="0">
-                  <a:solidFill>
-                    <a:schemeClr val="tx1">
-                      <a:lumMod val="65000"/>
-                      <a:lumOff val="35000"/>
-                    </a:schemeClr>
-                  </a:solidFill>
-                  <a:latin typeface="+mj-lt"/>
-                </a:rPr>
-                <a:t>  &gt;  DBMS Challenges</a:t>
-              </a:r>
-              <a:endParaRPr lang="en-US" sz="1400" b="1" i="1" dirty="0">
-                <a:solidFill>
-                  <a:schemeClr val="tx1">
-                    <a:lumMod val="65000"/>
-                    <a:lumOff val="35000"/>
-                  </a:schemeClr>
-                </a:solidFill>
-                <a:latin typeface="+mj-lt"/>
-              </a:endParaRPr>
             </a:p>
           </p:txBody>
         </p:sp>
@@ -26109,10 +25248,9 @@
           <a:lstStyle/>
           <a:p>
             <a:r>
-              <a:rPr lang="en-US" i="1" dirty="0" smtClean="0"/>
+              <a:rPr lang="en-US" i="1" dirty="0"/>
               <a:t>We assume that the log is on “stable” storage</a:t>
             </a:r>
-            <a:endParaRPr lang="en-US" i="1" dirty="0"/>
           </a:p>
         </p:txBody>
       </p:sp>
@@ -26152,14 +25290,11 @@
           <a:p>
             <a:pPr algn="ctr"/>
             <a:r>
-              <a:rPr lang="en-US" sz="2400" dirty="0" smtClean="0">
+              <a:rPr lang="en-US" sz="2400" dirty="0">
                 <a:latin typeface="+mj-lt"/>
               </a:rPr>
               <a:t>All atomicity issues also handled by the DBMS…</a:t>
             </a:r>
-            <a:endParaRPr lang="en-US" sz="2400" dirty="0">
-              <a:latin typeface="+mj-lt"/>
-            </a:endParaRPr>
           </a:p>
         </p:txBody>
       </p:sp>
@@ -26528,12 +25663,8 @@
           <a:lstStyle/>
           <a:p>
             <a:r>
-              <a:rPr lang="en-US" dirty="0" smtClean="0"/>
-              <a:t>A Well-Designed DBMS makes many people happy</a:t>
-            </a:r>
-            <a:r>
               <a:rPr lang="en-US" dirty="0"/>
-              <a:t>!</a:t>
+              <a:t>A Well-Designed DBMS makes many people happy!</a:t>
             </a:r>
           </a:p>
         </p:txBody>
@@ -26561,51 +25692,50 @@
           <a:lstStyle/>
           <a:p>
             <a:r>
-              <a:rPr lang="en-US" dirty="0" smtClean="0"/>
+              <a:rPr lang="en-US" dirty="0"/>
               <a:t>End users and DBMS vendors</a:t>
             </a:r>
           </a:p>
           <a:p>
             <a:pPr lvl="1"/>
             <a:r>
-              <a:rPr lang="en-US" dirty="0" smtClean="0"/>
+              <a:rPr lang="en-US" dirty="0"/>
               <a:t>Reduces cost and makes money</a:t>
             </a:r>
           </a:p>
           <a:p>
             <a:pPr lvl="1"/>
-            <a:endParaRPr lang="en-US" dirty="0" smtClean="0"/>
-          </a:p>
-          <a:p>
-            <a:r>
-              <a:rPr lang="en-US" dirty="0" smtClean="0"/>
+            <a:endParaRPr lang="en-US" dirty="0"/>
+          </a:p>
+          <a:p>
+            <a:r>
+              <a:rPr lang="en-US" dirty="0"/>
               <a:t>DB application programmers</a:t>
             </a:r>
           </a:p>
           <a:p>
             <a:pPr lvl="1"/>
             <a:r>
-              <a:rPr lang="en-US" dirty="0" smtClean="0"/>
+              <a:rPr lang="en-US" dirty="0"/>
               <a:t>Can handle more users, faster, for cheaper, and with better reliability / security guarantees!</a:t>
             </a:r>
           </a:p>
           <a:p>
             <a:pPr lvl="1"/>
-            <a:endParaRPr lang="en-US" dirty="0" smtClean="0"/>
-          </a:p>
-          <a:p>
-            <a:r>
-              <a:rPr lang="en-US" dirty="0" smtClean="0"/>
+            <a:endParaRPr lang="en-US" dirty="0"/>
+          </a:p>
+          <a:p>
+            <a:r>
+              <a:rPr lang="en-US" dirty="0"/>
               <a:t>Database administrators (DBA)</a:t>
             </a:r>
           </a:p>
           <a:p>
             <a:pPr lvl="1"/>
             <a:r>
-              <a:rPr lang="en-US" dirty="0" smtClean="0"/>
+              <a:rPr lang="en-US" dirty="0"/>
               <a:t>Easier time of designing logical/physical schema, handling security/authorization, tuning, crash recovery, and more…</a:t>
             </a:r>
-            <a:endParaRPr lang="en-US" dirty="0"/>
           </a:p>
         </p:txBody>
       </p:sp>
@@ -26647,17 +25777,8 @@
               <a:rPr lang="en-US" sz="2000" i="1" dirty="0">
                 <a:latin typeface="+mj-lt"/>
               </a:rPr>
-              <a:t>Must </a:t>
-            </a:r>
-            <a:r>
-              <a:rPr lang="en-US" sz="2000" i="1" dirty="0" smtClean="0">
-                <a:latin typeface="+mj-lt"/>
-              </a:rPr>
-              <a:t>still understand </a:t>
-            </a:r>
-            <a:endParaRPr lang="en-US" sz="2000" i="1" dirty="0">
-              <a:latin typeface="+mj-lt"/>
-            </a:endParaRPr>
+              <a:t>Must still understand </a:t>
+            </a:r>
           </a:p>
           <a:p>
             <a:r>
@@ -26784,18 +25905,6 @@
             <a:lstStyle/>
             <a:p>
               <a:r>
-                <a:rPr lang="en-US" sz="1400" b="1" i="1" dirty="0" smtClean="0">
-                  <a:solidFill>
-                    <a:schemeClr val="tx1">
-                      <a:lumMod val="65000"/>
-                      <a:lumOff val="35000"/>
-                    </a:schemeClr>
-                  </a:solidFill>
-                  <a:latin typeface="+mj-lt"/>
-                </a:rPr>
-                <a:t>Section </a:t>
-              </a:r>
-              <a:r>
                 <a:rPr lang="en-US" sz="1400" b="1" i="1" dirty="0">
                   <a:solidFill>
                     <a:schemeClr val="tx1">
@@ -26805,29 +25914,8 @@
                   </a:solidFill>
                   <a:latin typeface="+mj-lt"/>
                 </a:rPr>
-                <a:t>3</a:t>
+                <a:t>Section 3  &gt;  Summary</a:t>
               </a:r>
-              <a:r>
-                <a:rPr lang="en-US" sz="1400" b="1" i="1" dirty="0" smtClean="0">
-                  <a:solidFill>
-                    <a:schemeClr val="tx1">
-                      <a:lumMod val="65000"/>
-                      <a:lumOff val="35000"/>
-                    </a:schemeClr>
-                  </a:solidFill>
-                  <a:latin typeface="+mj-lt"/>
-                </a:rPr>
-                <a:t>  &gt;  Summary</a:t>
-              </a:r>
-              <a:endParaRPr lang="en-US" sz="1400" b="1" i="1" dirty="0">
-                <a:solidFill>
-                  <a:schemeClr val="tx1">
-                    <a:lumMod val="65000"/>
-                    <a:lumOff val="35000"/>
-                  </a:schemeClr>
-                </a:solidFill>
-                <a:latin typeface="+mj-lt"/>
-              </a:endParaRPr>
             </a:p>
           </p:txBody>
         </p:sp>
@@ -27173,10 +26261,9 @@
           <a:lstStyle/>
           <a:p>
             <a:r>
-              <a:rPr lang="en-US" dirty="0" smtClean="0"/>
+              <a:rPr lang="en-US" dirty="0"/>
               <a:t>Summary of DBMS</a:t>
             </a:r>
-            <a:endParaRPr lang="en-US" dirty="0"/>
           </a:p>
         </p:txBody>
       </p:sp>
@@ -27198,44 +26285,43 @@
           <a:lstStyle/>
           <a:p>
             <a:r>
-              <a:rPr lang="en-US" dirty="0" smtClean="0"/>
+              <a:rPr lang="en-US" dirty="0"/>
               <a:t>DBMS are used to maintain, query, and manage large datasets.</a:t>
             </a:r>
           </a:p>
           <a:p>
             <a:pPr lvl="1"/>
             <a:r>
-              <a:rPr lang="en-US" dirty="0" smtClean="0"/>
+              <a:rPr lang="en-US" dirty="0"/>
               <a:t>Provide concurrency, recovery from crashes, quick application development, integrity, and security</a:t>
             </a:r>
           </a:p>
           <a:p>
-            <a:endParaRPr lang="en-US" dirty="0" smtClean="0"/>
-          </a:p>
-          <a:p>
-            <a:r>
-              <a:rPr lang="en-US" dirty="0" smtClean="0"/>
+            <a:endParaRPr lang="en-US" dirty="0"/>
+          </a:p>
+          <a:p>
+            <a:r>
+              <a:rPr lang="en-US" dirty="0"/>
               <a:t>Key abstractions give </a:t>
             </a:r>
             <a:r>
-              <a:rPr lang="en-US" b="1" dirty="0" smtClean="0"/>
+              <a:rPr lang="en-US" b="1" dirty="0"/>
               <a:t>data independence</a:t>
             </a:r>
-            <a:endParaRPr lang="en-US" dirty="0" smtClean="0"/>
-          </a:p>
-          <a:p>
-            <a:endParaRPr lang="en-US" dirty="0" smtClean="0"/>
-          </a:p>
-          <a:p>
-            <a:r>
-              <a:rPr lang="en-US" dirty="0" smtClean="0"/>
+            <a:endParaRPr lang="en-US" dirty="0"/>
+          </a:p>
+          <a:p>
+            <a:endParaRPr lang="en-US" dirty="0"/>
+          </a:p>
+          <a:p>
+            <a:r>
+              <a:rPr lang="en-US" dirty="0"/>
               <a:t>DBMS R&amp;D is one of the broadest, most exciting fields in CS. </a:t>
             </a:r>
             <a:r>
-              <a:rPr lang="en-US" b="1" dirty="0" smtClean="0"/>
+              <a:rPr lang="en-US" b="1" dirty="0"/>
               <a:t>Fact! </a:t>
             </a:r>
-            <a:endParaRPr lang="en-US" b="1" dirty="0"/>
           </a:p>
         </p:txBody>
       </p:sp>
@@ -27354,7 +26440,7 @@
             <a:lstStyle/>
             <a:p>
               <a:r>
-                <a:rPr lang="en-US" sz="1400" b="1" i="1" smtClean="0">
+                <a:rPr lang="en-US" sz="1400" b="1" i="1">
                   <a:solidFill>
                     <a:schemeClr val="tx1">
                       <a:lumMod val="65000"/>
@@ -27378,7 +26464,7 @@
                 <a:t>3</a:t>
               </a:r>
               <a:r>
-                <a:rPr lang="en-US" sz="1400" b="1" i="1" smtClean="0">
+                <a:rPr lang="en-US" sz="1400" b="1" i="1">
                   <a:solidFill>
                     <a:schemeClr val="tx1">
                       <a:lumMod val="65000"/>
@@ -27390,7 +26476,7 @@
                 <a:t>  </a:t>
               </a:r>
               <a:r>
-                <a:rPr lang="en-US" sz="1400" b="1" i="1" dirty="0" smtClean="0">
+                <a:rPr lang="en-US" sz="1400" b="1" i="1" dirty="0">
                   <a:solidFill>
                     <a:schemeClr val="tx1">
                       <a:lumMod val="65000"/>
@@ -27401,15 +26487,6 @@
                 </a:rPr>
                 <a:t>&gt;  Summary</a:t>
               </a:r>
-              <a:endParaRPr lang="en-US" sz="1400" b="1" i="1" dirty="0">
-                <a:solidFill>
-                  <a:schemeClr val="tx1">
-                    <a:lumMod val="65000"/>
-                    <a:lumOff val="35000"/>
-                  </a:schemeClr>
-                </a:solidFill>
-                <a:latin typeface="+mj-lt"/>
-              </a:endParaRPr>
             </a:p>
           </p:txBody>
         </p:sp>
@@ -27663,10 +26740,9 @@
           <a:lstStyle/>
           <a:p>
             <a:r>
-              <a:rPr lang="en-US" dirty="0" smtClean="0"/>
+              <a:rPr lang="en-US" dirty="0"/>
               <a:t>Today’s Lecture</a:t>
             </a:r>
-            <a:endParaRPr lang="en-US" dirty="0"/>
           </a:p>
         </p:txBody>
       </p:sp>
@@ -27691,7 +26767,7 @@
               <a:buFont typeface="+mj-lt"/>
               <a:buAutoNum type="arabicPeriod"/>
             </a:pPr>
-            <a:endParaRPr lang="en-US" dirty="0" smtClean="0">
+            <a:endParaRPr lang="en-US" dirty="0">
               <a:latin typeface="+mj-lt"/>
             </a:endParaRPr>
           </a:p>
@@ -27701,31 +26777,28 @@
               <a:buAutoNum type="arabicPeriod"/>
             </a:pPr>
             <a:r>
-              <a:rPr lang="en-US" dirty="0" smtClean="0">
+              <a:rPr lang="en-US" dirty="0">
                 <a:latin typeface="+mj-lt"/>
               </a:rPr>
               <a:t>Introduction, admin &amp; setup</a:t>
             </a:r>
-            <a:endParaRPr lang="en-US" dirty="0">
-              <a:latin typeface="+mj-lt"/>
-            </a:endParaRPr>
           </a:p>
           <a:p>
             <a:pPr lvl="1"/>
             <a:r>
-              <a:rPr lang="en-US" dirty="0" smtClean="0">
+              <a:rPr lang="en-US" dirty="0">
                 <a:latin typeface="+mj-lt"/>
               </a:rPr>
               <a:t>ACTIVITY: </a:t>
             </a:r>
             <a:r>
-              <a:rPr lang="en-US" dirty="0" err="1" smtClean="0">
+              <a:rPr lang="en-US" dirty="0" err="1">
                 <a:latin typeface="+mj-lt"/>
               </a:rPr>
               <a:t>Jupyter</a:t>
             </a:r>
             <a:r>
-              <a:rPr lang="en-US" dirty="0" smtClean="0">
+              <a:rPr lang="en-US" dirty="0">
                 <a:latin typeface="+mj-lt"/>
               </a:rPr>
               <a:t> “Hello World!”</a:t>
@@ -27743,7 +26816,7 @@
               <a:buAutoNum type="arabicPeriod"/>
             </a:pPr>
             <a:r>
-              <a:rPr lang="en-US" dirty="0" smtClean="0">
+              <a:rPr lang="en-US" dirty="0">
                 <a:latin typeface="+mj-lt"/>
               </a:rPr>
               <a:t>Overview of the relational data model</a:t>
@@ -27752,18 +26825,18 @@
           <a:p>
             <a:pPr lvl="1"/>
             <a:r>
-              <a:rPr lang="en-US" dirty="0" smtClean="0">
+              <a:rPr lang="en-US" dirty="0">
                 <a:latin typeface="+mj-lt"/>
               </a:rPr>
               <a:t>ACTIVITY: SQL in </a:t>
             </a:r>
             <a:r>
-              <a:rPr lang="en-US" dirty="0" err="1" smtClean="0">
+              <a:rPr lang="en-US" dirty="0" err="1">
                 <a:latin typeface="+mj-lt"/>
               </a:rPr>
               <a:t>Jupyter</a:t>
             </a:r>
-            <a:endParaRPr lang="en-US" dirty="0" smtClean="0">
+            <a:endParaRPr lang="en-US" dirty="0">
               <a:latin typeface="+mj-lt"/>
             </a:endParaRPr>
           </a:p>
@@ -27779,14 +26852,11 @@
               <a:buAutoNum type="arabicPeriod"/>
             </a:pPr>
             <a:r>
-              <a:rPr lang="en-US" dirty="0" smtClean="0">
+              <a:rPr lang="en-US" dirty="0">
                 <a:latin typeface="+mj-lt"/>
               </a:rPr>
               <a:t>Overview of DBMS topics: Key concepts &amp; challenges</a:t>
             </a:r>
-            <a:endParaRPr lang="en-US" dirty="0">
-              <a:latin typeface="+mj-lt"/>
-            </a:endParaRPr>
           </a:p>
         </p:txBody>
       </p:sp>
@@ -27873,13 +26943,6 @@
   <p:clrMapOvr>
     <a:masterClrMapping/>
   </p:clrMapOvr>
-  <p:timing>
-    <p:tnLst>
-      <p:par>
-        <p:cTn xmlns:p14="http://schemas.microsoft.com/office/powerpoint/2010/main" id="1" dur="indefinite" restart="never" nodeType="tmRoot"/>
-      </p:par>
-    </p:tnLst>
-  </p:timing>
 </p:sld>
 </file>
 
@@ -27916,18 +26979,9 @@
           <a:lstStyle/>
           <a:p>
             <a:r>
-              <a:rPr lang="en-US" dirty="0" smtClean="0"/>
-              <a:t>1. </a:t>
-            </a:r>
-            <a:r>
               <a:rPr lang="en-US" dirty="0"/>
-              <a:t>Introduction, admin &amp; </a:t>
-            </a:r>
-            <a:r>
-              <a:rPr lang="en-US" dirty="0" smtClean="0"/>
-              <a:t>setup</a:t>
-            </a:r>
-            <a:endParaRPr lang="en-US" dirty="0"/>
+              <a:t>1. Introduction, admin &amp; setup</a:t>
+            </a:r>
           </a:p>
         </p:txBody>
       </p:sp>
@@ -28045,7 +27099,7 @@
             <a:lstStyle/>
             <a:p>
               <a:r>
-                <a:rPr lang="en-US" sz="1400" b="1" i="1" dirty="0" smtClean="0">
+                <a:rPr lang="en-US" sz="1400" b="1" i="1" dirty="0">
                   <a:solidFill>
                     <a:schemeClr val="tx1">
                       <a:lumMod val="65000"/>
@@ -28056,15 +27110,6 @@
                 </a:rPr>
                 <a:t>Section 1</a:t>
               </a:r>
-              <a:endParaRPr lang="en-US" sz="1400" b="1" i="1" dirty="0">
-                <a:solidFill>
-                  <a:schemeClr val="tx1">
-                    <a:lumMod val="65000"/>
-                    <a:lumOff val="35000"/>
-                  </a:schemeClr>
-                </a:solidFill>
-                <a:latin typeface="+mj-lt"/>
-              </a:endParaRPr>
             </a:p>
           </p:txBody>
         </p:sp>
@@ -28079,13 +27124,6 @@
   <p:clrMapOvr>
     <a:masterClrMapping/>
   </p:clrMapOvr>
-  <p:timing>
-    <p:tnLst>
-      <p:par>
-        <p:cTn xmlns:p14="http://schemas.microsoft.com/office/powerpoint/2010/main" id="1" dur="indefinite" restart="never" nodeType="tmRoot"/>
-      </p:par>
-    </p:tnLst>
-  </p:timing>
 </p:sld>
 </file>
 
@@ -28168,10 +27206,9 @@
           <a:lstStyle/>
           <a:p>
             <a:r>
-              <a:rPr lang="en-US" dirty="0" smtClean="0"/>
+              <a:rPr lang="en-US" dirty="0"/>
               <a:t>What you will learn about in this section</a:t>
             </a:r>
-            <a:endParaRPr lang="en-US" dirty="0"/>
           </a:p>
         </p:txBody>
       </p:sp>
@@ -28201,79 +27238,10 @@
               <a:buAutoNum type="arabicPeriod"/>
             </a:pPr>
             <a:r>
-              <a:rPr lang="en-US" dirty="0" smtClean="0">
+              <a:rPr lang="en-US" dirty="0">
                 <a:latin typeface="+mj-lt"/>
               </a:rPr>
               <a:t>Motivation for studying DBs</a:t>
-            </a:r>
-          </a:p>
-          <a:p>
-            <a:pPr marL="514350" indent="-514350">
-              <a:buAutoNum type="arabicPeriod"/>
-            </a:pPr>
-            <a:endParaRPr lang="en-US" dirty="0" smtClean="0">
-              <a:latin typeface="+mj-lt"/>
-            </a:endParaRPr>
-          </a:p>
-          <a:p>
-            <a:pPr marL="514350" indent="-514350">
-              <a:buAutoNum type="arabicPeriod"/>
-            </a:pPr>
-            <a:r>
-              <a:rPr lang="en-US" dirty="0" smtClean="0">
-                <a:latin typeface="+mj-lt"/>
-              </a:rPr>
-              <a:t>Administrative structure</a:t>
-            </a:r>
-          </a:p>
-          <a:p>
-            <a:pPr marL="514350" indent="-514350">
-              <a:buAutoNum type="arabicPeriod"/>
-            </a:pPr>
-            <a:endParaRPr lang="en-US" dirty="0" smtClean="0">
-              <a:latin typeface="+mj-lt"/>
-            </a:endParaRPr>
-          </a:p>
-          <a:p>
-            <a:pPr marL="514350" indent="-514350">
-              <a:buAutoNum type="arabicPeriod"/>
-            </a:pPr>
-            <a:r>
-              <a:rPr lang="en-US" dirty="0" smtClean="0">
-                <a:latin typeface="+mj-lt"/>
-              </a:rPr>
-              <a:t>Course logistics</a:t>
-            </a:r>
-          </a:p>
-          <a:p>
-            <a:pPr marL="514350" indent="-514350">
-              <a:buAutoNum type="arabicPeriod"/>
-            </a:pPr>
-            <a:endParaRPr lang="en-US" dirty="0" smtClean="0">
-              <a:latin typeface="+mj-lt"/>
-            </a:endParaRPr>
-          </a:p>
-          <a:p>
-            <a:pPr marL="514350" indent="-514350">
-              <a:buAutoNum type="arabicPeriod"/>
-            </a:pPr>
-            <a:r>
-              <a:rPr lang="en-US" dirty="0" smtClean="0">
-                <a:latin typeface="+mj-lt"/>
-              </a:rPr>
-              <a:t>Overview of lecture </a:t>
-            </a:r>
-            <a:r>
-              <a:rPr lang="en-US" dirty="0">
-                <a:latin typeface="+mj-lt"/>
-              </a:rPr>
-              <a:t>c</a:t>
-            </a:r>
-            <a:r>
-              <a:rPr lang="en-US" dirty="0" smtClean="0">
-                <a:latin typeface="+mj-lt"/>
-              </a:rPr>
-              <a:t>overage</a:t>
             </a:r>
           </a:p>
           <a:p>
@@ -28289,26 +27257,80 @@
               <a:buAutoNum type="arabicPeriod"/>
             </a:pPr>
             <a:r>
-              <a:rPr lang="en-US" dirty="0" smtClean="0">
+              <a:rPr lang="en-US" dirty="0">
+                <a:latin typeface="+mj-lt"/>
+              </a:rPr>
+              <a:t>Administrative structure</a:t>
+            </a:r>
+          </a:p>
+          <a:p>
+            <a:pPr marL="514350" indent="-514350">
+              <a:buAutoNum type="arabicPeriod"/>
+            </a:pPr>
+            <a:endParaRPr lang="en-US" dirty="0">
+              <a:latin typeface="+mj-lt"/>
+            </a:endParaRPr>
+          </a:p>
+          <a:p>
+            <a:pPr marL="514350" indent="-514350">
+              <a:buAutoNum type="arabicPeriod"/>
+            </a:pPr>
+            <a:r>
+              <a:rPr lang="en-US" dirty="0">
+                <a:latin typeface="+mj-lt"/>
+              </a:rPr>
+              <a:t>Course logistics</a:t>
+            </a:r>
+          </a:p>
+          <a:p>
+            <a:pPr marL="514350" indent="-514350">
+              <a:buAutoNum type="arabicPeriod"/>
+            </a:pPr>
+            <a:endParaRPr lang="en-US" dirty="0">
+              <a:latin typeface="+mj-lt"/>
+            </a:endParaRPr>
+          </a:p>
+          <a:p>
+            <a:pPr marL="514350" indent="-514350">
+              <a:buAutoNum type="arabicPeriod"/>
+            </a:pPr>
+            <a:r>
+              <a:rPr lang="en-US" dirty="0">
+                <a:latin typeface="+mj-lt"/>
+              </a:rPr>
+              <a:t>Overview of lecture coverage</a:t>
+            </a:r>
+          </a:p>
+          <a:p>
+            <a:pPr marL="514350" indent="-514350">
+              <a:buAutoNum type="arabicPeriod"/>
+            </a:pPr>
+            <a:endParaRPr lang="en-US" dirty="0">
+              <a:latin typeface="+mj-lt"/>
+            </a:endParaRPr>
+          </a:p>
+          <a:p>
+            <a:pPr marL="514350" indent="-514350">
+              <a:buAutoNum type="arabicPeriod"/>
+            </a:pPr>
+            <a:r>
+              <a:rPr lang="en-US" dirty="0">
                 <a:latin typeface="+mj-lt"/>
               </a:rPr>
               <a:t>ACTIVITY: </a:t>
             </a:r>
             <a:r>
-              <a:rPr lang="en-US" dirty="0" err="1" smtClean="0">
+              <a:rPr lang="en-US" dirty="0" err="1">
                 <a:latin typeface="+mj-lt"/>
               </a:rPr>
               <a:t>Jupyter</a:t>
             </a:r>
             <a:r>
-              <a:rPr lang="en-US" dirty="0" smtClean="0">
+              <a:rPr lang="en-US" dirty="0">
                 <a:latin typeface="+mj-lt"/>
               </a:rPr>
               <a:t> “Hello World!”</a:t>
             </a:r>
-            <a:endParaRPr lang="en-US" dirty="0">
-              <a:latin typeface="+mj-lt"/>
-            </a:endParaRPr>
           </a:p>
         </p:txBody>
       </p:sp>
@@ -28427,7 +27449,7 @@
             <a:lstStyle/>
             <a:p>
               <a:r>
-                <a:rPr lang="en-US" sz="1400" b="1" i="1" dirty="0" smtClean="0">
+                <a:rPr lang="en-US" sz="1400" b="1" i="1" dirty="0">
                   <a:solidFill>
                     <a:schemeClr val="tx1">
                       <a:lumMod val="65000"/>
@@ -28438,15 +27460,6 @@
                 </a:rPr>
                 <a:t>Section 1</a:t>
               </a:r>
-              <a:endParaRPr lang="en-US" sz="1400" b="1" i="1" dirty="0">
-                <a:solidFill>
-                  <a:schemeClr val="tx1">
-                    <a:lumMod val="65000"/>
-                    <a:lumOff val="35000"/>
-                  </a:schemeClr>
-                </a:solidFill>
-                <a:latin typeface="+mj-lt"/>
-              </a:endParaRPr>
             </a:p>
           </p:txBody>
         </p:sp>
@@ -28461,13 +27474,6 @@
   <p:clrMapOvr>
     <a:masterClrMapping/>
   </p:clrMapOvr>
-  <p:timing>
-    <p:tnLst>
-      <p:par>
-        <p:cTn xmlns:p14="http://schemas.microsoft.com/office/powerpoint/2010/main" id="1" dur="indefinite" restart="never" nodeType="tmRoot"/>
-      </p:par>
-    </p:tnLst>
-  </p:timing>
 </p:sld>
 </file>
 
@@ -28506,17 +27512,16 @@
           <a:lstStyle/>
           <a:p>
             <a:r>
-              <a:rPr lang="en-US" dirty="0" smtClean="0"/>
+              <a:rPr lang="en-US" dirty="0"/>
               <a:t>Big Data Landscape… </a:t>
             </a:r>
             <a:br>
-              <a:rPr lang="en-US" dirty="0" smtClean="0"/>
+              <a:rPr lang="en-US" dirty="0"/>
             </a:br>
             <a:r>
-              <a:rPr lang="en-US" dirty="0" smtClean="0"/>
+              <a:rPr lang="en-US" dirty="0"/>
               <a:t>Infrastructure is Changing</a:t>
             </a:r>
-            <a:endParaRPr lang="en-US" dirty="0"/>
           </a:p>
         </p:txBody>
       </p:sp>
@@ -28656,22 +27661,16 @@
               <a:t> tech. </a:t>
             </a:r>
             <a:r>
-              <a:rPr lang="en-US" sz="2800" b="1" i="1" dirty="0" smtClean="0">
+              <a:rPr lang="en-US" sz="2800" b="1" i="1" dirty="0">
                 <a:latin typeface="+mj-lt"/>
               </a:rPr>
               <a:t>Same</a:t>
             </a:r>
             <a:r>
-              <a:rPr lang="en-US" sz="2800" b="1" dirty="0" smtClean="0">
-                <a:latin typeface="+mj-lt"/>
-              </a:rPr>
-              <a:t> </a:t>
-            </a:r>
-            <a:r>
               <a:rPr lang="en-US" sz="2800" b="1" dirty="0">
                 <a:latin typeface="+mj-lt"/>
               </a:rPr>
-              <a:t>Principles.</a:t>
+              <a:t> Principles.</a:t>
             </a:r>
           </a:p>
         </p:txBody>
@@ -28767,7 +27766,7 @@
             <a:lstStyle/>
             <a:p>
               <a:r>
-                <a:rPr lang="en-US" sz="1400" b="1" i="1" dirty="0" smtClean="0">
+                <a:rPr lang="en-US" sz="1400" b="1" i="1" dirty="0">
                   <a:solidFill>
                     <a:schemeClr val="tx1">
                       <a:lumMod val="65000"/>
@@ -28778,15 +27777,6 @@
                 </a:rPr>
                 <a:t>Section 1  &gt;  Introduction</a:t>
               </a:r>
-              <a:endParaRPr lang="en-US" sz="1400" b="1" i="1" dirty="0">
-                <a:solidFill>
-                  <a:schemeClr val="tx1">
-                    <a:lumMod val="65000"/>
-                    <a:lumOff val="35000"/>
-                  </a:schemeClr>
-                </a:solidFill>
-                <a:latin typeface="+mj-lt"/>
-              </a:endParaRPr>
             </a:p>
           </p:txBody>
         </p:sp>
@@ -28915,18 +27905,17 @@
           <a:lstStyle/>
           <a:p>
             <a:r>
-              <a:rPr lang="en-US" dirty="0" smtClean="0"/>
+              <a:rPr lang="en-US" dirty="0"/>
               <a:t>Why should </a:t>
             </a:r>
             <a:r>
-              <a:rPr lang="en-US" b="1" dirty="0" smtClean="0"/>
+              <a:rPr lang="en-US" b="1" dirty="0"/>
               <a:t>you</a:t>
             </a:r>
             <a:r>
-              <a:rPr lang="en-US" dirty="0" smtClean="0"/>
+              <a:rPr lang="en-US" dirty="0"/>
               <a:t> study databases?</a:t>
             </a:r>
-            <a:endParaRPr lang="en-US" dirty="0"/>
           </a:p>
         </p:txBody>
       </p:sp>
@@ -28948,67 +27937,63 @@
           <a:lstStyle/>
           <a:p>
             <a:r>
-              <a:rPr lang="en-US" b="1" dirty="0" smtClean="0"/>
+              <a:rPr lang="en-US" b="1" dirty="0"/>
               <a:t>Mercenary</a:t>
             </a:r>
             <a:r>
               <a:rPr lang="en-US" dirty="0"/>
-              <a:t>-</a:t>
-            </a:r>
-            <a:r>
-              <a:rPr lang="en-US" dirty="0" smtClean="0"/>
-              <a:t> </a:t>
-            </a:r>
-            <a:r>
-              <a:rPr lang="en-US" b="1" dirty="0" smtClean="0"/>
+              <a:t>- </a:t>
+            </a:r>
+            <a:r>
+              <a:rPr lang="en-US" b="1" dirty="0"/>
               <a:t>make more $$$:</a:t>
             </a:r>
           </a:p>
           <a:p>
             <a:pPr lvl="1"/>
             <a:r>
-              <a:rPr lang="en-US" dirty="0" smtClean="0"/>
+              <a:rPr lang="en-US" dirty="0"/>
               <a:t>Startups need DB talent right away = low employee #</a:t>
             </a:r>
           </a:p>
           <a:p>
             <a:pPr lvl="1"/>
             <a:r>
-              <a:rPr lang="en-US" dirty="0" smtClean="0"/>
+              <a:rPr lang="en-US" dirty="0"/>
               <a:t>Massive industry…</a:t>
             </a:r>
           </a:p>
           <a:p>
-            <a:endParaRPr lang="en-US" dirty="0" smtClean="0"/>
-          </a:p>
-          <a:p>
-            <a:r>
-              <a:rPr lang="en-US" b="1" dirty="0" smtClean="0"/>
+            <a:endParaRPr lang="en-US" dirty="0"/>
+          </a:p>
+          <a:p>
+            <a:r>
+              <a:rPr lang="en-US" b="1" dirty="0"/>
               <a:t>Intellectual</a:t>
             </a:r>
             <a:r>
-              <a:rPr lang="en-US" dirty="0" smtClean="0"/>
+              <a:rPr lang="en-US" dirty="0"/>
               <a:t>:</a:t>
             </a:r>
           </a:p>
           <a:p>
             <a:pPr lvl="1"/>
             <a:r>
-              <a:rPr lang="en-US" dirty="0" smtClean="0"/>
+              <a:rPr lang="en-US" dirty="0"/>
               <a:t>Science: data poor to data rich</a:t>
             </a:r>
           </a:p>
           <a:p>
             <a:pPr lvl="2"/>
             <a:r>
-              <a:rPr lang="en-US" dirty="0" smtClean="0"/>
+              <a:rPr lang="en-US" dirty="0"/>
               <a:t>No idea how to handle the data!</a:t>
             </a:r>
           </a:p>
           <a:p>
             <a:pPr lvl="1"/>
             <a:r>
-              <a:rPr lang="en-US" dirty="0" smtClean="0"/>
+              <a:rPr lang="en-US" dirty="0"/>
               <a:t>Fundamental ideas to/from all of CS: </a:t>
             </a:r>
           </a:p>
@@ -29016,21 +28001,17 @@
             <a:pPr lvl="2"/>
             <a:r>
               <a:rPr lang="en-US" dirty="0"/>
-              <a:t>S</a:t>
-            </a:r>
-            <a:r>
-              <a:rPr lang="en-US" dirty="0" smtClean="0"/>
-              <a:t>ystems, theory, AI, logic, stats, analysis….</a:t>
-            </a:r>
-          </a:p>
-          <a:p>
-            <a:endParaRPr lang="en-US" dirty="0" smtClean="0"/>
-          </a:p>
-          <a:p>
-            <a:endParaRPr lang="en-US" dirty="0" smtClean="0"/>
-          </a:p>
-          <a:p>
-            <a:endParaRPr lang="en-US" dirty="0" smtClean="0"/>
+              <a:t>Systems, theory, AI, logic, stats, analysis….</a:t>
+            </a:r>
+          </a:p>
+          <a:p>
+            <a:endParaRPr lang="en-US" dirty="0"/>
+          </a:p>
+          <a:p>
+            <a:endParaRPr lang="en-US" dirty="0"/>
+          </a:p>
+          <a:p>
+            <a:endParaRPr lang="en-US" dirty="0"/>
           </a:p>
         </p:txBody>
       </p:sp>
@@ -29337,7 +28318,7 @@
             <a:lstStyle/>
             <a:p>
               <a:r>
-                <a:rPr lang="en-US" sz="1400" b="1" i="1" dirty="0" smtClean="0">
+                <a:rPr lang="en-US" sz="1400" b="1" i="1" dirty="0">
                   <a:solidFill>
                     <a:schemeClr val="tx1">
                       <a:lumMod val="65000"/>
@@ -29348,15 +28329,6 @@
                 </a:rPr>
                 <a:t>Section 1  &gt;  Introduction</a:t>
               </a:r>
-              <a:endParaRPr lang="en-US" sz="1400" b="1" i="1" dirty="0">
-                <a:solidFill>
-                  <a:schemeClr val="tx1">
-                    <a:lumMod val="65000"/>
-                    <a:lumOff val="35000"/>
-                  </a:schemeClr>
-                </a:solidFill>
-                <a:latin typeface="+mj-lt"/>
-              </a:endParaRPr>
             </a:p>
           </p:txBody>
         </p:sp>
